--- a/Class Diagram/Class_group.pptx
+++ b/Class Diagram/Class_group.pptx
@@ -104,6 +104,11 @@
       </a:defRPr>
     </a:lvl9pPr>
   </p:defaultTextStyle>
+  <p:extLst>
+    <p:ext uri="{EFAFB233-063F-42B5-8137-9DF3F51BA10A}">
+      <p15:sldGuideLst xmlns:p15="http://schemas.microsoft.com/office/powerpoint/2012/main"/>
+    </p:ext>
+  </p:extLst>
 </p:presentation>
 </file>
 
@@ -3512,7 +3517,7 @@
                 <a:latin typeface="Times New Roman" panose="02020603050405020304" pitchFamily="18" charset="0"/>
                 <a:cs typeface="Times New Roman" panose="02020603050405020304" pitchFamily="18" charset="0"/>
               </a:rPr>
-              <a:t>Yêu cầu tham gia</a:t>
+              <a:t>Thành viên nhóm</a:t>
             </a:r>
             <a:endParaRPr lang="en-US" sz="1400" dirty="0">
               <a:latin typeface="Times New Roman" panose="02020603050405020304" pitchFamily="18" charset="0"/>
@@ -3708,7 +3713,7 @@
                 <a:latin typeface="Times New Roman" panose="02020603050405020304" pitchFamily="18" charset="0"/>
                 <a:cs typeface="Times New Roman" panose="02020603050405020304" pitchFamily="18" charset="0"/>
               </a:rPr>
-              <a:t>Admin</a:t>
+              <a:t>Thông báo</a:t>
             </a:r>
             <a:endParaRPr lang="en-US" sz="1400" dirty="0">
               <a:latin typeface="Times New Roman" panose="02020603050405020304" pitchFamily="18" charset="0"/>
@@ -3782,7 +3787,7 @@
           <a:lstStyle/>
           <a:p>
             <a:r>
-              <a:rPr lang="vi-VN"/>
+              <a:rPr lang="vi-VN" dirty="0"/>
               <a:t>1</a:t>
             </a:r>
             <a:endParaRPr lang="en-US" dirty="0"/>
@@ -4084,25 +4089,94 @@
           </a:fontRef>
         </p:style>
       </p:cxnSp>
+      <p:sp>
+        <p:nvSpPr>
+          <p:cNvPr id="40" name="TextBox 39">
+            <a:extLst>
+              <a:ext uri="{FF2B5EF4-FFF2-40B4-BE49-F238E27FC236}">
+                <a16:creationId xmlns:a16="http://schemas.microsoft.com/office/drawing/2014/main" id="{B6392A0E-CC51-CD2A-CE06-5ACFCF957992}"/>
+              </a:ext>
+            </a:extLst>
+          </p:cNvPr>
+          <p:cNvSpPr txBox="1"/>
+          <p:nvPr/>
+        </p:nvSpPr>
+        <p:spPr>
+          <a:xfrm>
+            <a:off x="2207901" y="4184007"/>
+            <a:ext cx="312906" cy="369332"/>
+          </a:xfrm>
+          <a:prstGeom prst="rect">
+            <a:avLst/>
+          </a:prstGeom>
+          <a:noFill/>
+        </p:spPr>
+        <p:txBody>
+          <a:bodyPr wrap="none" rtlCol="0">
+            <a:spAutoFit/>
+          </a:bodyPr>
+          <a:lstStyle/>
+          <a:p>
+            <a:r>
+              <a:rPr lang="vi-VN" dirty="0"/>
+              <a:t>1</a:t>
+            </a:r>
+            <a:endParaRPr lang="en-US" dirty="0"/>
+          </a:p>
+        </p:txBody>
+      </p:sp>
+      <p:sp>
+        <p:nvSpPr>
+          <p:cNvPr id="41" name="TextBox 40">
+            <a:extLst>
+              <a:ext uri="{FF2B5EF4-FFF2-40B4-BE49-F238E27FC236}">
+                <a16:creationId xmlns:a16="http://schemas.microsoft.com/office/drawing/2014/main" id="{CEDBA769-7453-8F3F-7AB8-14EDDDE3B449}"/>
+              </a:ext>
+            </a:extLst>
+          </p:cNvPr>
+          <p:cNvSpPr txBox="1"/>
+          <p:nvPr/>
+        </p:nvSpPr>
+        <p:spPr>
+          <a:xfrm>
+            <a:off x="3885898" y="3050768"/>
+            <a:ext cx="723275" cy="369332"/>
+          </a:xfrm>
+          <a:prstGeom prst="rect">
+            <a:avLst/>
+          </a:prstGeom>
+          <a:noFill/>
+        </p:spPr>
+        <p:txBody>
+          <a:bodyPr wrap="none" rtlCol="0">
+            <a:spAutoFit/>
+          </a:bodyPr>
+          <a:lstStyle/>
+          <a:p>
+            <a:r>
+              <a:rPr lang="vi-VN" dirty="0"/>
+              <a:t>0 ... *</a:t>
+            </a:r>
+            <a:endParaRPr lang="en-US" dirty="0"/>
+          </a:p>
+        </p:txBody>
+      </p:sp>
       <p:cxnSp>
         <p:nvCxnSpPr>
-          <p:cNvPr id="39" name="Straight Connector 38">
-            <a:extLst>
-              <a:ext uri="{FF2B5EF4-FFF2-40B4-BE49-F238E27FC236}">
-                <a16:creationId xmlns:a16="http://schemas.microsoft.com/office/drawing/2014/main" id="{03D86F6B-9477-55FD-98D7-71F38CB2688C}"/>
-              </a:ext>
-            </a:extLst>
-          </p:cNvPr>
-          <p:cNvCxnSpPr>
-            <a:stCxn id="7" idx="2"/>
-            <a:endCxn id="15" idx="0"/>
-          </p:cNvCxnSpPr>
+          <p:cNvPr id="3" name="Straight Connector 2">
+            <a:extLst>
+              <a:ext uri="{FF2B5EF4-FFF2-40B4-BE49-F238E27FC236}">
+                <a16:creationId xmlns:a16="http://schemas.microsoft.com/office/drawing/2014/main" id="{8E74DF3D-7BF5-3152-32ED-F104D26B9373}"/>
+              </a:ext>
+            </a:extLst>
+          </p:cNvPr>
+          <p:cNvCxnSpPr/>
           <p:nvPr/>
         </p:nvCxnSpPr>
         <p:spPr>
-          <a:xfrm flipH="1">
-            <a:off x="4919752" y="1700981"/>
-            <a:ext cx="84868" cy="1859681"/>
+          <a:xfrm>
+            <a:off x="2116697" y="1700981"/>
+            <a:ext cx="2011558" cy="1859681"/>
           </a:xfrm>
           <a:prstGeom prst="line">
             <a:avLst/>
@@ -4125,10 +4199,10 @@
       </p:cxnSp>
       <p:sp>
         <p:nvSpPr>
-          <p:cNvPr id="40" name="TextBox 39">
-            <a:extLst>
-              <a:ext uri="{FF2B5EF4-FFF2-40B4-BE49-F238E27FC236}">
-                <a16:creationId xmlns:a16="http://schemas.microsoft.com/office/drawing/2014/main" id="{B6392A0E-CC51-CD2A-CE06-5ACFCF957992}"/>
+          <p:cNvPr id="6" name="TextBox 5">
+            <a:extLst>
+              <a:ext uri="{FF2B5EF4-FFF2-40B4-BE49-F238E27FC236}">
+                <a16:creationId xmlns:a16="http://schemas.microsoft.com/office/drawing/2014/main" id="{E24B3FF0-8992-C639-47F7-0859D2418FEC}"/>
               </a:ext>
             </a:extLst>
           </p:cNvPr>
@@ -4137,7 +4211,7 @@
         </p:nvSpPr>
         <p:spPr>
           <a:xfrm>
-            <a:off x="3815349" y="3804633"/>
+            <a:off x="2253101" y="1616785"/>
             <a:ext cx="312906" cy="369332"/>
           </a:xfrm>
           <a:prstGeom prst="rect">
@@ -4161,10 +4235,10 @@
       </p:sp>
       <p:sp>
         <p:nvSpPr>
-          <p:cNvPr id="41" name="TextBox 40">
-            <a:extLst>
-              <a:ext uri="{FF2B5EF4-FFF2-40B4-BE49-F238E27FC236}">
-                <a16:creationId xmlns:a16="http://schemas.microsoft.com/office/drawing/2014/main" id="{CEDBA769-7453-8F3F-7AB8-14EDDDE3B449}"/>
+          <p:cNvPr id="9" name="TextBox 8">
+            <a:extLst>
+              <a:ext uri="{FF2B5EF4-FFF2-40B4-BE49-F238E27FC236}">
+                <a16:creationId xmlns:a16="http://schemas.microsoft.com/office/drawing/2014/main" id="{AA728BE1-E35F-CF62-8830-B9750A1696D4}"/>
               </a:ext>
             </a:extLst>
           </p:cNvPr>
@@ -4173,7 +4247,7 @@
         </p:nvSpPr>
         <p:spPr>
           <a:xfrm>
-            <a:off x="2412956" y="4130933"/>
+            <a:off x="3378456" y="4245358"/>
             <a:ext cx="723275" cy="369332"/>
           </a:xfrm>
           <a:prstGeom prst="rect">
@@ -4190,78 +4264,6 @@
             <a:r>
               <a:rPr lang="vi-VN" dirty="0"/>
               <a:t>0 ... *</a:t>
-            </a:r>
-            <a:endParaRPr lang="en-US" dirty="0"/>
-          </a:p>
-        </p:txBody>
-      </p:sp>
-      <p:sp>
-        <p:nvSpPr>
-          <p:cNvPr id="42" name="TextBox 41">
-            <a:extLst>
-              <a:ext uri="{FF2B5EF4-FFF2-40B4-BE49-F238E27FC236}">
-                <a16:creationId xmlns:a16="http://schemas.microsoft.com/office/drawing/2014/main" id="{3E6D3D41-4CDE-3204-E98D-CB6B8BBD2FBC}"/>
-              </a:ext>
-            </a:extLst>
-          </p:cNvPr>
-          <p:cNvSpPr txBox="1"/>
-          <p:nvPr/>
-        </p:nvSpPr>
-        <p:spPr>
-          <a:xfrm>
-            <a:off x="5076076" y="1762121"/>
-            <a:ext cx="723275" cy="369332"/>
-          </a:xfrm>
-          <a:prstGeom prst="rect">
-            <a:avLst/>
-          </a:prstGeom>
-          <a:noFill/>
-        </p:spPr>
-        <p:txBody>
-          <a:bodyPr wrap="none" rtlCol="0">
-            <a:spAutoFit/>
-          </a:bodyPr>
-          <a:lstStyle/>
-          <a:p>
-            <a:r>
-              <a:rPr lang="vi-VN" dirty="0"/>
-              <a:t>0 ... *</a:t>
-            </a:r>
-            <a:endParaRPr lang="en-US" dirty="0"/>
-          </a:p>
-        </p:txBody>
-      </p:sp>
-      <p:sp>
-        <p:nvSpPr>
-          <p:cNvPr id="43" name="TextBox 42">
-            <a:extLst>
-              <a:ext uri="{FF2B5EF4-FFF2-40B4-BE49-F238E27FC236}">
-                <a16:creationId xmlns:a16="http://schemas.microsoft.com/office/drawing/2014/main" id="{E24B3FF0-8992-C639-47F7-0859D2418FEC}"/>
-              </a:ext>
-            </a:extLst>
-          </p:cNvPr>
-          <p:cNvSpPr txBox="1"/>
-          <p:nvPr/>
-        </p:nvSpPr>
-        <p:spPr>
-          <a:xfrm>
-            <a:off x="5011480" y="3165055"/>
-            <a:ext cx="312906" cy="369332"/>
-          </a:xfrm>
-          <a:prstGeom prst="rect">
-            <a:avLst/>
-          </a:prstGeom>
-          <a:noFill/>
-        </p:spPr>
-        <p:txBody>
-          <a:bodyPr wrap="none" rtlCol="0">
-            <a:spAutoFit/>
-          </a:bodyPr>
-          <a:lstStyle/>
-          <a:p>
-            <a:r>
-              <a:rPr lang="vi-VN" dirty="0"/>
-              <a:t>1</a:t>
             </a:r>
             <a:endParaRPr lang="en-US" dirty="0"/>
           </a:p>
@@ -4596,6 +4598,23 @@
 </file>
 
 <file path=customXml/item1.xml><?xml version="1.0" encoding="utf-8"?>
+<p:properties xmlns:p="http://schemas.microsoft.com/office/2006/metadata/properties" xmlns:xsi="http://www.w3.org/2001/XMLSchema-instance" xmlns:pc="http://schemas.microsoft.com/office/infopath/2007/PartnerControls">
+  <documentManagement>
+    <_activity xmlns="c80d803b-ee30-4cf1-8997-d5dbef288d47" xsi:nil="true"/>
+  </documentManagement>
+</p:properties>
+</file>
+
+<file path=customXml/item2.xml><?xml version="1.0" encoding="utf-8"?>
+<?mso-contentType ?>
+<FormTemplates xmlns="http://schemas.microsoft.com/sharepoint/v3/contenttype/forms">
+  <Display>DocumentLibraryForm</Display>
+  <Edit>DocumentLibraryForm</Edit>
+  <New>DocumentLibraryForm</New>
+</FormTemplates>
+</file>
+
+<file path=customXml/item3.xml><?xml version="1.0" encoding="utf-8"?>
 <ct:contentTypeSchema xmlns:ct="http://schemas.microsoft.com/office/2006/metadata/contentType" xmlns:ma="http://schemas.microsoft.com/office/2006/metadata/properties/metaAttributes" ct:_="" ma:_="" ma:contentTypeName="Document" ma:contentTypeID="0x01010091885E8D135CD643938305DEC3E1B53E" ma:contentTypeVersion="15" ma:contentTypeDescription="Create a new document." ma:contentTypeScope="" ma:versionID="a6814ea74d3fb77b5ad977a3843b2846">
   <xsd:schema xmlns:xsd="http://www.w3.org/2001/XMLSchema" xmlns:xs="http://www.w3.org/2001/XMLSchema" xmlns:p="http://schemas.microsoft.com/office/2006/metadata/properties" xmlns:ns3="c80d803b-ee30-4cf1-8997-d5dbef288d47" xmlns:ns4="1c1e4822-5b82-4cb4-a39e-28e929ec74cb" targetNamespace="http://schemas.microsoft.com/office/2006/metadata/properties" ma:root="true" ma:fieldsID="20e89a6ac46c5aeb3e918dc78faa7076" ns3:_="" ns4:_="">
     <xsd:import namespace="c80d803b-ee30-4cf1-8997-d5dbef288d47"/>
@@ -4828,24 +4847,32 @@
 </ct:contentTypeSchema>
 </file>
 
-<file path=customXml/item2.xml><?xml version="1.0" encoding="utf-8"?>
-<?mso-contentType ?>
-<FormTemplates xmlns="http://schemas.microsoft.com/sharepoint/v3/contenttype/forms">
-  <Display>DocumentLibraryForm</Display>
-  <Edit>DocumentLibraryForm</Edit>
-  <New>DocumentLibraryForm</New>
-</FormTemplates>
+<file path=customXml/itemProps1.xml><?xml version="1.0" encoding="utf-8"?>
+<ds:datastoreItem xmlns:ds="http://schemas.openxmlformats.org/officeDocument/2006/customXml" ds:itemID="{83ED534D-2870-4CC8-91DA-B2E8B31657D3}">
+  <ds:schemaRefs>
+    <ds:schemaRef ds:uri="http://schemas.microsoft.com/office/2006/metadata/properties"/>
+    <ds:schemaRef ds:uri="http://purl.org/dc/elements/1.1/"/>
+    <ds:schemaRef ds:uri="http://purl.org/dc/terms/"/>
+    <ds:schemaRef ds:uri="1c1e4822-5b82-4cb4-a39e-28e929ec74cb"/>
+    <ds:schemaRef ds:uri="http://schemas.microsoft.com/office/2006/documentManagement/types"/>
+    <ds:schemaRef ds:uri="http://purl.org/dc/dcmitype/"/>
+    <ds:schemaRef ds:uri="http://schemas.microsoft.com/office/infopath/2007/PartnerControls"/>
+    <ds:schemaRef ds:uri="http://schemas.openxmlformats.org/package/2006/metadata/core-properties"/>
+    <ds:schemaRef ds:uri="c80d803b-ee30-4cf1-8997-d5dbef288d47"/>
+    <ds:schemaRef ds:uri="http://www.w3.org/XML/1998/namespace"/>
+  </ds:schemaRefs>
+</ds:datastoreItem>
 </file>
 
-<file path=customXml/item3.xml><?xml version="1.0" encoding="utf-8"?>
-<p:properties xmlns:p="http://schemas.microsoft.com/office/2006/metadata/properties" xmlns:xsi="http://www.w3.org/2001/XMLSchema-instance" xmlns:pc="http://schemas.microsoft.com/office/infopath/2007/PartnerControls">
-  <documentManagement>
-    <_activity xmlns="c80d803b-ee30-4cf1-8997-d5dbef288d47" xsi:nil="true"/>
-  </documentManagement>
-</p:properties>
+<file path=customXml/itemProps2.xml><?xml version="1.0" encoding="utf-8"?>
+<ds:datastoreItem xmlns:ds="http://schemas.openxmlformats.org/officeDocument/2006/customXml" ds:itemID="{F3915450-4344-4ECB-9DE7-6082216A9856}">
+  <ds:schemaRefs>
+    <ds:schemaRef ds:uri="http://schemas.microsoft.com/sharepoint/v3/contenttype/forms"/>
+  </ds:schemaRefs>
+</ds:datastoreItem>
 </file>
 
-<file path=customXml/itemProps1.xml><?xml version="1.0" encoding="utf-8"?>
+<file path=customXml/itemProps3.xml><?xml version="1.0" encoding="utf-8"?>
 <ds:datastoreItem xmlns:ds="http://schemas.openxmlformats.org/officeDocument/2006/customXml" ds:itemID="{87906914-BA27-4C4C-84F8-C36EBEE1FED9}">
   <ds:schemaRefs>
     <ds:schemaRef ds:uri="http://schemas.microsoft.com/office/2006/metadata/contentType"/>
@@ -4862,29 +4889,4 @@
     <ds:schemaRef ds:uri="http://schemas.microsoft.com/internal/obd"/>
   </ds:schemaRefs>
 </ds:datastoreItem>
-</file>
-
-<file path=customXml/itemProps2.xml><?xml version="1.0" encoding="utf-8"?>
-<ds:datastoreItem xmlns:ds="http://schemas.openxmlformats.org/officeDocument/2006/customXml" ds:itemID="{F3915450-4344-4ECB-9DE7-6082216A9856}">
-  <ds:schemaRefs>
-    <ds:schemaRef ds:uri="http://schemas.microsoft.com/sharepoint/v3/contenttype/forms"/>
-  </ds:schemaRefs>
-</ds:datastoreItem>
-</file>
-
-<file path=customXml/itemProps3.xml><?xml version="1.0" encoding="utf-8"?>
-<ds:datastoreItem xmlns:ds="http://schemas.openxmlformats.org/officeDocument/2006/customXml" ds:itemID="{83ED534D-2870-4CC8-91DA-B2E8B31657D3}">
-  <ds:schemaRefs>
-    <ds:schemaRef ds:uri="http://schemas.microsoft.com/office/2006/metadata/properties"/>
-    <ds:schemaRef ds:uri="http://purl.org/dc/elements/1.1/"/>
-    <ds:schemaRef ds:uri="http://purl.org/dc/terms/"/>
-    <ds:schemaRef ds:uri="1c1e4822-5b82-4cb4-a39e-28e929ec74cb"/>
-    <ds:schemaRef ds:uri="http://schemas.microsoft.com/office/2006/documentManagement/types"/>
-    <ds:schemaRef ds:uri="http://purl.org/dc/dcmitype/"/>
-    <ds:schemaRef ds:uri="http://schemas.microsoft.com/office/infopath/2007/PartnerControls"/>
-    <ds:schemaRef ds:uri="http://schemas.openxmlformats.org/package/2006/metadata/core-properties"/>
-    <ds:schemaRef ds:uri="c80d803b-ee30-4cf1-8997-d5dbef288d47"/>
-    <ds:schemaRef ds:uri="http://www.w3.org/XML/1998/namespace"/>
-  </ds:schemaRefs>
-</ds:datastoreItem>
 </file>
--- a/Class Diagram/Class_group.pptx
+++ b/Class Diagram/Class_group.pptx
@@ -6,6 +6,8 @@
   </p:sldMasterIdLst>
   <p:sldIdLst>
     <p:sldId id="256" r:id="rId5"/>
+    <p:sldId id="257" r:id="rId6"/>
+    <p:sldId id="258" r:id="rId7"/>
   </p:sldIdLst>
   <p:sldSz cx="12192000" cy="6858000"/>
   <p:notesSz cx="6858000" cy="9144000"/>
@@ -267,7 +269,7 @@
           <a:p>
             <a:fld id="{7EB2D1C5-42D2-4F10-9083-C2DBB17A6683}" type="datetimeFigureOut">
               <a:rPr lang="en-US" smtClean="0"/>
-              <a:t>4/13/2025</a:t>
+              <a:t>5/10/2025</a:t>
             </a:fld>
             <a:endParaRPr lang="en-US"/>
           </a:p>
@@ -465,7 +467,7 @@
           <a:p>
             <a:fld id="{7EB2D1C5-42D2-4F10-9083-C2DBB17A6683}" type="datetimeFigureOut">
               <a:rPr lang="en-US" smtClean="0"/>
-              <a:t>4/13/2025</a:t>
+              <a:t>5/10/2025</a:t>
             </a:fld>
             <a:endParaRPr lang="en-US"/>
           </a:p>
@@ -673,7 +675,7 @@
           <a:p>
             <a:fld id="{7EB2D1C5-42D2-4F10-9083-C2DBB17A6683}" type="datetimeFigureOut">
               <a:rPr lang="en-US" smtClean="0"/>
-              <a:t>4/13/2025</a:t>
+              <a:t>5/10/2025</a:t>
             </a:fld>
             <a:endParaRPr lang="en-US"/>
           </a:p>
@@ -871,7 +873,7 @@
           <a:p>
             <a:fld id="{7EB2D1C5-42D2-4F10-9083-C2DBB17A6683}" type="datetimeFigureOut">
               <a:rPr lang="en-US" smtClean="0"/>
-              <a:t>4/13/2025</a:t>
+              <a:t>5/10/2025</a:t>
             </a:fld>
             <a:endParaRPr lang="en-US"/>
           </a:p>
@@ -1146,7 +1148,7 @@
           <a:p>
             <a:fld id="{7EB2D1C5-42D2-4F10-9083-C2DBB17A6683}" type="datetimeFigureOut">
               <a:rPr lang="en-US" smtClean="0"/>
-              <a:t>4/13/2025</a:t>
+              <a:t>5/10/2025</a:t>
             </a:fld>
             <a:endParaRPr lang="en-US"/>
           </a:p>
@@ -1411,7 +1413,7 @@
           <a:p>
             <a:fld id="{7EB2D1C5-42D2-4F10-9083-C2DBB17A6683}" type="datetimeFigureOut">
               <a:rPr lang="en-US" smtClean="0"/>
-              <a:t>4/13/2025</a:t>
+              <a:t>5/10/2025</a:t>
             </a:fld>
             <a:endParaRPr lang="en-US"/>
           </a:p>
@@ -1823,7 +1825,7 @@
           <a:p>
             <a:fld id="{7EB2D1C5-42D2-4F10-9083-C2DBB17A6683}" type="datetimeFigureOut">
               <a:rPr lang="en-US" smtClean="0"/>
-              <a:t>4/13/2025</a:t>
+              <a:t>5/10/2025</a:t>
             </a:fld>
             <a:endParaRPr lang="en-US"/>
           </a:p>
@@ -1964,7 +1966,7 @@
           <a:p>
             <a:fld id="{7EB2D1C5-42D2-4F10-9083-C2DBB17A6683}" type="datetimeFigureOut">
               <a:rPr lang="en-US" smtClean="0"/>
-              <a:t>4/13/2025</a:t>
+              <a:t>5/10/2025</a:t>
             </a:fld>
             <a:endParaRPr lang="en-US"/>
           </a:p>
@@ -2077,7 +2079,7 @@
           <a:p>
             <a:fld id="{7EB2D1C5-42D2-4F10-9083-C2DBB17A6683}" type="datetimeFigureOut">
               <a:rPr lang="en-US" smtClean="0"/>
-              <a:t>4/13/2025</a:t>
+              <a:t>5/10/2025</a:t>
             </a:fld>
             <a:endParaRPr lang="en-US"/>
           </a:p>
@@ -2388,7 +2390,7 @@
           <a:p>
             <a:fld id="{7EB2D1C5-42D2-4F10-9083-C2DBB17A6683}" type="datetimeFigureOut">
               <a:rPr lang="en-US" smtClean="0"/>
-              <a:t>4/13/2025</a:t>
+              <a:t>5/10/2025</a:t>
             </a:fld>
             <a:endParaRPr lang="en-US"/>
           </a:p>
@@ -2676,7 +2678,7 @@
           <a:p>
             <a:fld id="{7EB2D1C5-42D2-4F10-9083-C2DBB17A6683}" type="datetimeFigureOut">
               <a:rPr lang="en-US" smtClean="0"/>
-              <a:t>4/13/2025</a:t>
+              <a:t>5/10/2025</a:t>
             </a:fld>
             <a:endParaRPr lang="en-US"/>
           </a:p>
@@ -2917,7 +2919,7 @@
           <a:p>
             <a:fld id="{7EB2D1C5-42D2-4F10-9083-C2DBB17A6683}" type="datetimeFigureOut">
               <a:rPr lang="en-US" smtClean="0"/>
-              <a:t>4/13/2025</a:t>
+              <a:t>5/10/2025</a:t>
             </a:fld>
             <a:endParaRPr lang="en-US"/>
           </a:p>
@@ -3336,10 +3338,10 @@
       </p:grpSpPr>
       <p:sp>
         <p:nvSpPr>
-          <p:cNvPr id="4" name="Rectangle 3">
-            <a:extLst>
-              <a:ext uri="{FF2B5EF4-FFF2-40B4-BE49-F238E27FC236}">
-                <a16:creationId xmlns:a16="http://schemas.microsoft.com/office/drawing/2014/main" id="{DDFED0E3-11D7-0588-DADA-B6F48CC597E6}"/>
+          <p:cNvPr id="13" name="Flowchart: Connector 12">
+            <a:extLst>
+              <a:ext uri="{FF2B5EF4-FFF2-40B4-BE49-F238E27FC236}">
+                <a16:creationId xmlns:a16="http://schemas.microsoft.com/office/drawing/2014/main" id="{A4736750-3F63-92C6-725D-27FEF91A7088}"/>
               </a:ext>
             </a:extLst>
           </p:cNvPr>
@@ -3348,10 +3350,10 @@
         </p:nvSpPr>
         <p:spPr>
           <a:xfrm>
-            <a:off x="521110" y="639097"/>
-            <a:ext cx="1582993" cy="1061884"/>
-          </a:xfrm>
-          <a:prstGeom prst="rect">
+            <a:off x="4925961" y="4572000"/>
+            <a:ext cx="457200" cy="457200"/>
+          </a:xfrm>
+          <a:prstGeom prst="flowChartConnector">
             <a:avLst/>
           </a:prstGeom>
         </p:spPr>
@@ -3378,12 +3380,48 @@
           </a:p>
         </p:txBody>
       </p:sp>
-      <p:sp>
-        <p:nvSpPr>
-          <p:cNvPr id="5" name="Rectangle 4">
-            <a:extLst>
-              <a:ext uri="{FF2B5EF4-FFF2-40B4-BE49-F238E27FC236}">
-                <a16:creationId xmlns:a16="http://schemas.microsoft.com/office/drawing/2014/main" id="{49049EB4-E397-4324-1970-8EECF18E74E0}"/>
+      <p:cxnSp>
+        <p:nvCxnSpPr>
+          <p:cNvPr id="32" name="Straight Connector 31">
+            <a:extLst>
+              <a:ext uri="{FF2B5EF4-FFF2-40B4-BE49-F238E27FC236}">
+                <a16:creationId xmlns:a16="http://schemas.microsoft.com/office/drawing/2014/main" id="{18D13D77-8358-23A0-28BD-FFBBC1A4605B}"/>
+              </a:ext>
+            </a:extLst>
+          </p:cNvPr>
+          <p:cNvCxnSpPr/>
+          <p:nvPr/>
+        </p:nvCxnSpPr>
+        <p:spPr>
+          <a:xfrm>
+            <a:off x="4925961" y="5029200"/>
+            <a:ext cx="457200" cy="0"/>
+          </a:xfrm>
+          <a:prstGeom prst="line">
+            <a:avLst/>
+          </a:prstGeom>
+        </p:spPr>
+        <p:style>
+          <a:lnRef idx="2">
+            <a:schemeClr val="accent1"/>
+          </a:lnRef>
+          <a:fillRef idx="0">
+            <a:schemeClr val="accent1"/>
+          </a:fillRef>
+          <a:effectRef idx="1">
+            <a:schemeClr val="accent1"/>
+          </a:effectRef>
+          <a:fontRef idx="minor">
+            <a:schemeClr val="tx1"/>
+          </a:fontRef>
+        </p:style>
+      </p:cxnSp>
+      <p:sp>
+        <p:nvSpPr>
+          <p:cNvPr id="36" name="Flowchart: Connector 35">
+            <a:extLst>
+              <a:ext uri="{FF2B5EF4-FFF2-40B4-BE49-F238E27FC236}">
+                <a16:creationId xmlns:a16="http://schemas.microsoft.com/office/drawing/2014/main" id="{B7F0951A-0E1B-2EF5-0DDD-4B2182239A59}"/>
               </a:ext>
             </a:extLst>
           </p:cNvPr>
@@ -3392,10 +3430,10 @@
         </p:nvSpPr>
         <p:spPr>
           <a:xfrm>
-            <a:off x="521110" y="639097"/>
-            <a:ext cx="1582993" cy="570271"/>
-          </a:xfrm>
-          <a:prstGeom prst="rect">
+            <a:off x="4925961" y="5742038"/>
+            <a:ext cx="457200" cy="457200"/>
+          </a:xfrm>
+          <a:prstGeom prst="flowChartConnector">
             <a:avLst/>
           </a:prstGeom>
         </p:spPr>
@@ -3418,22 +3456,52 @@
           <a:lstStyle/>
           <a:p>
             <a:pPr algn="ctr"/>
-            <a:r>
-              <a:rPr lang="en-US" sz="1400" dirty="0">
-                <a:latin typeface="Times New Roman" panose="02020603050405020304" pitchFamily="18" charset="0"/>
-                <a:cs typeface="Times New Roman" panose="02020603050405020304" pitchFamily="18" charset="0"/>
-              </a:rPr>
-              <a:t>User</a:t>
-            </a:r>
-          </a:p>
-        </p:txBody>
-      </p:sp>
-      <p:sp>
-        <p:nvSpPr>
-          <p:cNvPr id="7" name="Rectangle 6">
-            <a:extLst>
-              <a:ext uri="{FF2B5EF4-FFF2-40B4-BE49-F238E27FC236}">
-                <a16:creationId xmlns:a16="http://schemas.microsoft.com/office/drawing/2014/main" id="{4EF49B93-36CE-CBC5-10D1-B72F57672F7B}"/>
+            <a:endParaRPr lang="en-US" dirty="0"/>
+          </a:p>
+        </p:txBody>
+      </p:sp>
+      <p:cxnSp>
+        <p:nvCxnSpPr>
+          <p:cNvPr id="38" name="Straight Connector 37">
+            <a:extLst>
+              <a:ext uri="{FF2B5EF4-FFF2-40B4-BE49-F238E27FC236}">
+                <a16:creationId xmlns:a16="http://schemas.microsoft.com/office/drawing/2014/main" id="{D3949A17-1589-9EF5-E7FC-1F3E3395A6DA}"/>
+              </a:ext>
+            </a:extLst>
+          </p:cNvPr>
+          <p:cNvCxnSpPr/>
+          <p:nvPr/>
+        </p:nvCxnSpPr>
+        <p:spPr>
+          <a:xfrm>
+            <a:off x="4925961" y="6199238"/>
+            <a:ext cx="457200" cy="0"/>
+          </a:xfrm>
+          <a:prstGeom prst="line">
+            <a:avLst/>
+          </a:prstGeom>
+        </p:spPr>
+        <p:style>
+          <a:lnRef idx="2">
+            <a:schemeClr val="accent1"/>
+          </a:lnRef>
+          <a:fillRef idx="0">
+            <a:schemeClr val="accent1"/>
+          </a:fillRef>
+          <a:effectRef idx="1">
+            <a:schemeClr val="accent1"/>
+          </a:effectRef>
+          <a:fontRef idx="minor">
+            <a:schemeClr val="tx1"/>
+          </a:fontRef>
+        </p:style>
+      </p:cxnSp>
+      <p:sp>
+        <p:nvSpPr>
+          <p:cNvPr id="39" name="Flowchart: Connector 38">
+            <a:extLst>
+              <a:ext uri="{FF2B5EF4-FFF2-40B4-BE49-F238E27FC236}">
+                <a16:creationId xmlns:a16="http://schemas.microsoft.com/office/drawing/2014/main" id="{821E0D22-7594-56A6-AAD3-EC3D5F2499DE}"/>
               </a:ext>
             </a:extLst>
           </p:cNvPr>
@@ -3442,10 +3510,10 @@
         </p:nvSpPr>
         <p:spPr>
           <a:xfrm>
-            <a:off x="4213123" y="639097"/>
-            <a:ext cx="1582993" cy="1061884"/>
-          </a:xfrm>
-          <a:prstGeom prst="rect">
+            <a:off x="3495368" y="4572000"/>
+            <a:ext cx="457200" cy="457200"/>
+          </a:xfrm>
+          <a:prstGeom prst="flowChartConnector">
             <a:avLst/>
           </a:prstGeom>
         </p:spPr>
@@ -3472,12 +3540,48 @@
           </a:p>
         </p:txBody>
       </p:sp>
-      <p:sp>
-        <p:nvSpPr>
-          <p:cNvPr id="8" name="Rectangle 7">
-            <a:extLst>
-              <a:ext uri="{FF2B5EF4-FFF2-40B4-BE49-F238E27FC236}">
-                <a16:creationId xmlns:a16="http://schemas.microsoft.com/office/drawing/2014/main" id="{7F75C6F0-A9D6-29D9-E074-99AD25F31578}"/>
+      <p:cxnSp>
+        <p:nvCxnSpPr>
+          <p:cNvPr id="42" name="Straight Connector 41">
+            <a:extLst>
+              <a:ext uri="{FF2B5EF4-FFF2-40B4-BE49-F238E27FC236}">
+                <a16:creationId xmlns:a16="http://schemas.microsoft.com/office/drawing/2014/main" id="{A9A9E73E-9F39-2735-C673-D5C1D9350989}"/>
+              </a:ext>
+            </a:extLst>
+          </p:cNvPr>
+          <p:cNvCxnSpPr/>
+          <p:nvPr/>
+        </p:nvCxnSpPr>
+        <p:spPr>
+          <a:xfrm>
+            <a:off x="3495368" y="5029200"/>
+            <a:ext cx="457200" cy="0"/>
+          </a:xfrm>
+          <a:prstGeom prst="line">
+            <a:avLst/>
+          </a:prstGeom>
+        </p:spPr>
+        <p:style>
+          <a:lnRef idx="2">
+            <a:schemeClr val="accent1"/>
+          </a:lnRef>
+          <a:fillRef idx="0">
+            <a:schemeClr val="accent1"/>
+          </a:fillRef>
+          <a:effectRef idx="1">
+            <a:schemeClr val="accent1"/>
+          </a:effectRef>
+          <a:fontRef idx="minor">
+            <a:schemeClr val="tx1"/>
+          </a:fontRef>
+        </p:style>
+      </p:cxnSp>
+      <p:sp>
+        <p:nvSpPr>
+          <p:cNvPr id="43" name="Flowchart: Connector 42">
+            <a:extLst>
+              <a:ext uri="{FF2B5EF4-FFF2-40B4-BE49-F238E27FC236}">
+                <a16:creationId xmlns:a16="http://schemas.microsoft.com/office/drawing/2014/main" id="{D25CCC83-DED9-3D94-0D30-CDD2AC9832C4}"/>
               </a:ext>
             </a:extLst>
           </p:cNvPr>
@@ -3486,10 +3590,10 @@
         </p:nvSpPr>
         <p:spPr>
           <a:xfrm>
-            <a:off x="4213123" y="639097"/>
-            <a:ext cx="1582993" cy="570271"/>
-          </a:xfrm>
-          <a:prstGeom prst="rect">
+            <a:off x="2064775" y="4572000"/>
+            <a:ext cx="457200" cy="457200"/>
+          </a:xfrm>
+          <a:prstGeom prst="flowChartConnector">
             <a:avLst/>
           </a:prstGeom>
         </p:spPr>
@@ -3512,26 +3616,52 @@
           <a:lstStyle/>
           <a:p>
             <a:pPr algn="ctr"/>
-            <a:r>
-              <a:rPr lang="vi-VN" sz="1400" dirty="0">
-                <a:latin typeface="Times New Roman" panose="02020603050405020304" pitchFamily="18" charset="0"/>
-                <a:cs typeface="Times New Roman" panose="02020603050405020304" pitchFamily="18" charset="0"/>
-              </a:rPr>
-              <a:t>Thành viên nhóm</a:t>
-            </a:r>
-            <a:endParaRPr lang="en-US" sz="1400" dirty="0">
-              <a:latin typeface="Times New Roman" panose="02020603050405020304" pitchFamily="18" charset="0"/>
-              <a:cs typeface="Times New Roman" panose="02020603050405020304" pitchFamily="18" charset="0"/>
-            </a:endParaRPr>
-          </a:p>
-        </p:txBody>
-      </p:sp>
-      <p:sp>
-        <p:nvSpPr>
-          <p:cNvPr id="10" name="Rectangle 9">
-            <a:extLst>
-              <a:ext uri="{FF2B5EF4-FFF2-40B4-BE49-F238E27FC236}">
-                <a16:creationId xmlns:a16="http://schemas.microsoft.com/office/drawing/2014/main" id="{46D00F2C-CBAE-687F-1214-DF395FDD085A}"/>
+            <a:endParaRPr lang="en-US" dirty="0"/>
+          </a:p>
+        </p:txBody>
+      </p:sp>
+      <p:cxnSp>
+        <p:nvCxnSpPr>
+          <p:cNvPr id="44" name="Straight Connector 43">
+            <a:extLst>
+              <a:ext uri="{FF2B5EF4-FFF2-40B4-BE49-F238E27FC236}">
+                <a16:creationId xmlns:a16="http://schemas.microsoft.com/office/drawing/2014/main" id="{50EB3B9B-D152-5C73-3DF8-7DC54C63CA61}"/>
+              </a:ext>
+            </a:extLst>
+          </p:cNvPr>
+          <p:cNvCxnSpPr/>
+          <p:nvPr/>
+        </p:nvCxnSpPr>
+        <p:spPr>
+          <a:xfrm>
+            <a:off x="2064775" y="5029200"/>
+            <a:ext cx="457200" cy="0"/>
+          </a:xfrm>
+          <a:prstGeom prst="line">
+            <a:avLst/>
+          </a:prstGeom>
+        </p:spPr>
+        <p:style>
+          <a:lnRef idx="2">
+            <a:schemeClr val="accent1"/>
+          </a:lnRef>
+          <a:fillRef idx="0">
+            <a:schemeClr val="accent1"/>
+          </a:fillRef>
+          <a:effectRef idx="1">
+            <a:schemeClr val="accent1"/>
+          </a:effectRef>
+          <a:fontRef idx="minor">
+            <a:schemeClr val="tx1"/>
+          </a:fontRef>
+        </p:style>
+      </p:cxnSp>
+      <p:sp>
+        <p:nvSpPr>
+          <p:cNvPr id="45" name="Flowchart: Connector 44">
+            <a:extLst>
+              <a:ext uri="{FF2B5EF4-FFF2-40B4-BE49-F238E27FC236}">
+                <a16:creationId xmlns:a16="http://schemas.microsoft.com/office/drawing/2014/main" id="{7C38E4D0-7A60-6FC3-1175-C0E40766E4EA}"/>
               </a:ext>
             </a:extLst>
           </p:cNvPr>
@@ -3540,10 +3670,10 @@
         </p:nvSpPr>
         <p:spPr>
           <a:xfrm>
-            <a:off x="517057" y="3544529"/>
-            <a:ext cx="1582993" cy="1061884"/>
-          </a:xfrm>
-          <a:prstGeom prst="rect">
+            <a:off x="2443316" y="3342968"/>
+            <a:ext cx="457200" cy="457200"/>
+          </a:xfrm>
+          <a:prstGeom prst="flowChartConnector">
             <a:avLst/>
           </a:prstGeom>
         </p:spPr>
@@ -3570,12 +3700,48 @@
           </a:p>
         </p:txBody>
       </p:sp>
-      <p:sp>
-        <p:nvSpPr>
-          <p:cNvPr id="11" name="Rectangle 10">
-            <a:extLst>
-              <a:ext uri="{FF2B5EF4-FFF2-40B4-BE49-F238E27FC236}">
-                <a16:creationId xmlns:a16="http://schemas.microsoft.com/office/drawing/2014/main" id="{99028F26-5DF5-1172-F33F-AD9550388D41}"/>
+      <p:cxnSp>
+        <p:nvCxnSpPr>
+          <p:cNvPr id="46" name="Straight Connector 45">
+            <a:extLst>
+              <a:ext uri="{FF2B5EF4-FFF2-40B4-BE49-F238E27FC236}">
+                <a16:creationId xmlns:a16="http://schemas.microsoft.com/office/drawing/2014/main" id="{08757BDE-22E7-49BF-3215-D70D3811B6E5}"/>
+              </a:ext>
+            </a:extLst>
+          </p:cNvPr>
+          <p:cNvCxnSpPr/>
+          <p:nvPr/>
+        </p:nvCxnSpPr>
+        <p:spPr>
+          <a:xfrm>
+            <a:off x="2443316" y="3800168"/>
+            <a:ext cx="457200" cy="0"/>
+          </a:xfrm>
+          <a:prstGeom prst="line">
+            <a:avLst/>
+          </a:prstGeom>
+        </p:spPr>
+        <p:style>
+          <a:lnRef idx="2">
+            <a:schemeClr val="accent1"/>
+          </a:lnRef>
+          <a:fillRef idx="0">
+            <a:schemeClr val="accent1"/>
+          </a:fillRef>
+          <a:effectRef idx="1">
+            <a:schemeClr val="accent1"/>
+          </a:effectRef>
+          <a:fontRef idx="minor">
+            <a:schemeClr val="tx1"/>
+          </a:fontRef>
+        </p:style>
+      </p:cxnSp>
+      <p:sp>
+        <p:nvSpPr>
+          <p:cNvPr id="47" name="Flowchart: Connector 46">
+            <a:extLst>
+              <a:ext uri="{FF2B5EF4-FFF2-40B4-BE49-F238E27FC236}">
+                <a16:creationId xmlns:a16="http://schemas.microsoft.com/office/drawing/2014/main" id="{3733AB4E-81A8-342B-2DBF-07ED9DDC4975}"/>
               </a:ext>
             </a:extLst>
           </p:cNvPr>
@@ -3584,10 +3750,10 @@
         </p:nvSpPr>
         <p:spPr>
           <a:xfrm>
-            <a:off x="517057" y="3544529"/>
-            <a:ext cx="1582993" cy="570271"/>
-          </a:xfrm>
-          <a:prstGeom prst="rect">
+            <a:off x="4144296" y="3342968"/>
+            <a:ext cx="457200" cy="457200"/>
+          </a:xfrm>
+          <a:prstGeom prst="flowChartConnector">
             <a:avLst/>
           </a:prstGeom>
         </p:spPr>
@@ -3610,26 +3776,52 @@
           <a:lstStyle/>
           <a:p>
             <a:pPr algn="ctr"/>
-            <a:r>
-              <a:rPr lang="vi-VN" sz="1400" dirty="0">
-                <a:latin typeface="Times New Roman" panose="02020603050405020304" pitchFamily="18" charset="0"/>
-                <a:cs typeface="Times New Roman" panose="02020603050405020304" pitchFamily="18" charset="0"/>
-              </a:rPr>
-              <a:t>Group</a:t>
-            </a:r>
-            <a:endParaRPr lang="en-US" sz="1400" dirty="0">
-              <a:latin typeface="Times New Roman" panose="02020603050405020304" pitchFamily="18" charset="0"/>
-              <a:cs typeface="Times New Roman" panose="02020603050405020304" pitchFamily="18" charset="0"/>
-            </a:endParaRPr>
-          </a:p>
-        </p:txBody>
-      </p:sp>
-      <p:sp>
-        <p:nvSpPr>
-          <p:cNvPr id="14" name="Rectangle 13">
-            <a:extLst>
-              <a:ext uri="{FF2B5EF4-FFF2-40B4-BE49-F238E27FC236}">
-                <a16:creationId xmlns:a16="http://schemas.microsoft.com/office/drawing/2014/main" id="{79637608-6462-934A-AFB0-9186B206128A}"/>
+            <a:endParaRPr lang="en-US" dirty="0"/>
+          </a:p>
+        </p:txBody>
+      </p:sp>
+      <p:cxnSp>
+        <p:nvCxnSpPr>
+          <p:cNvPr id="48" name="Straight Connector 47">
+            <a:extLst>
+              <a:ext uri="{FF2B5EF4-FFF2-40B4-BE49-F238E27FC236}">
+                <a16:creationId xmlns:a16="http://schemas.microsoft.com/office/drawing/2014/main" id="{1E3CEE5B-3D9A-82DC-F481-83999F4B6359}"/>
+              </a:ext>
+            </a:extLst>
+          </p:cNvPr>
+          <p:cNvCxnSpPr/>
+          <p:nvPr/>
+        </p:nvCxnSpPr>
+        <p:spPr>
+          <a:xfrm>
+            <a:off x="4144296" y="3800168"/>
+            <a:ext cx="457200" cy="0"/>
+          </a:xfrm>
+          <a:prstGeom prst="line">
+            <a:avLst/>
+          </a:prstGeom>
+        </p:spPr>
+        <p:style>
+          <a:lnRef idx="2">
+            <a:schemeClr val="accent1"/>
+          </a:lnRef>
+          <a:fillRef idx="0">
+            <a:schemeClr val="accent1"/>
+          </a:fillRef>
+          <a:effectRef idx="1">
+            <a:schemeClr val="accent1"/>
+          </a:effectRef>
+          <a:fontRef idx="minor">
+            <a:schemeClr val="tx1"/>
+          </a:fontRef>
+        </p:style>
+      </p:cxnSp>
+      <p:sp>
+        <p:nvSpPr>
+          <p:cNvPr id="49" name="Flowchart: Connector 48">
+            <a:extLst>
+              <a:ext uri="{FF2B5EF4-FFF2-40B4-BE49-F238E27FC236}">
+                <a16:creationId xmlns:a16="http://schemas.microsoft.com/office/drawing/2014/main" id="{01664063-61F8-86BD-5364-49CEBE096F23}"/>
               </a:ext>
             </a:extLst>
           </p:cNvPr>
@@ -3638,10 +3830,10 @@
         </p:nvSpPr>
         <p:spPr>
           <a:xfrm>
-            <a:off x="4128255" y="3560663"/>
-            <a:ext cx="1582993" cy="1061884"/>
-          </a:xfrm>
-          <a:prstGeom prst="rect">
+            <a:off x="8047705" y="3342968"/>
+            <a:ext cx="457200" cy="457200"/>
+          </a:xfrm>
+          <a:prstGeom prst="flowChartConnector">
             <a:avLst/>
           </a:prstGeom>
         </p:spPr>
@@ -3670,10 +3862,10 @@
       </p:sp>
       <p:sp>
         <p:nvSpPr>
-          <p:cNvPr id="15" name="Rectangle 14">
-            <a:extLst>
-              <a:ext uri="{FF2B5EF4-FFF2-40B4-BE49-F238E27FC236}">
-                <a16:creationId xmlns:a16="http://schemas.microsoft.com/office/drawing/2014/main" id="{668748CF-3C4F-2DC0-84E0-8DC8455C12E7}"/>
+          <p:cNvPr id="51" name="Flowchart: Connector 50">
+            <a:extLst>
+              <a:ext uri="{FF2B5EF4-FFF2-40B4-BE49-F238E27FC236}">
+                <a16:creationId xmlns:a16="http://schemas.microsoft.com/office/drawing/2014/main" id="{BBE57932-0FE6-87A0-E704-6D504894D408}"/>
               </a:ext>
             </a:extLst>
           </p:cNvPr>
@@ -3682,10 +3874,10 @@
         </p:nvSpPr>
         <p:spPr>
           <a:xfrm>
-            <a:off x="4128255" y="3560662"/>
-            <a:ext cx="1582993" cy="570271"/>
-          </a:xfrm>
-          <a:prstGeom prst="rect">
+            <a:off x="10692583" y="3342968"/>
+            <a:ext cx="457200" cy="457200"/>
+          </a:xfrm>
+          <a:prstGeom prst="flowChartConnector">
             <a:avLst/>
           </a:prstGeom>
         </p:spPr>
@@ -3708,40 +3900,79 @@
           <a:lstStyle/>
           <a:p>
             <a:pPr algn="ctr"/>
-            <a:r>
-              <a:rPr lang="vi-VN" sz="1400" dirty="0">
-                <a:latin typeface="Times New Roman" panose="02020603050405020304" pitchFamily="18" charset="0"/>
-                <a:cs typeface="Times New Roman" panose="02020603050405020304" pitchFamily="18" charset="0"/>
-              </a:rPr>
-              <a:t>Thông báo</a:t>
-            </a:r>
-            <a:endParaRPr lang="en-US" sz="1400" dirty="0">
-              <a:latin typeface="Times New Roman" panose="02020603050405020304" pitchFamily="18" charset="0"/>
-              <a:cs typeface="Times New Roman" panose="02020603050405020304" pitchFamily="18" charset="0"/>
-            </a:endParaRPr>
+            <a:endParaRPr lang="en-US" dirty="0"/>
+          </a:p>
+        </p:txBody>
+      </p:sp>
+      <p:sp>
+        <p:nvSpPr>
+          <p:cNvPr id="66" name="Flowchart: Connector 65">
+            <a:extLst>
+              <a:ext uri="{FF2B5EF4-FFF2-40B4-BE49-F238E27FC236}">
+                <a16:creationId xmlns:a16="http://schemas.microsoft.com/office/drawing/2014/main" id="{132AA451-CFAF-3C83-6952-3CEAD7F036D7}"/>
+              </a:ext>
+            </a:extLst>
+          </p:cNvPr>
+          <p:cNvSpPr/>
+          <p:nvPr/>
+        </p:nvSpPr>
+        <p:spPr>
+          <a:xfrm>
+            <a:off x="6548286" y="1755058"/>
+            <a:ext cx="457200" cy="457200"/>
+          </a:xfrm>
+          <a:prstGeom prst="flowChartConnector">
+            <a:avLst/>
+          </a:prstGeom>
+        </p:spPr>
+        <p:style>
+          <a:lnRef idx="2">
+            <a:schemeClr val="accent6"/>
+          </a:lnRef>
+          <a:fillRef idx="1">
+            <a:schemeClr val="lt1"/>
+          </a:fillRef>
+          <a:effectRef idx="0">
+            <a:schemeClr val="accent6"/>
+          </a:effectRef>
+          <a:fontRef idx="minor">
+            <a:schemeClr val="dk1"/>
+          </a:fontRef>
+        </p:style>
+        <p:txBody>
+          <a:bodyPr rtlCol="0" anchor="ctr"/>
+          <a:lstStyle/>
+          <a:p>
+            <a:pPr algn="ctr"/>
+            <a:endParaRPr lang="en-US" dirty="0"/>
           </a:p>
         </p:txBody>
       </p:sp>
       <p:cxnSp>
         <p:nvCxnSpPr>
-          <p:cNvPr id="19" name="Straight Connector 18">
-            <a:extLst>
-              <a:ext uri="{FF2B5EF4-FFF2-40B4-BE49-F238E27FC236}">
-                <a16:creationId xmlns:a16="http://schemas.microsoft.com/office/drawing/2014/main" id="{1D0E5887-A87A-5F74-9081-77BD0A69461C}"/>
-              </a:ext>
-            </a:extLst>
-          </p:cNvPr>
-          <p:cNvCxnSpPr/>
+          <p:cNvPr id="73" name="Straight Arrow Connector 72">
+            <a:extLst>
+              <a:ext uri="{FF2B5EF4-FFF2-40B4-BE49-F238E27FC236}">
+                <a16:creationId xmlns:a16="http://schemas.microsoft.com/office/drawing/2014/main" id="{F267399A-5330-55F2-03DD-BA0AA0CEB230}"/>
+              </a:ext>
+            </a:extLst>
+          </p:cNvPr>
+          <p:cNvCxnSpPr>
+            <a:cxnSpLocks/>
+          </p:cNvCxnSpPr>
           <p:nvPr/>
         </p:nvCxnSpPr>
         <p:spPr>
-          <a:xfrm>
-            <a:off x="2104103" y="1209368"/>
-            <a:ext cx="2109020" cy="0"/>
-          </a:xfrm>
-          <a:prstGeom prst="line">
-            <a:avLst/>
-          </a:prstGeom>
+          <a:xfrm flipH="1">
+            <a:off x="8047705" y="3342968"/>
+            <a:ext cx="388374" cy="0"/>
+          </a:xfrm>
+          <a:prstGeom prst="straightConnector1">
+            <a:avLst/>
+          </a:prstGeom>
+          <a:ln>
+            <a:tailEnd type="triangle"/>
+          </a:ln>
         </p:spPr>
         <p:style>
           <a:lnRef idx="2">
@@ -3758,101 +3989,31 @@
           </a:fontRef>
         </p:style>
       </p:cxnSp>
-      <p:sp>
-        <p:nvSpPr>
-          <p:cNvPr id="20" name="TextBox 19">
-            <a:extLst>
-              <a:ext uri="{FF2B5EF4-FFF2-40B4-BE49-F238E27FC236}">
-                <a16:creationId xmlns:a16="http://schemas.microsoft.com/office/drawing/2014/main" id="{AD2863DA-22B2-6D9B-B109-D6287D485D3E}"/>
-              </a:ext>
-            </a:extLst>
-          </p:cNvPr>
-          <p:cNvSpPr txBox="1"/>
-          <p:nvPr/>
-        </p:nvSpPr>
-        <p:spPr>
-          <a:xfrm>
-            <a:off x="2100050" y="901176"/>
-            <a:ext cx="312906" cy="369332"/>
-          </a:xfrm>
-          <a:prstGeom prst="rect">
-            <a:avLst/>
-          </a:prstGeom>
-          <a:noFill/>
-        </p:spPr>
-        <p:txBody>
-          <a:bodyPr wrap="none" rtlCol="0">
-            <a:spAutoFit/>
-          </a:bodyPr>
-          <a:lstStyle/>
-          <a:p>
-            <a:r>
-              <a:rPr lang="vi-VN" dirty="0"/>
-              <a:t>1</a:t>
-            </a:r>
-            <a:endParaRPr lang="en-US" dirty="0"/>
-          </a:p>
-        </p:txBody>
-      </p:sp>
-      <p:sp>
-        <p:nvSpPr>
-          <p:cNvPr id="21" name="TextBox 20">
-            <a:extLst>
-              <a:ext uri="{FF2B5EF4-FFF2-40B4-BE49-F238E27FC236}">
-                <a16:creationId xmlns:a16="http://schemas.microsoft.com/office/drawing/2014/main" id="{837EAA54-0205-C714-9BBD-BB3FC927F1FE}"/>
-              </a:ext>
-            </a:extLst>
-          </p:cNvPr>
-          <p:cNvSpPr txBox="1"/>
-          <p:nvPr/>
-        </p:nvSpPr>
-        <p:spPr>
-          <a:xfrm>
-            <a:off x="3524261" y="820371"/>
-            <a:ext cx="723275" cy="369332"/>
-          </a:xfrm>
-          <a:prstGeom prst="rect">
-            <a:avLst/>
-          </a:prstGeom>
-          <a:noFill/>
-        </p:spPr>
-        <p:txBody>
-          <a:bodyPr wrap="none" rtlCol="0">
-            <a:spAutoFit/>
-          </a:bodyPr>
-          <a:lstStyle/>
-          <a:p>
-            <a:r>
-              <a:rPr lang="vi-VN" dirty="0"/>
-              <a:t>0 ... *</a:t>
-            </a:r>
-            <a:endParaRPr lang="en-US" dirty="0"/>
-          </a:p>
-        </p:txBody>
-      </p:sp>
       <p:cxnSp>
         <p:nvCxnSpPr>
-          <p:cNvPr id="23" name="Straight Connector 22">
-            <a:extLst>
-              <a:ext uri="{FF2B5EF4-FFF2-40B4-BE49-F238E27FC236}">
-                <a16:creationId xmlns:a16="http://schemas.microsoft.com/office/drawing/2014/main" id="{3E68FCC3-62DC-B33A-69AB-8921FDF7A3D3}"/>
+          <p:cNvPr id="81" name="Straight Arrow Connector 80">
+            <a:extLst>
+              <a:ext uri="{FF2B5EF4-FFF2-40B4-BE49-F238E27FC236}">
+                <a16:creationId xmlns:a16="http://schemas.microsoft.com/office/drawing/2014/main" id="{C9B4B68C-A923-8F44-FBA8-9C5128D3794D}"/>
               </a:ext>
             </a:extLst>
           </p:cNvPr>
           <p:cNvCxnSpPr>
-            <a:stCxn id="4" idx="2"/>
-            <a:endCxn id="11" idx="0"/>
+            <a:cxnSpLocks/>
           </p:cNvCxnSpPr>
           <p:nvPr/>
         </p:nvCxnSpPr>
         <p:spPr>
           <a:xfrm flipH="1">
-            <a:off x="1308554" y="1700981"/>
-            <a:ext cx="4053" cy="1843548"/>
-          </a:xfrm>
-          <a:prstGeom prst="line">
-            <a:avLst/>
-          </a:prstGeom>
+            <a:off x="10692583" y="3338052"/>
+            <a:ext cx="388374" cy="0"/>
+          </a:xfrm>
+          <a:prstGeom prst="straightConnector1">
+            <a:avLst/>
+          </a:prstGeom>
+          <a:ln>
+            <a:tailEnd type="triangle"/>
+          </a:ln>
         </p:spPr>
         <p:style>
           <a:lnRef idx="2">
@@ -3869,96 +4030,24 @@
           </a:fontRef>
         </p:style>
       </p:cxnSp>
-      <p:sp>
-        <p:nvSpPr>
-          <p:cNvPr id="24" name="TextBox 23">
-            <a:extLst>
-              <a:ext uri="{FF2B5EF4-FFF2-40B4-BE49-F238E27FC236}">
-                <a16:creationId xmlns:a16="http://schemas.microsoft.com/office/drawing/2014/main" id="{880312D2-1BF3-E891-5275-56E76BA0CEA2}"/>
-              </a:ext>
-            </a:extLst>
-          </p:cNvPr>
-          <p:cNvSpPr txBox="1"/>
-          <p:nvPr/>
-        </p:nvSpPr>
-        <p:spPr>
-          <a:xfrm>
-            <a:off x="1393422" y="1822951"/>
-            <a:ext cx="312906" cy="369332"/>
-          </a:xfrm>
-          <a:prstGeom prst="rect">
-            <a:avLst/>
-          </a:prstGeom>
-          <a:noFill/>
-        </p:spPr>
-        <p:txBody>
-          <a:bodyPr wrap="none" rtlCol="0">
-            <a:spAutoFit/>
-          </a:bodyPr>
-          <a:lstStyle/>
-          <a:p>
-            <a:r>
-              <a:rPr lang="vi-VN" dirty="0"/>
-              <a:t>1</a:t>
-            </a:r>
-            <a:endParaRPr lang="en-US" dirty="0"/>
-          </a:p>
-        </p:txBody>
-      </p:sp>
-      <p:sp>
-        <p:nvSpPr>
-          <p:cNvPr id="25" name="TextBox 24">
-            <a:extLst>
-              <a:ext uri="{FF2B5EF4-FFF2-40B4-BE49-F238E27FC236}">
-                <a16:creationId xmlns:a16="http://schemas.microsoft.com/office/drawing/2014/main" id="{96574201-751B-373D-B08A-7E15613ED3E9}"/>
-              </a:ext>
-            </a:extLst>
-          </p:cNvPr>
-          <p:cNvSpPr txBox="1"/>
-          <p:nvPr/>
-        </p:nvSpPr>
-        <p:spPr>
-          <a:xfrm>
-            <a:off x="1393422" y="3148159"/>
-            <a:ext cx="723275" cy="369332"/>
-          </a:xfrm>
-          <a:prstGeom prst="rect">
-            <a:avLst/>
-          </a:prstGeom>
-          <a:noFill/>
-        </p:spPr>
-        <p:txBody>
-          <a:bodyPr wrap="none" rtlCol="0">
-            <a:spAutoFit/>
-          </a:bodyPr>
-          <a:lstStyle/>
-          <a:p>
-            <a:r>
-              <a:rPr lang="vi-VN" dirty="0"/>
-              <a:t>0 ... *</a:t>
-            </a:r>
-            <a:endParaRPr lang="en-US" dirty="0"/>
-          </a:p>
-        </p:txBody>
-      </p:sp>
       <p:cxnSp>
         <p:nvCxnSpPr>
-          <p:cNvPr id="33" name="Straight Connector 32">
-            <a:extLst>
-              <a:ext uri="{FF2B5EF4-FFF2-40B4-BE49-F238E27FC236}">
-                <a16:creationId xmlns:a16="http://schemas.microsoft.com/office/drawing/2014/main" id="{9A49FE84-2F8E-2218-B7C7-7CDCF436FB3F}"/>
+          <p:cNvPr id="85" name="Straight Connector 84">
+            <a:extLst>
+              <a:ext uri="{FF2B5EF4-FFF2-40B4-BE49-F238E27FC236}">
+                <a16:creationId xmlns:a16="http://schemas.microsoft.com/office/drawing/2014/main" id="{3325F707-295F-D9DA-7D6E-06E0F8529BC3}"/>
               </a:ext>
             </a:extLst>
           </p:cNvPr>
           <p:cNvCxnSpPr>
-            <a:endCxn id="7" idx="2"/>
+            <a:cxnSpLocks/>
           </p:cNvCxnSpPr>
           <p:nvPr/>
         </p:nvCxnSpPr>
         <p:spPr>
-          <a:xfrm flipV="1">
-            <a:off x="2100050" y="1700981"/>
-            <a:ext cx="2904570" cy="2413819"/>
+          <a:xfrm>
+            <a:off x="6776886" y="1661020"/>
+            <a:ext cx="0" cy="0"/>
           </a:xfrm>
           <a:prstGeom prst="line">
             <a:avLst/>
@@ -3979,96 +4068,24 @@
           </a:fontRef>
         </p:style>
       </p:cxnSp>
-      <p:sp>
-        <p:nvSpPr>
-          <p:cNvPr id="34" name="TextBox 33">
-            <a:extLst>
-              <a:ext uri="{FF2B5EF4-FFF2-40B4-BE49-F238E27FC236}">
-                <a16:creationId xmlns:a16="http://schemas.microsoft.com/office/drawing/2014/main" id="{7937219C-2D0D-D603-0072-7FC7ED610182}"/>
-              </a:ext>
-            </a:extLst>
-          </p:cNvPr>
-          <p:cNvSpPr txBox="1"/>
-          <p:nvPr/>
-        </p:nvSpPr>
-        <p:spPr>
-          <a:xfrm>
-            <a:off x="2175305" y="3435301"/>
-            <a:ext cx="312906" cy="369332"/>
-          </a:xfrm>
-          <a:prstGeom prst="rect">
-            <a:avLst/>
-          </a:prstGeom>
-          <a:noFill/>
-        </p:spPr>
-        <p:txBody>
-          <a:bodyPr wrap="none" rtlCol="0">
-            <a:spAutoFit/>
-          </a:bodyPr>
-          <a:lstStyle/>
-          <a:p>
-            <a:r>
-              <a:rPr lang="vi-VN" dirty="0"/>
-              <a:t>1</a:t>
-            </a:r>
-            <a:endParaRPr lang="en-US" dirty="0"/>
-          </a:p>
-        </p:txBody>
-      </p:sp>
-      <p:sp>
-        <p:nvSpPr>
-          <p:cNvPr id="35" name="TextBox 34">
-            <a:extLst>
-              <a:ext uri="{FF2B5EF4-FFF2-40B4-BE49-F238E27FC236}">
-                <a16:creationId xmlns:a16="http://schemas.microsoft.com/office/drawing/2014/main" id="{01039728-C7C3-12EB-F9C8-9BFC05C41073}"/>
-              </a:ext>
-            </a:extLst>
-          </p:cNvPr>
-          <p:cNvSpPr txBox="1"/>
-          <p:nvPr/>
-        </p:nvSpPr>
-        <p:spPr>
-          <a:xfrm>
-            <a:off x="3845921" y="1786562"/>
-            <a:ext cx="723275" cy="369332"/>
-          </a:xfrm>
-          <a:prstGeom prst="rect">
-            <a:avLst/>
-          </a:prstGeom>
-          <a:noFill/>
-        </p:spPr>
-        <p:txBody>
-          <a:bodyPr wrap="none" rtlCol="0">
-            <a:spAutoFit/>
-          </a:bodyPr>
-          <a:lstStyle/>
-          <a:p>
-            <a:r>
-              <a:rPr lang="vi-VN" dirty="0"/>
-              <a:t>0 ... *</a:t>
-            </a:r>
-            <a:endParaRPr lang="en-US" dirty="0"/>
-          </a:p>
-        </p:txBody>
-      </p:sp>
       <p:cxnSp>
         <p:nvCxnSpPr>
-          <p:cNvPr id="37" name="Straight Connector 36">
-            <a:extLst>
-              <a:ext uri="{FF2B5EF4-FFF2-40B4-BE49-F238E27FC236}">
-                <a16:creationId xmlns:a16="http://schemas.microsoft.com/office/drawing/2014/main" id="{DDB0478F-6ADB-8DFF-68F4-77D89FE573D3}"/>
+          <p:cNvPr id="88" name="Straight Connector 87">
+            <a:extLst>
+              <a:ext uri="{FF2B5EF4-FFF2-40B4-BE49-F238E27FC236}">
+                <a16:creationId xmlns:a16="http://schemas.microsoft.com/office/drawing/2014/main" id="{0C3A9521-4B9D-8BE8-4164-65D519696914}"/>
               </a:ext>
             </a:extLst>
           </p:cNvPr>
           <p:cNvCxnSpPr>
-            <a:endCxn id="14" idx="1"/>
+            <a:cxnSpLocks/>
           </p:cNvCxnSpPr>
           <p:nvPr/>
         </p:nvCxnSpPr>
         <p:spPr>
           <a:xfrm flipV="1">
-            <a:off x="2100050" y="4091605"/>
-            <a:ext cx="2028205" cy="23195"/>
+            <a:off x="6358855" y="1975269"/>
+            <a:ext cx="189431" cy="8389"/>
           </a:xfrm>
           <a:prstGeom prst="line">
             <a:avLst/>
@@ -4089,94 +4106,24 @@
           </a:fontRef>
         </p:style>
       </p:cxnSp>
-      <p:sp>
-        <p:nvSpPr>
-          <p:cNvPr id="40" name="TextBox 39">
-            <a:extLst>
-              <a:ext uri="{FF2B5EF4-FFF2-40B4-BE49-F238E27FC236}">
-                <a16:creationId xmlns:a16="http://schemas.microsoft.com/office/drawing/2014/main" id="{B6392A0E-CC51-CD2A-CE06-5ACFCF957992}"/>
-              </a:ext>
-            </a:extLst>
-          </p:cNvPr>
-          <p:cNvSpPr txBox="1"/>
-          <p:nvPr/>
-        </p:nvSpPr>
-        <p:spPr>
-          <a:xfrm>
-            <a:off x="2207901" y="4184007"/>
-            <a:ext cx="312906" cy="369332"/>
-          </a:xfrm>
-          <a:prstGeom prst="rect">
-            <a:avLst/>
-          </a:prstGeom>
-          <a:noFill/>
-        </p:spPr>
-        <p:txBody>
-          <a:bodyPr wrap="none" rtlCol="0">
-            <a:spAutoFit/>
-          </a:bodyPr>
-          <a:lstStyle/>
-          <a:p>
-            <a:r>
-              <a:rPr lang="vi-VN" dirty="0"/>
-              <a:t>1</a:t>
-            </a:r>
-            <a:endParaRPr lang="en-US" dirty="0"/>
-          </a:p>
-        </p:txBody>
-      </p:sp>
-      <p:sp>
-        <p:nvSpPr>
-          <p:cNvPr id="41" name="TextBox 40">
-            <a:extLst>
-              <a:ext uri="{FF2B5EF4-FFF2-40B4-BE49-F238E27FC236}">
-                <a16:creationId xmlns:a16="http://schemas.microsoft.com/office/drawing/2014/main" id="{CEDBA769-7453-8F3F-7AB8-14EDDDE3B449}"/>
-              </a:ext>
-            </a:extLst>
-          </p:cNvPr>
-          <p:cNvSpPr txBox="1"/>
-          <p:nvPr/>
-        </p:nvSpPr>
-        <p:spPr>
-          <a:xfrm>
-            <a:off x="3885898" y="3050768"/>
-            <a:ext cx="723275" cy="369332"/>
-          </a:xfrm>
-          <a:prstGeom prst="rect">
-            <a:avLst/>
-          </a:prstGeom>
-          <a:noFill/>
-        </p:spPr>
-        <p:txBody>
-          <a:bodyPr wrap="none" rtlCol="0">
-            <a:spAutoFit/>
-          </a:bodyPr>
-          <a:lstStyle/>
-          <a:p>
-            <a:r>
-              <a:rPr lang="vi-VN" dirty="0"/>
-              <a:t>0 ... *</a:t>
-            </a:r>
-            <a:endParaRPr lang="en-US" dirty="0"/>
-          </a:p>
-        </p:txBody>
-      </p:sp>
       <p:cxnSp>
         <p:nvCxnSpPr>
-          <p:cNvPr id="3" name="Straight Connector 2">
-            <a:extLst>
-              <a:ext uri="{FF2B5EF4-FFF2-40B4-BE49-F238E27FC236}">
-                <a16:creationId xmlns:a16="http://schemas.microsoft.com/office/drawing/2014/main" id="{8E74DF3D-7BF5-3152-32ED-F104D26B9373}"/>
-              </a:ext>
-            </a:extLst>
-          </p:cNvPr>
-          <p:cNvCxnSpPr/>
+          <p:cNvPr id="95" name="Straight Connector 94">
+            <a:extLst>
+              <a:ext uri="{FF2B5EF4-FFF2-40B4-BE49-F238E27FC236}">
+                <a16:creationId xmlns:a16="http://schemas.microsoft.com/office/drawing/2014/main" id="{959DD94B-1665-DBD4-E710-77399C1DC54F}"/>
+              </a:ext>
+            </a:extLst>
+          </p:cNvPr>
+          <p:cNvCxnSpPr>
+            <a:cxnSpLocks/>
+          </p:cNvCxnSpPr>
           <p:nvPr/>
         </p:nvCxnSpPr>
         <p:spPr>
           <a:xfrm>
-            <a:off x="2116697" y="1700981"/>
-            <a:ext cx="2011558" cy="1859681"/>
+            <a:off x="6358855" y="1837189"/>
+            <a:ext cx="0" cy="285226"/>
           </a:xfrm>
           <a:prstGeom prst="line">
             <a:avLst/>
@@ -4199,10 +4146,326 @@
       </p:cxnSp>
       <p:sp>
         <p:nvSpPr>
-          <p:cNvPr id="6" name="TextBox 5">
-            <a:extLst>
-              <a:ext uri="{FF2B5EF4-FFF2-40B4-BE49-F238E27FC236}">
-                <a16:creationId xmlns:a16="http://schemas.microsoft.com/office/drawing/2014/main" id="{E24B3FF0-8992-C639-47F7-0859D2418FEC}"/>
+          <p:cNvPr id="97" name="Flowchart: Connector 96">
+            <a:extLst>
+              <a:ext uri="{FF2B5EF4-FFF2-40B4-BE49-F238E27FC236}">
+                <a16:creationId xmlns:a16="http://schemas.microsoft.com/office/drawing/2014/main" id="{F0F7F116-F073-341E-26E8-2C8D35129577}"/>
+              </a:ext>
+            </a:extLst>
+          </p:cNvPr>
+          <p:cNvSpPr/>
+          <p:nvPr/>
+        </p:nvSpPr>
+        <p:spPr>
+          <a:xfrm>
+            <a:off x="8694336" y="1746669"/>
+            <a:ext cx="457200" cy="457200"/>
+          </a:xfrm>
+          <a:prstGeom prst="flowChartConnector">
+            <a:avLst/>
+          </a:prstGeom>
+        </p:spPr>
+        <p:style>
+          <a:lnRef idx="2">
+            <a:schemeClr val="accent6"/>
+          </a:lnRef>
+          <a:fillRef idx="1">
+            <a:schemeClr val="lt1"/>
+          </a:fillRef>
+          <a:effectRef idx="0">
+            <a:schemeClr val="accent6"/>
+          </a:effectRef>
+          <a:fontRef idx="minor">
+            <a:schemeClr val="dk1"/>
+          </a:fontRef>
+        </p:style>
+        <p:txBody>
+          <a:bodyPr rtlCol="0" anchor="ctr"/>
+          <a:lstStyle/>
+          <a:p>
+            <a:pPr algn="ctr"/>
+            <a:endParaRPr lang="en-US" dirty="0"/>
+          </a:p>
+        </p:txBody>
+      </p:sp>
+      <p:cxnSp>
+        <p:nvCxnSpPr>
+          <p:cNvPr id="98" name="Straight Connector 97">
+            <a:extLst>
+              <a:ext uri="{FF2B5EF4-FFF2-40B4-BE49-F238E27FC236}">
+                <a16:creationId xmlns:a16="http://schemas.microsoft.com/office/drawing/2014/main" id="{DCCC5E9F-D9C9-A4CF-E3DB-2268AF12788E}"/>
+              </a:ext>
+            </a:extLst>
+          </p:cNvPr>
+          <p:cNvCxnSpPr>
+            <a:cxnSpLocks/>
+          </p:cNvCxnSpPr>
+          <p:nvPr/>
+        </p:nvCxnSpPr>
+        <p:spPr>
+          <a:xfrm>
+            <a:off x="8922936" y="1652631"/>
+            <a:ext cx="0" cy="0"/>
+          </a:xfrm>
+          <a:prstGeom prst="line">
+            <a:avLst/>
+          </a:prstGeom>
+        </p:spPr>
+        <p:style>
+          <a:lnRef idx="2">
+            <a:schemeClr val="accent1"/>
+          </a:lnRef>
+          <a:fillRef idx="0">
+            <a:schemeClr val="accent1"/>
+          </a:fillRef>
+          <a:effectRef idx="1">
+            <a:schemeClr val="accent1"/>
+          </a:effectRef>
+          <a:fontRef idx="minor">
+            <a:schemeClr val="tx1"/>
+          </a:fontRef>
+        </p:style>
+      </p:cxnSp>
+      <p:cxnSp>
+        <p:nvCxnSpPr>
+          <p:cNvPr id="99" name="Straight Connector 98">
+            <a:extLst>
+              <a:ext uri="{FF2B5EF4-FFF2-40B4-BE49-F238E27FC236}">
+                <a16:creationId xmlns:a16="http://schemas.microsoft.com/office/drawing/2014/main" id="{574022C0-72FE-92E6-40BB-FA715F8D8870}"/>
+              </a:ext>
+            </a:extLst>
+          </p:cNvPr>
+          <p:cNvCxnSpPr>
+            <a:cxnSpLocks/>
+          </p:cNvCxnSpPr>
+          <p:nvPr/>
+        </p:nvCxnSpPr>
+        <p:spPr>
+          <a:xfrm flipV="1">
+            <a:off x="8504905" y="1966880"/>
+            <a:ext cx="189431" cy="8389"/>
+          </a:xfrm>
+          <a:prstGeom prst="line">
+            <a:avLst/>
+          </a:prstGeom>
+        </p:spPr>
+        <p:style>
+          <a:lnRef idx="2">
+            <a:schemeClr val="accent1"/>
+          </a:lnRef>
+          <a:fillRef idx="0">
+            <a:schemeClr val="accent1"/>
+          </a:fillRef>
+          <a:effectRef idx="1">
+            <a:schemeClr val="accent1"/>
+          </a:effectRef>
+          <a:fontRef idx="minor">
+            <a:schemeClr val="tx1"/>
+          </a:fontRef>
+        </p:style>
+      </p:cxnSp>
+      <p:cxnSp>
+        <p:nvCxnSpPr>
+          <p:cNvPr id="100" name="Straight Connector 99">
+            <a:extLst>
+              <a:ext uri="{FF2B5EF4-FFF2-40B4-BE49-F238E27FC236}">
+                <a16:creationId xmlns:a16="http://schemas.microsoft.com/office/drawing/2014/main" id="{6E3B6C41-0285-1F37-0B9F-B35CA80867B9}"/>
+              </a:ext>
+            </a:extLst>
+          </p:cNvPr>
+          <p:cNvCxnSpPr>
+            <a:cxnSpLocks/>
+          </p:cNvCxnSpPr>
+          <p:nvPr/>
+        </p:nvCxnSpPr>
+        <p:spPr>
+          <a:xfrm>
+            <a:off x="8504905" y="1828800"/>
+            <a:ext cx="0" cy="285226"/>
+          </a:xfrm>
+          <a:prstGeom prst="line">
+            <a:avLst/>
+          </a:prstGeom>
+        </p:spPr>
+        <p:style>
+          <a:lnRef idx="2">
+            <a:schemeClr val="accent1"/>
+          </a:lnRef>
+          <a:fillRef idx="0">
+            <a:schemeClr val="accent1"/>
+          </a:fillRef>
+          <a:effectRef idx="1">
+            <a:schemeClr val="accent1"/>
+          </a:effectRef>
+          <a:fontRef idx="minor">
+            <a:schemeClr val="tx1"/>
+          </a:fontRef>
+        </p:style>
+      </p:cxnSp>
+      <p:sp>
+        <p:nvSpPr>
+          <p:cNvPr id="101" name="Flowchart: Connector 100">
+            <a:extLst>
+              <a:ext uri="{FF2B5EF4-FFF2-40B4-BE49-F238E27FC236}">
+                <a16:creationId xmlns:a16="http://schemas.microsoft.com/office/drawing/2014/main" id="{061F748B-D0FC-3A87-3316-E5D4B1B6CBA7}"/>
+              </a:ext>
+            </a:extLst>
+          </p:cNvPr>
+          <p:cNvSpPr/>
+          <p:nvPr/>
+        </p:nvSpPr>
+        <p:spPr>
+          <a:xfrm>
+            <a:off x="10971908" y="1758914"/>
+            <a:ext cx="457200" cy="457200"/>
+          </a:xfrm>
+          <a:prstGeom prst="flowChartConnector">
+            <a:avLst/>
+          </a:prstGeom>
+        </p:spPr>
+        <p:style>
+          <a:lnRef idx="2">
+            <a:schemeClr val="accent6"/>
+          </a:lnRef>
+          <a:fillRef idx="1">
+            <a:schemeClr val="lt1"/>
+          </a:fillRef>
+          <a:effectRef idx="0">
+            <a:schemeClr val="accent6"/>
+          </a:effectRef>
+          <a:fontRef idx="minor">
+            <a:schemeClr val="dk1"/>
+          </a:fontRef>
+        </p:style>
+        <p:txBody>
+          <a:bodyPr rtlCol="0" anchor="ctr"/>
+          <a:lstStyle/>
+          <a:p>
+            <a:pPr algn="ctr"/>
+            <a:endParaRPr lang="en-US" dirty="0"/>
+          </a:p>
+        </p:txBody>
+      </p:sp>
+      <p:cxnSp>
+        <p:nvCxnSpPr>
+          <p:cNvPr id="102" name="Straight Connector 101">
+            <a:extLst>
+              <a:ext uri="{FF2B5EF4-FFF2-40B4-BE49-F238E27FC236}">
+                <a16:creationId xmlns:a16="http://schemas.microsoft.com/office/drawing/2014/main" id="{59136B8B-DC2B-31FE-F0E0-5D68A8094200}"/>
+              </a:ext>
+            </a:extLst>
+          </p:cNvPr>
+          <p:cNvCxnSpPr>
+            <a:cxnSpLocks/>
+          </p:cNvCxnSpPr>
+          <p:nvPr/>
+        </p:nvCxnSpPr>
+        <p:spPr>
+          <a:xfrm>
+            <a:off x="11200508" y="1664876"/>
+            <a:ext cx="0" cy="0"/>
+          </a:xfrm>
+          <a:prstGeom prst="line">
+            <a:avLst/>
+          </a:prstGeom>
+        </p:spPr>
+        <p:style>
+          <a:lnRef idx="2">
+            <a:schemeClr val="accent1"/>
+          </a:lnRef>
+          <a:fillRef idx="0">
+            <a:schemeClr val="accent1"/>
+          </a:fillRef>
+          <a:effectRef idx="1">
+            <a:schemeClr val="accent1"/>
+          </a:effectRef>
+          <a:fontRef idx="minor">
+            <a:schemeClr val="tx1"/>
+          </a:fontRef>
+        </p:style>
+      </p:cxnSp>
+      <p:cxnSp>
+        <p:nvCxnSpPr>
+          <p:cNvPr id="103" name="Straight Connector 102">
+            <a:extLst>
+              <a:ext uri="{FF2B5EF4-FFF2-40B4-BE49-F238E27FC236}">
+                <a16:creationId xmlns:a16="http://schemas.microsoft.com/office/drawing/2014/main" id="{B250DC6F-15C4-512B-F1D8-0527D4114799}"/>
+              </a:ext>
+            </a:extLst>
+          </p:cNvPr>
+          <p:cNvCxnSpPr>
+            <a:cxnSpLocks/>
+          </p:cNvCxnSpPr>
+          <p:nvPr/>
+        </p:nvCxnSpPr>
+        <p:spPr>
+          <a:xfrm flipV="1">
+            <a:off x="10782477" y="1979125"/>
+            <a:ext cx="189431" cy="8389"/>
+          </a:xfrm>
+          <a:prstGeom prst="line">
+            <a:avLst/>
+          </a:prstGeom>
+        </p:spPr>
+        <p:style>
+          <a:lnRef idx="2">
+            <a:schemeClr val="accent1"/>
+          </a:lnRef>
+          <a:fillRef idx="0">
+            <a:schemeClr val="accent1"/>
+          </a:fillRef>
+          <a:effectRef idx="1">
+            <a:schemeClr val="accent1"/>
+          </a:effectRef>
+          <a:fontRef idx="minor">
+            <a:schemeClr val="tx1"/>
+          </a:fontRef>
+        </p:style>
+      </p:cxnSp>
+      <p:cxnSp>
+        <p:nvCxnSpPr>
+          <p:cNvPr id="104" name="Straight Connector 103">
+            <a:extLst>
+              <a:ext uri="{FF2B5EF4-FFF2-40B4-BE49-F238E27FC236}">
+                <a16:creationId xmlns:a16="http://schemas.microsoft.com/office/drawing/2014/main" id="{AF69B991-7C4C-DB1A-A768-56B517550FC2}"/>
+              </a:ext>
+            </a:extLst>
+          </p:cNvPr>
+          <p:cNvCxnSpPr>
+            <a:cxnSpLocks/>
+          </p:cNvCxnSpPr>
+          <p:nvPr/>
+        </p:nvCxnSpPr>
+        <p:spPr>
+          <a:xfrm>
+            <a:off x="10782477" y="1841045"/>
+            <a:ext cx="0" cy="285226"/>
+          </a:xfrm>
+          <a:prstGeom prst="line">
+            <a:avLst/>
+          </a:prstGeom>
+        </p:spPr>
+        <p:style>
+          <a:lnRef idx="2">
+            <a:schemeClr val="accent1"/>
+          </a:lnRef>
+          <a:fillRef idx="0">
+            <a:schemeClr val="accent1"/>
+          </a:fillRef>
+          <a:effectRef idx="1">
+            <a:schemeClr val="accent1"/>
+          </a:effectRef>
+          <a:fontRef idx="minor">
+            <a:schemeClr val="tx1"/>
+          </a:fontRef>
+        </p:style>
+      </p:cxnSp>
+      <p:sp>
+        <p:nvSpPr>
+          <p:cNvPr id="2" name="TextBox 1">
+            <a:extLst>
+              <a:ext uri="{FF2B5EF4-FFF2-40B4-BE49-F238E27FC236}">
+                <a16:creationId xmlns:a16="http://schemas.microsoft.com/office/drawing/2014/main" id="{700932ED-8459-9991-0D9D-6A9925028392}"/>
               </a:ext>
             </a:extLst>
           </p:cNvPr>
@@ -4211,8 +4474,8 @@
         </p:nvSpPr>
         <p:spPr>
           <a:xfrm>
-            <a:off x="2253101" y="1616785"/>
-            <a:ext cx="312906" cy="369332"/>
+            <a:off x="6018505" y="1372569"/>
+            <a:ext cx="1516762" cy="307777"/>
           </a:xfrm>
           <a:prstGeom prst="rect">
             <a:avLst/>
@@ -4226,19 +4489,25 @@
           <a:lstStyle/>
           <a:p>
             <a:r>
-              <a:rPr lang="vi-VN" dirty="0"/>
-              <a:t>1</a:t>
-            </a:r>
-            <a:endParaRPr lang="en-US" dirty="0"/>
-          </a:p>
-        </p:txBody>
-      </p:sp>
-      <p:sp>
-        <p:nvSpPr>
-          <p:cNvPr id="9" name="TextBox 8">
-            <a:extLst>
-              <a:ext uri="{FF2B5EF4-FFF2-40B4-BE49-F238E27FC236}">
-                <a16:creationId xmlns:a16="http://schemas.microsoft.com/office/drawing/2014/main" id="{AA728BE1-E35F-CF62-8830-B9750A1696D4}"/>
+              <a:rPr lang="vi-VN" sz="1400" dirty="0">
+                <a:latin typeface="Times New Roman" panose="02020603050405020304" pitchFamily="18" charset="0"/>
+                <a:cs typeface="Times New Roman" panose="02020603050405020304" pitchFamily="18" charset="0"/>
+              </a:rPr>
+              <a:t>Dịch vụ thông báo</a:t>
+            </a:r>
+            <a:endParaRPr lang="en-US" sz="1400" dirty="0">
+              <a:latin typeface="Times New Roman" panose="02020603050405020304" pitchFamily="18" charset="0"/>
+              <a:cs typeface="Times New Roman" panose="02020603050405020304" pitchFamily="18" charset="0"/>
+            </a:endParaRPr>
+          </a:p>
+        </p:txBody>
+      </p:sp>
+      <p:sp>
+        <p:nvSpPr>
+          <p:cNvPr id="3" name="TextBox 2">
+            <a:extLst>
+              <a:ext uri="{FF2B5EF4-FFF2-40B4-BE49-F238E27FC236}">
+                <a16:creationId xmlns:a16="http://schemas.microsoft.com/office/drawing/2014/main" id="{FF222430-DAC9-F705-A871-321D4ED35A05}"/>
               </a:ext>
             </a:extLst>
           </p:cNvPr>
@@ -4247,8 +4516,8 @@
         </p:nvSpPr>
         <p:spPr>
           <a:xfrm>
-            <a:off x="3378456" y="4245358"/>
-            <a:ext cx="723275" cy="369332"/>
+            <a:off x="8164555" y="1410917"/>
+            <a:ext cx="1382110" cy="307777"/>
           </a:xfrm>
           <a:prstGeom prst="rect">
             <a:avLst/>
@@ -4262,10 +4531,1487 @@
           <a:lstStyle/>
           <a:p>
             <a:r>
-              <a:rPr lang="vi-VN" dirty="0"/>
-              <a:t>0 ... *</a:t>
-            </a:r>
-            <a:endParaRPr lang="en-US" dirty="0"/>
+              <a:rPr lang="vi-VN" sz="1400" dirty="0">
+                <a:latin typeface="Times New Roman" panose="02020603050405020304" pitchFamily="18" charset="0"/>
+                <a:cs typeface="Times New Roman" panose="02020603050405020304" pitchFamily="18" charset="0"/>
+              </a:rPr>
+              <a:t>Giao diện admin</a:t>
+            </a:r>
+            <a:endParaRPr lang="en-US" sz="1400" dirty="0">
+              <a:latin typeface="Times New Roman" panose="02020603050405020304" pitchFamily="18" charset="0"/>
+              <a:cs typeface="Times New Roman" panose="02020603050405020304" pitchFamily="18" charset="0"/>
+            </a:endParaRPr>
+          </a:p>
+        </p:txBody>
+      </p:sp>
+      <p:sp>
+        <p:nvSpPr>
+          <p:cNvPr id="4" name="TextBox 3">
+            <a:extLst>
+              <a:ext uri="{FF2B5EF4-FFF2-40B4-BE49-F238E27FC236}">
+                <a16:creationId xmlns:a16="http://schemas.microsoft.com/office/drawing/2014/main" id="{B2A9DABD-A7FE-924A-2915-40908FEF5F41}"/>
+              </a:ext>
+            </a:extLst>
+          </p:cNvPr>
+          <p:cNvSpPr txBox="1"/>
+          <p:nvPr/>
+        </p:nvSpPr>
+        <p:spPr>
+          <a:xfrm>
+            <a:off x="10075713" y="1382097"/>
+            <a:ext cx="2010487" cy="307777"/>
+          </a:xfrm>
+          <a:prstGeom prst="rect">
+            <a:avLst/>
+          </a:prstGeom>
+          <a:noFill/>
+        </p:spPr>
+        <p:txBody>
+          <a:bodyPr wrap="none" rtlCol="0">
+            <a:spAutoFit/>
+          </a:bodyPr>
+          <a:lstStyle/>
+          <a:p>
+            <a:r>
+              <a:rPr lang="vi-VN" sz="1400">
+                <a:latin typeface="Times New Roman" panose="02020603050405020304" pitchFamily="18" charset="0"/>
+                <a:cs typeface="Times New Roman" panose="02020603050405020304" pitchFamily="18" charset="0"/>
+              </a:rPr>
+              <a:t>Giao diện tham gia nhóm</a:t>
+            </a:r>
+            <a:endParaRPr lang="en-US" sz="1400" dirty="0">
+              <a:latin typeface="Times New Roman" panose="02020603050405020304" pitchFamily="18" charset="0"/>
+              <a:cs typeface="Times New Roman" panose="02020603050405020304" pitchFamily="18" charset="0"/>
+            </a:endParaRPr>
+          </a:p>
+        </p:txBody>
+      </p:sp>
+      <p:sp>
+        <p:nvSpPr>
+          <p:cNvPr id="5" name="TextBox 4">
+            <a:extLst>
+              <a:ext uri="{FF2B5EF4-FFF2-40B4-BE49-F238E27FC236}">
+                <a16:creationId xmlns:a16="http://schemas.microsoft.com/office/drawing/2014/main" id="{10669C08-6699-C1C7-7160-0B53491563AE}"/>
+              </a:ext>
+            </a:extLst>
+          </p:cNvPr>
+          <p:cNvSpPr txBox="1"/>
+          <p:nvPr/>
+        </p:nvSpPr>
+        <p:spPr>
+          <a:xfrm>
+            <a:off x="7046641" y="3974723"/>
+            <a:ext cx="2459328" cy="307777"/>
+          </a:xfrm>
+          <a:prstGeom prst="rect">
+            <a:avLst/>
+          </a:prstGeom>
+          <a:noFill/>
+        </p:spPr>
+        <p:txBody>
+          <a:bodyPr wrap="none" rtlCol="0">
+            <a:spAutoFit/>
+          </a:bodyPr>
+          <a:lstStyle/>
+          <a:p>
+            <a:r>
+              <a:rPr lang="vi-VN" sz="1400" dirty="0">
+                <a:latin typeface="Times New Roman" panose="02020603050405020304" pitchFamily="18" charset="0"/>
+                <a:cs typeface="Times New Roman" panose="02020603050405020304" pitchFamily="18" charset="0"/>
+              </a:rPr>
+              <a:t>Controller phê duyệt của admin</a:t>
+            </a:r>
+            <a:endParaRPr lang="en-US" sz="1400" dirty="0">
+              <a:latin typeface="Times New Roman" panose="02020603050405020304" pitchFamily="18" charset="0"/>
+              <a:cs typeface="Times New Roman" panose="02020603050405020304" pitchFamily="18" charset="0"/>
+            </a:endParaRPr>
+          </a:p>
+        </p:txBody>
+      </p:sp>
+      <p:sp>
+        <p:nvSpPr>
+          <p:cNvPr id="6" name="TextBox 5">
+            <a:extLst>
+              <a:ext uri="{FF2B5EF4-FFF2-40B4-BE49-F238E27FC236}">
+                <a16:creationId xmlns:a16="http://schemas.microsoft.com/office/drawing/2014/main" id="{9615F199-9F11-2D8B-8EAF-6094F121727F}"/>
+              </a:ext>
+            </a:extLst>
+          </p:cNvPr>
+          <p:cNvSpPr txBox="1"/>
+          <p:nvPr/>
+        </p:nvSpPr>
+        <p:spPr>
+          <a:xfrm>
+            <a:off x="9949833" y="3974723"/>
+            <a:ext cx="2044149" cy="307777"/>
+          </a:xfrm>
+          <a:prstGeom prst="rect">
+            <a:avLst/>
+          </a:prstGeom>
+          <a:noFill/>
+        </p:spPr>
+        <p:txBody>
+          <a:bodyPr wrap="none" rtlCol="0">
+            <a:spAutoFit/>
+          </a:bodyPr>
+          <a:lstStyle/>
+          <a:p>
+            <a:r>
+              <a:rPr lang="vi-VN" sz="1400" dirty="0">
+                <a:latin typeface="Times New Roman" panose="02020603050405020304" pitchFamily="18" charset="0"/>
+                <a:cs typeface="Times New Roman" panose="02020603050405020304" pitchFamily="18" charset="0"/>
+              </a:rPr>
+              <a:t>Controller tham gia nhóm</a:t>
+            </a:r>
+            <a:endParaRPr lang="en-US" sz="1400" dirty="0">
+              <a:latin typeface="Times New Roman" panose="02020603050405020304" pitchFamily="18" charset="0"/>
+              <a:cs typeface="Times New Roman" panose="02020603050405020304" pitchFamily="18" charset="0"/>
+            </a:endParaRPr>
+          </a:p>
+        </p:txBody>
+      </p:sp>
+      <p:cxnSp>
+        <p:nvCxnSpPr>
+          <p:cNvPr id="8" name="Straight Arrow Connector 7">
+            <a:extLst>
+              <a:ext uri="{FF2B5EF4-FFF2-40B4-BE49-F238E27FC236}">
+                <a16:creationId xmlns:a16="http://schemas.microsoft.com/office/drawing/2014/main" id="{F0CCDB9A-52D5-4409-C509-546E15C94A37}"/>
+              </a:ext>
+            </a:extLst>
+          </p:cNvPr>
+          <p:cNvCxnSpPr>
+            <a:stCxn id="101" idx="4"/>
+            <a:endCxn id="51" idx="0"/>
+          </p:cNvCxnSpPr>
+          <p:nvPr/>
+        </p:nvCxnSpPr>
+        <p:spPr>
+          <a:xfrm flipH="1">
+            <a:off x="10921183" y="2216114"/>
+            <a:ext cx="279325" cy="1126854"/>
+          </a:xfrm>
+          <a:prstGeom prst="straightConnector1">
+            <a:avLst/>
+          </a:prstGeom>
+          <a:ln>
+            <a:prstDash val="sysDot"/>
+            <a:tailEnd type="triangle"/>
+          </a:ln>
+        </p:spPr>
+        <p:style>
+          <a:lnRef idx="2">
+            <a:schemeClr val="accent1"/>
+          </a:lnRef>
+          <a:fillRef idx="0">
+            <a:schemeClr val="accent1"/>
+          </a:fillRef>
+          <a:effectRef idx="1">
+            <a:schemeClr val="accent1"/>
+          </a:effectRef>
+          <a:fontRef idx="minor">
+            <a:schemeClr val="tx1"/>
+          </a:fontRef>
+        </p:style>
+      </p:cxnSp>
+      <p:cxnSp>
+        <p:nvCxnSpPr>
+          <p:cNvPr id="9" name="Straight Arrow Connector 8">
+            <a:extLst>
+              <a:ext uri="{FF2B5EF4-FFF2-40B4-BE49-F238E27FC236}">
+                <a16:creationId xmlns:a16="http://schemas.microsoft.com/office/drawing/2014/main" id="{7742E82B-72EF-FB11-0549-E8F60FE720D8}"/>
+              </a:ext>
+            </a:extLst>
+          </p:cNvPr>
+          <p:cNvCxnSpPr>
+            <a:cxnSpLocks/>
+            <a:endCxn id="49" idx="0"/>
+          </p:cNvCxnSpPr>
+          <p:nvPr/>
+        </p:nvCxnSpPr>
+        <p:spPr>
+          <a:xfrm flipH="1">
+            <a:off x="8276305" y="2195480"/>
+            <a:ext cx="646631" cy="1147488"/>
+          </a:xfrm>
+          <a:prstGeom prst="straightConnector1">
+            <a:avLst/>
+          </a:prstGeom>
+          <a:ln>
+            <a:prstDash val="sysDot"/>
+            <a:tailEnd type="triangle"/>
+          </a:ln>
+        </p:spPr>
+        <p:style>
+          <a:lnRef idx="2">
+            <a:schemeClr val="accent1"/>
+          </a:lnRef>
+          <a:fillRef idx="0">
+            <a:schemeClr val="accent1"/>
+          </a:fillRef>
+          <a:effectRef idx="1">
+            <a:schemeClr val="accent1"/>
+          </a:effectRef>
+          <a:fontRef idx="minor">
+            <a:schemeClr val="tx1"/>
+          </a:fontRef>
+        </p:style>
+      </p:cxnSp>
+      <p:cxnSp>
+        <p:nvCxnSpPr>
+          <p:cNvPr id="11" name="Straight Arrow Connector 10">
+            <a:extLst>
+              <a:ext uri="{FF2B5EF4-FFF2-40B4-BE49-F238E27FC236}">
+                <a16:creationId xmlns:a16="http://schemas.microsoft.com/office/drawing/2014/main" id="{B49AD65F-1242-96D6-3856-3A256E5F9F9D}"/>
+              </a:ext>
+            </a:extLst>
+          </p:cNvPr>
+          <p:cNvCxnSpPr>
+            <a:cxnSpLocks/>
+            <a:stCxn id="49" idx="0"/>
+            <a:endCxn id="66" idx="4"/>
+          </p:cNvCxnSpPr>
+          <p:nvPr/>
+        </p:nvCxnSpPr>
+        <p:spPr>
+          <a:xfrm flipH="1" flipV="1">
+            <a:off x="6776886" y="2212258"/>
+            <a:ext cx="1499419" cy="1130710"/>
+          </a:xfrm>
+          <a:prstGeom prst="straightConnector1">
+            <a:avLst/>
+          </a:prstGeom>
+          <a:ln>
+            <a:prstDash val="sysDot"/>
+            <a:tailEnd type="triangle"/>
+          </a:ln>
+        </p:spPr>
+        <p:style>
+          <a:lnRef idx="2">
+            <a:schemeClr val="accent1"/>
+          </a:lnRef>
+          <a:fillRef idx="0">
+            <a:schemeClr val="accent1"/>
+          </a:fillRef>
+          <a:effectRef idx="1">
+            <a:schemeClr val="accent1"/>
+          </a:effectRef>
+          <a:fontRef idx="minor">
+            <a:schemeClr val="tx1"/>
+          </a:fontRef>
+        </p:style>
+      </p:cxnSp>
+      <p:cxnSp>
+        <p:nvCxnSpPr>
+          <p:cNvPr id="17" name="Straight Arrow Connector 16">
+            <a:extLst>
+              <a:ext uri="{FF2B5EF4-FFF2-40B4-BE49-F238E27FC236}">
+                <a16:creationId xmlns:a16="http://schemas.microsoft.com/office/drawing/2014/main" id="{A9C074D3-47F3-C165-4EC3-0A8ADA154AA1}"/>
+              </a:ext>
+            </a:extLst>
+          </p:cNvPr>
+          <p:cNvCxnSpPr>
+            <a:cxnSpLocks/>
+            <a:endCxn id="36" idx="6"/>
+          </p:cNvCxnSpPr>
+          <p:nvPr/>
+        </p:nvCxnSpPr>
+        <p:spPr>
+          <a:xfrm flipH="1">
+            <a:off x="5383161" y="3800168"/>
+            <a:ext cx="5549420" cy="2170470"/>
+          </a:xfrm>
+          <a:prstGeom prst="straightConnector1">
+            <a:avLst/>
+          </a:prstGeom>
+          <a:ln>
+            <a:prstDash val="sysDot"/>
+            <a:tailEnd type="triangle"/>
+          </a:ln>
+        </p:spPr>
+        <p:style>
+          <a:lnRef idx="2">
+            <a:schemeClr val="accent1"/>
+          </a:lnRef>
+          <a:fillRef idx="0">
+            <a:schemeClr val="accent1"/>
+          </a:fillRef>
+          <a:effectRef idx="1">
+            <a:schemeClr val="accent1"/>
+          </a:effectRef>
+          <a:fontRef idx="minor">
+            <a:schemeClr val="tx1"/>
+          </a:fontRef>
+        </p:style>
+      </p:cxnSp>
+      <p:cxnSp>
+        <p:nvCxnSpPr>
+          <p:cNvPr id="19" name="Straight Arrow Connector 18">
+            <a:extLst>
+              <a:ext uri="{FF2B5EF4-FFF2-40B4-BE49-F238E27FC236}">
+                <a16:creationId xmlns:a16="http://schemas.microsoft.com/office/drawing/2014/main" id="{7C1309EC-713B-732C-968F-78E4D77CC6B3}"/>
+              </a:ext>
+            </a:extLst>
+          </p:cNvPr>
+          <p:cNvCxnSpPr>
+            <a:cxnSpLocks/>
+            <a:stCxn id="51" idx="4"/>
+          </p:cNvCxnSpPr>
+          <p:nvPr/>
+        </p:nvCxnSpPr>
+        <p:spPr>
+          <a:xfrm flipH="1">
+            <a:off x="5337350" y="3800168"/>
+            <a:ext cx="5583833" cy="977891"/>
+          </a:xfrm>
+          <a:prstGeom prst="straightConnector1">
+            <a:avLst/>
+          </a:prstGeom>
+          <a:ln>
+            <a:prstDash val="sysDot"/>
+            <a:tailEnd type="triangle"/>
+          </a:ln>
+        </p:spPr>
+        <p:style>
+          <a:lnRef idx="2">
+            <a:schemeClr val="accent1"/>
+          </a:lnRef>
+          <a:fillRef idx="0">
+            <a:schemeClr val="accent1"/>
+          </a:fillRef>
+          <a:effectRef idx="1">
+            <a:schemeClr val="accent1"/>
+          </a:effectRef>
+          <a:fontRef idx="minor">
+            <a:schemeClr val="tx1"/>
+          </a:fontRef>
+        </p:style>
+      </p:cxnSp>
+      <p:sp>
+        <p:nvSpPr>
+          <p:cNvPr id="21" name="TextBox 20">
+            <a:extLst>
+              <a:ext uri="{FF2B5EF4-FFF2-40B4-BE49-F238E27FC236}">
+                <a16:creationId xmlns:a16="http://schemas.microsoft.com/office/drawing/2014/main" id="{6CE93FE4-D74C-1561-BA6F-A9399C783A88}"/>
+              </a:ext>
+            </a:extLst>
+          </p:cNvPr>
+          <p:cNvSpPr txBox="1"/>
+          <p:nvPr/>
+        </p:nvSpPr>
+        <p:spPr>
+          <a:xfrm>
+            <a:off x="4430645" y="5086285"/>
+            <a:ext cx="1447832" cy="307777"/>
+          </a:xfrm>
+          <a:prstGeom prst="rect">
+            <a:avLst/>
+          </a:prstGeom>
+          <a:noFill/>
+        </p:spPr>
+        <p:txBody>
+          <a:bodyPr wrap="none" rtlCol="0">
+            <a:spAutoFit/>
+          </a:bodyPr>
+          <a:lstStyle/>
+          <a:p>
+            <a:r>
+              <a:rPr lang="vi-VN" sz="1400" dirty="0">
+                <a:latin typeface="Times New Roman" panose="02020603050405020304" pitchFamily="18" charset="0"/>
+                <a:cs typeface="Times New Roman" panose="02020603050405020304" pitchFamily="18" charset="0"/>
+              </a:rPr>
+              <a:t>Yêu cầu tham gia</a:t>
+            </a:r>
+            <a:endParaRPr lang="en-US" sz="1400" dirty="0">
+              <a:latin typeface="Times New Roman" panose="02020603050405020304" pitchFamily="18" charset="0"/>
+              <a:cs typeface="Times New Roman" panose="02020603050405020304" pitchFamily="18" charset="0"/>
+            </a:endParaRPr>
+          </a:p>
+        </p:txBody>
+      </p:sp>
+      <p:sp>
+        <p:nvSpPr>
+          <p:cNvPr id="22" name="TextBox 21">
+            <a:extLst>
+              <a:ext uri="{FF2B5EF4-FFF2-40B4-BE49-F238E27FC236}">
+                <a16:creationId xmlns:a16="http://schemas.microsoft.com/office/drawing/2014/main" id="{190294E9-3700-0101-3E5C-F4305A489EC9}"/>
+              </a:ext>
+            </a:extLst>
+          </p:cNvPr>
+          <p:cNvSpPr txBox="1"/>
+          <p:nvPr/>
+        </p:nvSpPr>
+        <p:spPr>
+          <a:xfrm>
+            <a:off x="4576915" y="6301923"/>
+            <a:ext cx="1233030" cy="307777"/>
+          </a:xfrm>
+          <a:prstGeom prst="rect">
+            <a:avLst/>
+          </a:prstGeom>
+          <a:noFill/>
+        </p:spPr>
+        <p:txBody>
+          <a:bodyPr wrap="none" rtlCol="0">
+            <a:spAutoFit/>
+          </a:bodyPr>
+          <a:lstStyle/>
+          <a:p>
+            <a:r>
+              <a:rPr lang="vi-VN" sz="1400" dirty="0">
+                <a:latin typeface="Times New Roman" panose="02020603050405020304" pitchFamily="18" charset="0"/>
+                <a:cs typeface="Times New Roman" panose="02020603050405020304" pitchFamily="18" charset="0"/>
+              </a:rPr>
+              <a:t>Các câu trả lời</a:t>
+            </a:r>
+            <a:endParaRPr lang="en-US" sz="1400" dirty="0">
+              <a:latin typeface="Times New Roman" panose="02020603050405020304" pitchFamily="18" charset="0"/>
+              <a:cs typeface="Times New Roman" panose="02020603050405020304" pitchFamily="18" charset="0"/>
+            </a:endParaRPr>
+          </a:p>
+        </p:txBody>
+      </p:sp>
+      <p:cxnSp>
+        <p:nvCxnSpPr>
+          <p:cNvPr id="24" name="Straight Connector 23">
+            <a:extLst>
+              <a:ext uri="{FF2B5EF4-FFF2-40B4-BE49-F238E27FC236}">
+                <a16:creationId xmlns:a16="http://schemas.microsoft.com/office/drawing/2014/main" id="{69407250-4633-B331-7705-BE743351446F}"/>
+              </a:ext>
+            </a:extLst>
+          </p:cNvPr>
+          <p:cNvCxnSpPr>
+            <a:stCxn id="39" idx="4"/>
+            <a:endCxn id="36" idx="2"/>
+          </p:cNvCxnSpPr>
+          <p:nvPr/>
+        </p:nvCxnSpPr>
+        <p:spPr>
+          <a:xfrm>
+            <a:off x="3723968" y="5029200"/>
+            <a:ext cx="1201993" cy="941438"/>
+          </a:xfrm>
+          <a:prstGeom prst="line">
+            <a:avLst/>
+          </a:prstGeom>
+        </p:spPr>
+        <p:style>
+          <a:lnRef idx="2">
+            <a:schemeClr val="accent1"/>
+          </a:lnRef>
+          <a:fillRef idx="0">
+            <a:schemeClr val="accent1"/>
+          </a:fillRef>
+          <a:effectRef idx="1">
+            <a:schemeClr val="accent1"/>
+          </a:effectRef>
+          <a:fontRef idx="minor">
+            <a:schemeClr val="tx1"/>
+          </a:fontRef>
+        </p:style>
+      </p:cxnSp>
+      <p:sp>
+        <p:nvSpPr>
+          <p:cNvPr id="25" name="TextBox 24">
+            <a:extLst>
+              <a:ext uri="{FF2B5EF4-FFF2-40B4-BE49-F238E27FC236}">
+                <a16:creationId xmlns:a16="http://schemas.microsoft.com/office/drawing/2014/main" id="{F5474EA8-0083-037F-9245-85F8DC48BABE}"/>
+              </a:ext>
+            </a:extLst>
+          </p:cNvPr>
+          <p:cNvSpPr txBox="1"/>
+          <p:nvPr/>
+        </p:nvSpPr>
+        <p:spPr>
+          <a:xfrm>
+            <a:off x="3136491" y="4282501"/>
+            <a:ext cx="1007806" cy="307777"/>
+          </a:xfrm>
+          <a:prstGeom prst="rect">
+            <a:avLst/>
+          </a:prstGeom>
+          <a:noFill/>
+        </p:spPr>
+        <p:txBody>
+          <a:bodyPr wrap="square" rtlCol="0">
+            <a:spAutoFit/>
+          </a:bodyPr>
+          <a:lstStyle/>
+          <a:p>
+            <a:r>
+              <a:rPr lang="vi-VN" sz="1400" dirty="0">
+                <a:latin typeface="Times New Roman" panose="02020603050405020304" pitchFamily="18" charset="0"/>
+                <a:cs typeface="Times New Roman" panose="02020603050405020304" pitchFamily="18" charset="0"/>
+              </a:rPr>
+              <a:t>      câu hỏi</a:t>
+            </a:r>
+            <a:endParaRPr lang="en-US" sz="1400" dirty="0">
+              <a:latin typeface="Times New Roman" panose="02020603050405020304" pitchFamily="18" charset="0"/>
+              <a:cs typeface="Times New Roman" panose="02020603050405020304" pitchFamily="18" charset="0"/>
+            </a:endParaRPr>
+          </a:p>
+        </p:txBody>
+      </p:sp>
+      <p:sp>
+        <p:nvSpPr>
+          <p:cNvPr id="26" name="TextBox 25">
+            <a:extLst>
+              <a:ext uri="{FF2B5EF4-FFF2-40B4-BE49-F238E27FC236}">
+                <a16:creationId xmlns:a16="http://schemas.microsoft.com/office/drawing/2014/main" id="{52F7EFAB-91AC-D122-D96E-FDA4D8C252CC}"/>
+              </a:ext>
+            </a:extLst>
+          </p:cNvPr>
+          <p:cNvSpPr txBox="1"/>
+          <p:nvPr/>
+        </p:nvSpPr>
+        <p:spPr>
+          <a:xfrm>
+            <a:off x="3555215" y="5081369"/>
+            <a:ext cx="453970" cy="307777"/>
+          </a:xfrm>
+          <a:prstGeom prst="rect">
+            <a:avLst/>
+          </a:prstGeom>
+          <a:noFill/>
+        </p:spPr>
+        <p:txBody>
+          <a:bodyPr wrap="none" rtlCol="0">
+            <a:spAutoFit/>
+          </a:bodyPr>
+          <a:lstStyle/>
+          <a:p>
+            <a:r>
+              <a:rPr lang="en-US" sz="1400" dirty="0">
+                <a:latin typeface="Times New Roman" panose="02020603050405020304" pitchFamily="18" charset="0"/>
+                <a:cs typeface="Times New Roman" panose="02020603050405020304" pitchFamily="18" charset="0"/>
+              </a:rPr>
+              <a:t>0..</a:t>
+            </a:r>
+            <a:r>
+              <a:rPr lang="vi-VN" sz="1400" dirty="0">
+                <a:latin typeface="Times New Roman" panose="02020603050405020304" pitchFamily="18" charset="0"/>
+                <a:cs typeface="Times New Roman" panose="02020603050405020304" pitchFamily="18" charset="0"/>
+              </a:rPr>
+              <a:t>1</a:t>
+            </a:r>
+            <a:endParaRPr lang="en-US" sz="1400" dirty="0">
+              <a:latin typeface="Times New Roman" panose="02020603050405020304" pitchFamily="18" charset="0"/>
+              <a:cs typeface="Times New Roman" panose="02020603050405020304" pitchFamily="18" charset="0"/>
+            </a:endParaRPr>
+          </a:p>
+        </p:txBody>
+      </p:sp>
+      <p:sp>
+        <p:nvSpPr>
+          <p:cNvPr id="28" name="TextBox 27">
+            <a:extLst>
+              <a:ext uri="{FF2B5EF4-FFF2-40B4-BE49-F238E27FC236}">
+                <a16:creationId xmlns:a16="http://schemas.microsoft.com/office/drawing/2014/main" id="{E62FBC85-1500-A6C4-4F7D-B365581A69AD}"/>
+              </a:ext>
+            </a:extLst>
+          </p:cNvPr>
+          <p:cNvSpPr txBox="1"/>
+          <p:nvPr/>
+        </p:nvSpPr>
+        <p:spPr>
+          <a:xfrm>
+            <a:off x="4463829" y="5840910"/>
+            <a:ext cx="453970" cy="307777"/>
+          </a:xfrm>
+          <a:prstGeom prst="rect">
+            <a:avLst/>
+          </a:prstGeom>
+          <a:noFill/>
+        </p:spPr>
+        <p:txBody>
+          <a:bodyPr wrap="none" rtlCol="0">
+            <a:spAutoFit/>
+          </a:bodyPr>
+          <a:lstStyle/>
+          <a:p>
+            <a:r>
+              <a:rPr lang="vi-VN" sz="1400" dirty="0">
+                <a:latin typeface="Times New Roman" panose="02020603050405020304" pitchFamily="18" charset="0"/>
+                <a:cs typeface="Times New Roman" panose="02020603050405020304" pitchFamily="18" charset="0"/>
+              </a:rPr>
+              <a:t>0..*</a:t>
+            </a:r>
+            <a:endParaRPr lang="en-US" sz="1400" dirty="0">
+              <a:latin typeface="Times New Roman" panose="02020603050405020304" pitchFamily="18" charset="0"/>
+              <a:cs typeface="Times New Roman" panose="02020603050405020304" pitchFamily="18" charset="0"/>
+            </a:endParaRPr>
+          </a:p>
+        </p:txBody>
+      </p:sp>
+      <p:cxnSp>
+        <p:nvCxnSpPr>
+          <p:cNvPr id="29" name="Straight Connector 28">
+            <a:extLst>
+              <a:ext uri="{FF2B5EF4-FFF2-40B4-BE49-F238E27FC236}">
+                <a16:creationId xmlns:a16="http://schemas.microsoft.com/office/drawing/2014/main" id="{0D184A97-E82A-BBDF-15C6-3A70612632CC}"/>
+              </a:ext>
+            </a:extLst>
+          </p:cNvPr>
+          <p:cNvCxnSpPr>
+            <a:cxnSpLocks/>
+            <a:endCxn id="13" idx="0"/>
+          </p:cNvCxnSpPr>
+          <p:nvPr/>
+        </p:nvCxnSpPr>
+        <p:spPr>
+          <a:xfrm>
+            <a:off x="4369209" y="3803854"/>
+            <a:ext cx="785352" cy="768146"/>
+          </a:xfrm>
+          <a:prstGeom prst="line">
+            <a:avLst/>
+          </a:prstGeom>
+        </p:spPr>
+        <p:style>
+          <a:lnRef idx="2">
+            <a:schemeClr val="accent1"/>
+          </a:lnRef>
+          <a:fillRef idx="0">
+            <a:schemeClr val="accent1"/>
+          </a:fillRef>
+          <a:effectRef idx="1">
+            <a:schemeClr val="accent1"/>
+          </a:effectRef>
+          <a:fontRef idx="minor">
+            <a:schemeClr val="tx1"/>
+          </a:fontRef>
+        </p:style>
+      </p:cxnSp>
+      <p:sp>
+        <p:nvSpPr>
+          <p:cNvPr id="31" name="TextBox 30">
+            <a:extLst>
+              <a:ext uri="{FF2B5EF4-FFF2-40B4-BE49-F238E27FC236}">
+                <a16:creationId xmlns:a16="http://schemas.microsoft.com/office/drawing/2014/main" id="{89142A4E-09CA-D866-56A1-0F0A741EF441}"/>
+              </a:ext>
+            </a:extLst>
+          </p:cNvPr>
+          <p:cNvSpPr txBox="1"/>
+          <p:nvPr/>
+        </p:nvSpPr>
+        <p:spPr>
+          <a:xfrm>
+            <a:off x="3810607" y="3616893"/>
+            <a:ext cx="274434" cy="307777"/>
+          </a:xfrm>
+          <a:prstGeom prst="rect">
+            <a:avLst/>
+          </a:prstGeom>
+          <a:noFill/>
+        </p:spPr>
+        <p:txBody>
+          <a:bodyPr wrap="none" rtlCol="0">
+            <a:spAutoFit/>
+          </a:bodyPr>
+          <a:lstStyle/>
+          <a:p>
+            <a:r>
+              <a:rPr lang="vi-VN" sz="1400" dirty="0">
+                <a:latin typeface="Times New Roman" panose="02020603050405020304" pitchFamily="18" charset="0"/>
+                <a:cs typeface="Times New Roman" panose="02020603050405020304" pitchFamily="18" charset="0"/>
+              </a:rPr>
+              <a:t>1</a:t>
+            </a:r>
+            <a:endParaRPr lang="en-US" sz="1400" dirty="0">
+              <a:latin typeface="Times New Roman" panose="02020603050405020304" pitchFamily="18" charset="0"/>
+              <a:cs typeface="Times New Roman" panose="02020603050405020304" pitchFamily="18" charset="0"/>
+            </a:endParaRPr>
+          </a:p>
+        </p:txBody>
+      </p:sp>
+      <p:cxnSp>
+        <p:nvCxnSpPr>
+          <p:cNvPr id="10" name="Straight Connector 9">
+            <a:extLst>
+              <a:ext uri="{FF2B5EF4-FFF2-40B4-BE49-F238E27FC236}">
+                <a16:creationId xmlns:a16="http://schemas.microsoft.com/office/drawing/2014/main" id="{184503E9-712E-2E2F-CAF6-473C5FC822B9}"/>
+              </a:ext>
+            </a:extLst>
+          </p:cNvPr>
+          <p:cNvCxnSpPr>
+            <a:stCxn id="21" idx="0"/>
+            <a:endCxn id="36" idx="0"/>
+          </p:cNvCxnSpPr>
+          <p:nvPr/>
+        </p:nvCxnSpPr>
+        <p:spPr>
+          <a:xfrm>
+            <a:off x="5154561" y="5086285"/>
+            <a:ext cx="0" cy="655753"/>
+          </a:xfrm>
+          <a:prstGeom prst="line">
+            <a:avLst/>
+          </a:prstGeom>
+        </p:spPr>
+        <p:style>
+          <a:lnRef idx="2">
+            <a:schemeClr val="accent1"/>
+          </a:lnRef>
+          <a:fillRef idx="0">
+            <a:schemeClr val="accent1"/>
+          </a:fillRef>
+          <a:effectRef idx="1">
+            <a:schemeClr val="accent1"/>
+          </a:effectRef>
+          <a:fontRef idx="minor">
+            <a:schemeClr val="tx1"/>
+          </a:fontRef>
+        </p:style>
+      </p:cxnSp>
+      <p:cxnSp>
+        <p:nvCxnSpPr>
+          <p:cNvPr id="12" name="Straight Arrow Connector 11">
+            <a:extLst>
+              <a:ext uri="{FF2B5EF4-FFF2-40B4-BE49-F238E27FC236}">
+                <a16:creationId xmlns:a16="http://schemas.microsoft.com/office/drawing/2014/main" id="{BBEF813D-420D-DE97-A7D3-0B5B377E1315}"/>
+              </a:ext>
+            </a:extLst>
+          </p:cNvPr>
+          <p:cNvCxnSpPr>
+            <a:cxnSpLocks/>
+          </p:cNvCxnSpPr>
+          <p:nvPr/>
+        </p:nvCxnSpPr>
+        <p:spPr>
+          <a:xfrm>
+            <a:off x="13499470" y="7403315"/>
+            <a:ext cx="0" cy="413478"/>
+          </a:xfrm>
+          <a:prstGeom prst="straightConnector1">
+            <a:avLst/>
+          </a:prstGeom>
+          <a:ln>
+            <a:tailEnd type="triangle"/>
+          </a:ln>
+        </p:spPr>
+        <p:style>
+          <a:lnRef idx="2">
+            <a:schemeClr val="accent1"/>
+          </a:lnRef>
+          <a:fillRef idx="0">
+            <a:schemeClr val="accent1"/>
+          </a:fillRef>
+          <a:effectRef idx="1">
+            <a:schemeClr val="accent1"/>
+          </a:effectRef>
+          <a:fontRef idx="minor">
+            <a:schemeClr val="tx1"/>
+          </a:fontRef>
+        </p:style>
+      </p:cxnSp>
+      <p:sp>
+        <p:nvSpPr>
+          <p:cNvPr id="14" name="TextBox 13">
+            <a:extLst>
+              <a:ext uri="{FF2B5EF4-FFF2-40B4-BE49-F238E27FC236}">
+                <a16:creationId xmlns:a16="http://schemas.microsoft.com/office/drawing/2014/main" id="{136E16A9-F372-D88E-6F11-46A4CE8DF074}"/>
+              </a:ext>
+            </a:extLst>
+          </p:cNvPr>
+          <p:cNvSpPr txBox="1"/>
+          <p:nvPr/>
+        </p:nvSpPr>
+        <p:spPr>
+          <a:xfrm>
+            <a:off x="5141547" y="4983601"/>
+            <a:ext cx="274434" cy="307777"/>
+          </a:xfrm>
+          <a:prstGeom prst="rect">
+            <a:avLst/>
+          </a:prstGeom>
+          <a:noFill/>
+        </p:spPr>
+        <p:txBody>
+          <a:bodyPr wrap="none" rtlCol="0">
+            <a:spAutoFit/>
+          </a:bodyPr>
+          <a:lstStyle/>
+          <a:p>
+            <a:r>
+              <a:rPr lang="vi-VN" sz="1400" dirty="0">
+                <a:latin typeface="Times New Roman" panose="02020603050405020304" pitchFamily="18" charset="0"/>
+                <a:cs typeface="Times New Roman" panose="02020603050405020304" pitchFamily="18" charset="0"/>
+              </a:rPr>
+              <a:t>1</a:t>
+            </a:r>
+            <a:endParaRPr lang="en-US" sz="1400" dirty="0">
+              <a:latin typeface="Times New Roman" panose="02020603050405020304" pitchFamily="18" charset="0"/>
+              <a:cs typeface="Times New Roman" panose="02020603050405020304" pitchFamily="18" charset="0"/>
+            </a:endParaRPr>
+          </a:p>
+        </p:txBody>
+      </p:sp>
+      <p:sp>
+        <p:nvSpPr>
+          <p:cNvPr id="15" name="TextBox 14">
+            <a:extLst>
+              <a:ext uri="{FF2B5EF4-FFF2-40B4-BE49-F238E27FC236}">
+                <a16:creationId xmlns:a16="http://schemas.microsoft.com/office/drawing/2014/main" id="{6AB46A13-1594-0F6E-ED37-3E5B7837B1D3}"/>
+              </a:ext>
+            </a:extLst>
+          </p:cNvPr>
+          <p:cNvSpPr txBox="1"/>
+          <p:nvPr/>
+        </p:nvSpPr>
+        <p:spPr>
+          <a:xfrm>
+            <a:off x="5110365" y="5451146"/>
+            <a:ext cx="453970" cy="307777"/>
+          </a:xfrm>
+          <a:prstGeom prst="rect">
+            <a:avLst/>
+          </a:prstGeom>
+          <a:noFill/>
+        </p:spPr>
+        <p:txBody>
+          <a:bodyPr wrap="none" rtlCol="0">
+            <a:spAutoFit/>
+          </a:bodyPr>
+          <a:lstStyle/>
+          <a:p>
+            <a:r>
+              <a:rPr lang="vi-VN" sz="1400" dirty="0">
+                <a:latin typeface="Times New Roman" panose="02020603050405020304" pitchFamily="18" charset="0"/>
+                <a:cs typeface="Times New Roman" panose="02020603050405020304" pitchFamily="18" charset="0"/>
+              </a:rPr>
+              <a:t>0..*</a:t>
+            </a:r>
+            <a:endParaRPr lang="en-US" sz="1400" dirty="0">
+              <a:latin typeface="Times New Roman" panose="02020603050405020304" pitchFamily="18" charset="0"/>
+              <a:cs typeface="Times New Roman" panose="02020603050405020304" pitchFamily="18" charset="0"/>
+            </a:endParaRPr>
+          </a:p>
+        </p:txBody>
+      </p:sp>
+      <p:sp>
+        <p:nvSpPr>
+          <p:cNvPr id="16" name="TextBox 15">
+            <a:extLst>
+              <a:ext uri="{FF2B5EF4-FFF2-40B4-BE49-F238E27FC236}">
+                <a16:creationId xmlns:a16="http://schemas.microsoft.com/office/drawing/2014/main" id="{3D950890-251E-ABCC-5776-41E065A1680C}"/>
+              </a:ext>
+            </a:extLst>
+          </p:cNvPr>
+          <p:cNvSpPr txBox="1"/>
+          <p:nvPr/>
+        </p:nvSpPr>
+        <p:spPr>
+          <a:xfrm>
+            <a:off x="4555674" y="3735304"/>
+            <a:ext cx="274434" cy="307777"/>
+          </a:xfrm>
+          <a:prstGeom prst="rect">
+            <a:avLst/>
+          </a:prstGeom>
+          <a:noFill/>
+        </p:spPr>
+        <p:txBody>
+          <a:bodyPr wrap="none" rtlCol="0">
+            <a:spAutoFit/>
+          </a:bodyPr>
+          <a:lstStyle/>
+          <a:p>
+            <a:r>
+              <a:rPr lang="vi-VN" sz="1400" dirty="0">
+                <a:latin typeface="Times New Roman" panose="02020603050405020304" pitchFamily="18" charset="0"/>
+                <a:cs typeface="Times New Roman" panose="02020603050405020304" pitchFamily="18" charset="0"/>
+              </a:rPr>
+              <a:t>1</a:t>
+            </a:r>
+            <a:endParaRPr lang="en-US" sz="1400" dirty="0">
+              <a:latin typeface="Times New Roman" panose="02020603050405020304" pitchFamily="18" charset="0"/>
+              <a:cs typeface="Times New Roman" panose="02020603050405020304" pitchFamily="18" charset="0"/>
+            </a:endParaRPr>
+          </a:p>
+        </p:txBody>
+      </p:sp>
+      <p:cxnSp>
+        <p:nvCxnSpPr>
+          <p:cNvPr id="18" name="Straight Arrow Connector 17">
+            <a:extLst>
+              <a:ext uri="{FF2B5EF4-FFF2-40B4-BE49-F238E27FC236}">
+                <a16:creationId xmlns:a16="http://schemas.microsoft.com/office/drawing/2014/main" id="{782910DC-6CAD-F229-025F-38F6DFC1AB18}"/>
+              </a:ext>
+            </a:extLst>
+          </p:cNvPr>
+          <p:cNvCxnSpPr>
+            <a:cxnSpLocks/>
+            <a:stCxn id="49" idx="2"/>
+            <a:endCxn id="13" idx="6"/>
+          </p:cNvCxnSpPr>
+          <p:nvPr/>
+        </p:nvCxnSpPr>
+        <p:spPr>
+          <a:xfrm flipH="1">
+            <a:off x="5383161" y="3571568"/>
+            <a:ext cx="2664544" cy="1229032"/>
+          </a:xfrm>
+          <a:prstGeom prst="straightConnector1">
+            <a:avLst/>
+          </a:prstGeom>
+          <a:ln>
+            <a:prstDash val="sysDot"/>
+            <a:tailEnd type="triangle"/>
+          </a:ln>
+        </p:spPr>
+        <p:style>
+          <a:lnRef idx="2">
+            <a:schemeClr val="accent1"/>
+          </a:lnRef>
+          <a:fillRef idx="0">
+            <a:schemeClr val="accent1"/>
+          </a:fillRef>
+          <a:effectRef idx="1">
+            <a:schemeClr val="accent1"/>
+          </a:effectRef>
+          <a:fontRef idx="minor">
+            <a:schemeClr val="tx1"/>
+          </a:fontRef>
+        </p:style>
+      </p:cxnSp>
+      <p:cxnSp>
+        <p:nvCxnSpPr>
+          <p:cNvPr id="30" name="Straight Connector 29">
+            <a:extLst>
+              <a:ext uri="{FF2B5EF4-FFF2-40B4-BE49-F238E27FC236}">
+                <a16:creationId xmlns:a16="http://schemas.microsoft.com/office/drawing/2014/main" id="{323C1186-92DF-F5EA-88C1-54DF65E19700}"/>
+              </a:ext>
+            </a:extLst>
+          </p:cNvPr>
+          <p:cNvCxnSpPr>
+            <a:stCxn id="43" idx="0"/>
+          </p:cNvCxnSpPr>
+          <p:nvPr/>
+        </p:nvCxnSpPr>
+        <p:spPr>
+          <a:xfrm flipV="1">
+            <a:off x="2293375" y="3889192"/>
+            <a:ext cx="301779" cy="682808"/>
+          </a:xfrm>
+          <a:prstGeom prst="line">
+            <a:avLst/>
+          </a:prstGeom>
+        </p:spPr>
+        <p:style>
+          <a:lnRef idx="2">
+            <a:schemeClr val="accent1"/>
+          </a:lnRef>
+          <a:fillRef idx="0">
+            <a:schemeClr val="accent1"/>
+          </a:fillRef>
+          <a:effectRef idx="1">
+            <a:schemeClr val="accent1"/>
+          </a:effectRef>
+          <a:fontRef idx="minor">
+            <a:schemeClr val="tx1"/>
+          </a:fontRef>
+        </p:style>
+      </p:cxnSp>
+      <p:sp>
+        <p:nvSpPr>
+          <p:cNvPr id="33" name="Diamond 32">
+            <a:extLst>
+              <a:ext uri="{FF2B5EF4-FFF2-40B4-BE49-F238E27FC236}">
+                <a16:creationId xmlns:a16="http://schemas.microsoft.com/office/drawing/2014/main" id="{3D5F0D45-125E-1045-5397-D4DA6A28810C}"/>
+              </a:ext>
+            </a:extLst>
+          </p:cNvPr>
+          <p:cNvSpPr/>
+          <p:nvPr/>
+        </p:nvSpPr>
+        <p:spPr>
+          <a:xfrm rot="1207876">
+            <a:off x="2532469" y="3800168"/>
+            <a:ext cx="149941" cy="89023"/>
+          </a:xfrm>
+          <a:prstGeom prst="diamond">
+            <a:avLst/>
+          </a:prstGeom>
+        </p:spPr>
+        <p:style>
+          <a:lnRef idx="2">
+            <a:schemeClr val="accent1">
+              <a:shade val="15000"/>
+            </a:schemeClr>
+          </a:lnRef>
+          <a:fillRef idx="1">
+            <a:schemeClr val="accent1"/>
+          </a:fillRef>
+          <a:effectRef idx="0">
+            <a:schemeClr val="accent1"/>
+          </a:effectRef>
+          <a:fontRef idx="minor">
+            <a:schemeClr val="lt1"/>
+          </a:fontRef>
+        </p:style>
+        <p:txBody>
+          <a:bodyPr rtlCol="0" anchor="ctr"/>
+          <a:lstStyle/>
+          <a:p>
+            <a:pPr algn="ctr"/>
+            <a:endParaRPr lang="en-US"/>
+          </a:p>
+        </p:txBody>
+      </p:sp>
+      <p:cxnSp>
+        <p:nvCxnSpPr>
+          <p:cNvPr id="34" name="Straight Connector 33">
+            <a:extLst>
+              <a:ext uri="{FF2B5EF4-FFF2-40B4-BE49-F238E27FC236}">
+                <a16:creationId xmlns:a16="http://schemas.microsoft.com/office/drawing/2014/main" id="{896A17FF-02BF-2970-A440-19A24EC0FE23}"/>
+              </a:ext>
+            </a:extLst>
+          </p:cNvPr>
+          <p:cNvCxnSpPr>
+            <a:cxnSpLocks/>
+            <a:stCxn id="43" idx="7"/>
+            <a:endCxn id="47" idx="4"/>
+          </p:cNvCxnSpPr>
+          <p:nvPr/>
+        </p:nvCxnSpPr>
+        <p:spPr>
+          <a:xfrm flipV="1">
+            <a:off x="2455020" y="3800168"/>
+            <a:ext cx="1917876" cy="838787"/>
+          </a:xfrm>
+          <a:prstGeom prst="line">
+            <a:avLst/>
+          </a:prstGeom>
+        </p:spPr>
+        <p:style>
+          <a:lnRef idx="2">
+            <a:schemeClr val="accent1"/>
+          </a:lnRef>
+          <a:fillRef idx="0">
+            <a:schemeClr val="accent1"/>
+          </a:fillRef>
+          <a:effectRef idx="1">
+            <a:schemeClr val="accent1"/>
+          </a:effectRef>
+          <a:fontRef idx="minor">
+            <a:schemeClr val="tx1"/>
+          </a:fontRef>
+        </p:style>
+      </p:cxnSp>
+      <p:cxnSp>
+        <p:nvCxnSpPr>
+          <p:cNvPr id="40" name="Straight Connector 39">
+            <a:extLst>
+              <a:ext uri="{FF2B5EF4-FFF2-40B4-BE49-F238E27FC236}">
+                <a16:creationId xmlns:a16="http://schemas.microsoft.com/office/drawing/2014/main" id="{C185FB58-F61F-EBD4-87DA-7FAAC26586AB}"/>
+              </a:ext>
+            </a:extLst>
+          </p:cNvPr>
+          <p:cNvCxnSpPr>
+            <a:cxnSpLocks/>
+            <a:stCxn id="45" idx="6"/>
+            <a:endCxn id="13" idx="2"/>
+          </p:cNvCxnSpPr>
+          <p:nvPr/>
+        </p:nvCxnSpPr>
+        <p:spPr>
+          <a:xfrm>
+            <a:off x="2900516" y="3571568"/>
+            <a:ext cx="2025445" cy="1229032"/>
+          </a:xfrm>
+          <a:prstGeom prst="line">
+            <a:avLst/>
+          </a:prstGeom>
+        </p:spPr>
+        <p:style>
+          <a:lnRef idx="2">
+            <a:schemeClr val="accent1"/>
+          </a:lnRef>
+          <a:fillRef idx="0">
+            <a:schemeClr val="accent1"/>
+          </a:fillRef>
+          <a:effectRef idx="1">
+            <a:schemeClr val="accent1"/>
+          </a:effectRef>
+          <a:fontRef idx="minor">
+            <a:schemeClr val="tx1"/>
+          </a:fontRef>
+        </p:style>
+      </p:cxnSp>
+      <p:sp>
+        <p:nvSpPr>
+          <p:cNvPr id="52" name="TextBox 51">
+            <a:extLst>
+              <a:ext uri="{FF2B5EF4-FFF2-40B4-BE49-F238E27FC236}">
+                <a16:creationId xmlns:a16="http://schemas.microsoft.com/office/drawing/2014/main" id="{F4F3447E-0372-ADE8-42CB-EBCD4143B611}"/>
+              </a:ext>
+            </a:extLst>
+          </p:cNvPr>
+          <p:cNvSpPr txBox="1"/>
+          <p:nvPr/>
+        </p:nvSpPr>
+        <p:spPr>
+          <a:xfrm flipH="1">
+            <a:off x="4418707" y="4657188"/>
+            <a:ext cx="648255" cy="307777"/>
+          </a:xfrm>
+          <a:prstGeom prst="rect">
+            <a:avLst/>
+          </a:prstGeom>
+          <a:noFill/>
+        </p:spPr>
+        <p:txBody>
+          <a:bodyPr wrap="square" rtlCol="0">
+            <a:spAutoFit/>
+          </a:bodyPr>
+          <a:lstStyle/>
+          <a:p>
+            <a:r>
+              <a:rPr lang="vi-VN" sz="1400" dirty="0">
+                <a:latin typeface="Times New Roman" panose="02020603050405020304" pitchFamily="18" charset="0"/>
+                <a:cs typeface="Times New Roman" panose="02020603050405020304" pitchFamily="18" charset="0"/>
+              </a:rPr>
+              <a:t>0..*</a:t>
+            </a:r>
+            <a:endParaRPr lang="en-US" sz="1400" dirty="0">
+              <a:latin typeface="Times New Roman" panose="02020603050405020304" pitchFamily="18" charset="0"/>
+              <a:cs typeface="Times New Roman" panose="02020603050405020304" pitchFamily="18" charset="0"/>
+            </a:endParaRPr>
+          </a:p>
+        </p:txBody>
+      </p:sp>
+      <p:sp>
+        <p:nvSpPr>
+          <p:cNvPr id="53" name="TextBox 52">
+            <a:extLst>
+              <a:ext uri="{FF2B5EF4-FFF2-40B4-BE49-F238E27FC236}">
+                <a16:creationId xmlns:a16="http://schemas.microsoft.com/office/drawing/2014/main" id="{DFDEA959-6913-6590-08F9-95F429AA8242}"/>
+              </a:ext>
+            </a:extLst>
+          </p:cNvPr>
+          <p:cNvSpPr txBox="1"/>
+          <p:nvPr/>
+        </p:nvSpPr>
+        <p:spPr>
+          <a:xfrm>
+            <a:off x="2880897" y="3338052"/>
+            <a:ext cx="274434" cy="307777"/>
+          </a:xfrm>
+          <a:prstGeom prst="rect">
+            <a:avLst/>
+          </a:prstGeom>
+          <a:noFill/>
+        </p:spPr>
+        <p:txBody>
+          <a:bodyPr wrap="none" rtlCol="0">
+            <a:spAutoFit/>
+          </a:bodyPr>
+          <a:lstStyle/>
+          <a:p>
+            <a:r>
+              <a:rPr lang="vi-VN" sz="1400" dirty="0">
+                <a:latin typeface="Times New Roman" panose="02020603050405020304" pitchFamily="18" charset="0"/>
+                <a:cs typeface="Times New Roman" panose="02020603050405020304" pitchFamily="18" charset="0"/>
+              </a:rPr>
+              <a:t>1</a:t>
+            </a:r>
+            <a:endParaRPr lang="en-US" sz="1400" dirty="0">
+              <a:latin typeface="Times New Roman" panose="02020603050405020304" pitchFamily="18" charset="0"/>
+              <a:cs typeface="Times New Roman" panose="02020603050405020304" pitchFamily="18" charset="0"/>
+            </a:endParaRPr>
+          </a:p>
+        </p:txBody>
+      </p:sp>
+      <p:sp>
+        <p:nvSpPr>
+          <p:cNvPr id="54" name="TextBox 53">
+            <a:extLst>
+              <a:ext uri="{FF2B5EF4-FFF2-40B4-BE49-F238E27FC236}">
+                <a16:creationId xmlns:a16="http://schemas.microsoft.com/office/drawing/2014/main" id="{5566A105-CFA5-7135-3499-E8B72AB41E62}"/>
+              </a:ext>
+            </a:extLst>
+          </p:cNvPr>
+          <p:cNvSpPr txBox="1"/>
+          <p:nvPr/>
+        </p:nvSpPr>
+        <p:spPr>
+          <a:xfrm>
+            <a:off x="5066962" y="4456212"/>
+            <a:ext cx="453970" cy="307777"/>
+          </a:xfrm>
+          <a:prstGeom prst="rect">
+            <a:avLst/>
+          </a:prstGeom>
+          <a:noFill/>
+        </p:spPr>
+        <p:txBody>
+          <a:bodyPr wrap="none" rtlCol="0">
+            <a:spAutoFit/>
+          </a:bodyPr>
+          <a:lstStyle/>
+          <a:p>
+            <a:r>
+              <a:rPr lang="vi-VN" sz="1400" dirty="0">
+                <a:latin typeface="Times New Roman" panose="02020603050405020304" pitchFamily="18" charset="0"/>
+                <a:cs typeface="Times New Roman" panose="02020603050405020304" pitchFamily="18" charset="0"/>
+              </a:rPr>
+              <a:t>0..*</a:t>
+            </a:r>
+            <a:endParaRPr lang="en-US" sz="1400" dirty="0">
+              <a:latin typeface="Times New Roman" panose="02020603050405020304" pitchFamily="18" charset="0"/>
+              <a:cs typeface="Times New Roman" panose="02020603050405020304" pitchFamily="18" charset="0"/>
+            </a:endParaRPr>
+          </a:p>
+        </p:txBody>
+      </p:sp>
+      <p:sp>
+        <p:nvSpPr>
+          <p:cNvPr id="55" name="TextBox 54">
+            <a:extLst>
+              <a:ext uri="{FF2B5EF4-FFF2-40B4-BE49-F238E27FC236}">
+                <a16:creationId xmlns:a16="http://schemas.microsoft.com/office/drawing/2014/main" id="{AF5F5373-5B80-15B2-974F-FFA0AE096DEF}"/>
+              </a:ext>
+            </a:extLst>
+          </p:cNvPr>
+          <p:cNvSpPr txBox="1"/>
+          <p:nvPr/>
+        </p:nvSpPr>
+        <p:spPr>
+          <a:xfrm>
+            <a:off x="2484261" y="4555996"/>
+            <a:ext cx="453970" cy="307777"/>
+          </a:xfrm>
+          <a:prstGeom prst="rect">
+            <a:avLst/>
+          </a:prstGeom>
+          <a:noFill/>
+        </p:spPr>
+        <p:txBody>
+          <a:bodyPr wrap="none" rtlCol="0">
+            <a:spAutoFit/>
+          </a:bodyPr>
+          <a:lstStyle/>
+          <a:p>
+            <a:r>
+              <a:rPr lang="vi-VN" sz="1400" dirty="0">
+                <a:latin typeface="Times New Roman" panose="02020603050405020304" pitchFamily="18" charset="0"/>
+                <a:cs typeface="Times New Roman" panose="02020603050405020304" pitchFamily="18" charset="0"/>
+              </a:rPr>
+              <a:t>0..*</a:t>
+            </a:r>
+            <a:endParaRPr lang="en-US" sz="1400" dirty="0">
+              <a:latin typeface="Times New Roman" panose="02020603050405020304" pitchFamily="18" charset="0"/>
+              <a:cs typeface="Times New Roman" panose="02020603050405020304" pitchFamily="18" charset="0"/>
+            </a:endParaRPr>
+          </a:p>
+        </p:txBody>
+      </p:sp>
+      <p:sp>
+        <p:nvSpPr>
+          <p:cNvPr id="56" name="TextBox 55">
+            <a:extLst>
+              <a:ext uri="{FF2B5EF4-FFF2-40B4-BE49-F238E27FC236}">
+                <a16:creationId xmlns:a16="http://schemas.microsoft.com/office/drawing/2014/main" id="{21A12397-F226-B306-94E9-C47B33E96FCB}"/>
+              </a:ext>
+            </a:extLst>
+          </p:cNvPr>
+          <p:cNvSpPr txBox="1"/>
+          <p:nvPr/>
+        </p:nvSpPr>
+        <p:spPr>
+          <a:xfrm>
+            <a:off x="1744425" y="4359491"/>
+            <a:ext cx="453970" cy="307777"/>
+          </a:xfrm>
+          <a:prstGeom prst="rect">
+            <a:avLst/>
+          </a:prstGeom>
+          <a:noFill/>
+        </p:spPr>
+        <p:txBody>
+          <a:bodyPr wrap="none" rtlCol="0">
+            <a:spAutoFit/>
+          </a:bodyPr>
+          <a:lstStyle/>
+          <a:p>
+            <a:r>
+              <a:rPr lang="vi-VN" sz="1400" dirty="0">
+                <a:latin typeface="Times New Roman" panose="02020603050405020304" pitchFamily="18" charset="0"/>
+                <a:cs typeface="Times New Roman" panose="02020603050405020304" pitchFamily="18" charset="0"/>
+              </a:rPr>
+              <a:t>0..*</a:t>
+            </a:r>
+            <a:endParaRPr lang="en-US" sz="1400" dirty="0">
+              <a:latin typeface="Times New Roman" panose="02020603050405020304" pitchFamily="18" charset="0"/>
+              <a:cs typeface="Times New Roman" panose="02020603050405020304" pitchFamily="18" charset="0"/>
+            </a:endParaRPr>
+          </a:p>
+        </p:txBody>
+      </p:sp>
+      <p:sp>
+        <p:nvSpPr>
+          <p:cNvPr id="57" name="TextBox 56">
+            <a:extLst>
+              <a:ext uri="{FF2B5EF4-FFF2-40B4-BE49-F238E27FC236}">
+                <a16:creationId xmlns:a16="http://schemas.microsoft.com/office/drawing/2014/main" id="{31917832-C152-4842-5A8B-EA79D33B2F0C}"/>
+              </a:ext>
+            </a:extLst>
+          </p:cNvPr>
+          <p:cNvSpPr txBox="1"/>
+          <p:nvPr/>
+        </p:nvSpPr>
+        <p:spPr>
+          <a:xfrm>
+            <a:off x="2225201" y="3735304"/>
+            <a:ext cx="274434" cy="307777"/>
+          </a:xfrm>
+          <a:prstGeom prst="rect">
+            <a:avLst/>
+          </a:prstGeom>
+          <a:noFill/>
+        </p:spPr>
+        <p:txBody>
+          <a:bodyPr wrap="none" rtlCol="0">
+            <a:spAutoFit/>
+          </a:bodyPr>
+          <a:lstStyle/>
+          <a:p>
+            <a:r>
+              <a:rPr lang="vi-VN" sz="1400" dirty="0">
+                <a:latin typeface="Times New Roman" panose="02020603050405020304" pitchFamily="18" charset="0"/>
+                <a:cs typeface="Times New Roman" panose="02020603050405020304" pitchFamily="18" charset="0"/>
+              </a:rPr>
+              <a:t>1</a:t>
+            </a:r>
+            <a:endParaRPr lang="en-US" sz="1400" dirty="0">
+              <a:latin typeface="Times New Roman" panose="02020603050405020304" pitchFamily="18" charset="0"/>
+              <a:cs typeface="Times New Roman" panose="02020603050405020304" pitchFamily="18" charset="0"/>
+            </a:endParaRPr>
+          </a:p>
+        </p:txBody>
+      </p:sp>
+      <p:sp>
+        <p:nvSpPr>
+          <p:cNvPr id="58" name="TextBox 57">
+            <a:extLst>
+              <a:ext uri="{FF2B5EF4-FFF2-40B4-BE49-F238E27FC236}">
+                <a16:creationId xmlns:a16="http://schemas.microsoft.com/office/drawing/2014/main" id="{9C0ECFDF-F4C4-1A3A-AD12-8B9A6C047F9C}"/>
+              </a:ext>
+            </a:extLst>
+          </p:cNvPr>
+          <p:cNvSpPr txBox="1"/>
+          <p:nvPr/>
+        </p:nvSpPr>
+        <p:spPr>
+          <a:xfrm>
+            <a:off x="2298291" y="2979474"/>
+            <a:ext cx="633507" cy="307777"/>
+          </a:xfrm>
+          <a:prstGeom prst="rect">
+            <a:avLst/>
+          </a:prstGeom>
+          <a:noFill/>
+        </p:spPr>
+        <p:txBody>
+          <a:bodyPr wrap="none" rtlCol="0">
+            <a:spAutoFit/>
+          </a:bodyPr>
+          <a:lstStyle/>
+          <a:p>
+            <a:r>
+              <a:rPr lang="vi-VN" sz="1400">
+                <a:latin typeface="Times New Roman" panose="02020603050405020304" pitchFamily="18" charset="0"/>
+                <a:cs typeface="Times New Roman" panose="02020603050405020304" pitchFamily="18" charset="0"/>
+              </a:rPr>
+              <a:t>Nhóm</a:t>
+            </a:r>
+            <a:endParaRPr lang="en-US" sz="1400" dirty="0">
+              <a:latin typeface="Times New Roman" panose="02020603050405020304" pitchFamily="18" charset="0"/>
+              <a:cs typeface="Times New Roman" panose="02020603050405020304" pitchFamily="18" charset="0"/>
+            </a:endParaRPr>
+          </a:p>
+        </p:txBody>
+      </p:sp>
+      <p:sp>
+        <p:nvSpPr>
+          <p:cNvPr id="59" name="TextBox 58">
+            <a:extLst>
+              <a:ext uri="{FF2B5EF4-FFF2-40B4-BE49-F238E27FC236}">
+                <a16:creationId xmlns:a16="http://schemas.microsoft.com/office/drawing/2014/main" id="{5379ED78-5DF5-07A9-BA37-2D5FF69A7B8F}"/>
+              </a:ext>
+            </a:extLst>
+          </p:cNvPr>
+          <p:cNvSpPr txBox="1"/>
+          <p:nvPr/>
+        </p:nvSpPr>
+        <p:spPr>
+          <a:xfrm>
+            <a:off x="3810607" y="2999927"/>
+            <a:ext cx="1050288" cy="307777"/>
+          </a:xfrm>
+          <a:prstGeom prst="rect">
+            <a:avLst/>
+          </a:prstGeom>
+          <a:noFill/>
+        </p:spPr>
+        <p:txBody>
+          <a:bodyPr wrap="none" rtlCol="0">
+            <a:spAutoFit/>
+          </a:bodyPr>
+          <a:lstStyle/>
+          <a:p>
+            <a:r>
+              <a:rPr lang="vi-VN" sz="1400">
+                <a:latin typeface="Times New Roman" panose="02020603050405020304" pitchFamily="18" charset="0"/>
+                <a:cs typeface="Times New Roman" panose="02020603050405020304" pitchFamily="18" charset="0"/>
+              </a:rPr>
+              <a:t>Người dùng</a:t>
+            </a:r>
+            <a:endParaRPr lang="en-US" sz="1400" dirty="0">
+              <a:latin typeface="Times New Roman" panose="02020603050405020304" pitchFamily="18" charset="0"/>
+              <a:cs typeface="Times New Roman" panose="02020603050405020304" pitchFamily="18" charset="0"/>
+            </a:endParaRPr>
+          </a:p>
+        </p:txBody>
+      </p:sp>
+      <p:sp>
+        <p:nvSpPr>
+          <p:cNvPr id="60" name="TextBox 59">
+            <a:extLst>
+              <a:ext uri="{FF2B5EF4-FFF2-40B4-BE49-F238E27FC236}">
+                <a16:creationId xmlns:a16="http://schemas.microsoft.com/office/drawing/2014/main" id="{518A8D9A-0E4E-A3AD-766A-A92AA53BA738}"/>
+              </a:ext>
+            </a:extLst>
+          </p:cNvPr>
+          <p:cNvSpPr txBox="1"/>
+          <p:nvPr/>
+        </p:nvSpPr>
+        <p:spPr>
+          <a:xfrm>
+            <a:off x="1569459" y="5125432"/>
+            <a:ext cx="1451038" cy="307777"/>
+          </a:xfrm>
+          <a:prstGeom prst="rect">
+            <a:avLst/>
+          </a:prstGeom>
+          <a:noFill/>
+        </p:spPr>
+        <p:txBody>
+          <a:bodyPr wrap="none" rtlCol="0">
+            <a:spAutoFit/>
+          </a:bodyPr>
+          <a:lstStyle/>
+          <a:p>
+            <a:r>
+              <a:rPr lang="vi-VN" sz="1400" dirty="0">
+                <a:latin typeface="Times New Roman" panose="02020603050405020304" pitchFamily="18" charset="0"/>
+                <a:cs typeface="Times New Roman" panose="02020603050405020304" pitchFamily="18" charset="0"/>
+              </a:rPr>
+              <a:t>Thành viên nhóm</a:t>
+            </a:r>
+            <a:endParaRPr lang="en-US" sz="1400" dirty="0">
+              <a:latin typeface="Times New Roman" panose="02020603050405020304" pitchFamily="18" charset="0"/>
+              <a:cs typeface="Times New Roman" panose="02020603050405020304" pitchFamily="18" charset="0"/>
+            </a:endParaRPr>
           </a:p>
         </p:txBody>
       </p:sp>
@@ -4273,6 +6019,3173 @@
     <p:extLst>
       <p:ext uri="{BB962C8B-B14F-4D97-AF65-F5344CB8AC3E}">
         <p14:creationId xmlns:p14="http://schemas.microsoft.com/office/powerpoint/2010/main" val="2161577963"/>
+      </p:ext>
+    </p:extLst>
+  </p:cSld>
+  <p:clrMapOvr>
+    <a:masterClrMapping/>
+  </p:clrMapOvr>
+</p:sld>
+</file>
+
+<file path=ppt/slides/slide2.xml><?xml version="1.0" encoding="utf-8"?>
+<p:sld xmlns:a="http://schemas.openxmlformats.org/drawingml/2006/main" xmlns:r="http://schemas.openxmlformats.org/officeDocument/2006/relationships" xmlns:p="http://schemas.openxmlformats.org/presentationml/2006/main">
+  <p:cSld>
+    <p:spTree>
+      <p:nvGrpSpPr>
+        <p:cNvPr id="1" name=""/>
+        <p:cNvGrpSpPr/>
+        <p:nvPr/>
+      </p:nvGrpSpPr>
+      <p:grpSpPr>
+        <a:xfrm>
+          <a:off x="0" y="0"/>
+          <a:ext cx="0" cy="0"/>
+          <a:chOff x="0" y="0"/>
+          <a:chExt cx="0" cy="0"/>
+        </a:xfrm>
+      </p:grpSpPr>
+      <p:sp>
+        <p:nvSpPr>
+          <p:cNvPr id="4" name="Rectangle 3">
+            <a:extLst>
+              <a:ext uri="{FF2B5EF4-FFF2-40B4-BE49-F238E27FC236}">
+                <a16:creationId xmlns:a16="http://schemas.microsoft.com/office/drawing/2014/main" id="{C43C5B3A-2427-B102-DC3E-FDD1A7931D81}"/>
+              </a:ext>
+            </a:extLst>
+          </p:cNvPr>
+          <p:cNvSpPr/>
+          <p:nvPr/>
+        </p:nvSpPr>
+        <p:spPr>
+          <a:xfrm>
+            <a:off x="1149532" y="2140719"/>
+            <a:ext cx="1489165" cy="1490756"/>
+          </a:xfrm>
+          <a:prstGeom prst="rect">
+            <a:avLst/>
+          </a:prstGeom>
+        </p:spPr>
+        <p:style>
+          <a:lnRef idx="2">
+            <a:schemeClr val="accent6"/>
+          </a:lnRef>
+          <a:fillRef idx="1">
+            <a:schemeClr val="lt1"/>
+          </a:fillRef>
+          <a:effectRef idx="0">
+            <a:schemeClr val="accent6"/>
+          </a:effectRef>
+          <a:fontRef idx="minor">
+            <a:schemeClr val="dk1"/>
+          </a:fontRef>
+        </p:style>
+        <p:txBody>
+          <a:bodyPr rtlCol="0" anchor="ctr"/>
+          <a:lstStyle/>
+          <a:p>
+            <a:pPr algn="ctr"/>
+            <a:r>
+              <a:rPr lang="en-US" sz="1400" dirty="0">
+                <a:latin typeface="Times New Roman" panose="02020603050405020304" pitchFamily="18" charset="0"/>
+                <a:cs typeface="Times New Roman" panose="02020603050405020304" pitchFamily="18" charset="0"/>
+              </a:rPr>
+              <a:t>id</a:t>
+            </a:r>
+            <a:br>
+              <a:rPr lang="en-US" sz="1400" dirty="0">
+                <a:latin typeface="Times New Roman" panose="02020603050405020304" pitchFamily="18" charset="0"/>
+                <a:cs typeface="Times New Roman" panose="02020603050405020304" pitchFamily="18" charset="0"/>
+              </a:rPr>
+            </a:br>
+            <a:r>
+              <a:rPr lang="en-US" sz="1400" dirty="0">
+                <a:latin typeface="Times New Roman" panose="02020603050405020304" pitchFamily="18" charset="0"/>
+                <a:cs typeface="Times New Roman" panose="02020603050405020304" pitchFamily="18" charset="0"/>
+              </a:rPr>
+              <a:t>name</a:t>
+            </a:r>
+            <a:br>
+              <a:rPr lang="en-US" sz="1400" dirty="0">
+                <a:latin typeface="Times New Roman" panose="02020603050405020304" pitchFamily="18" charset="0"/>
+                <a:cs typeface="Times New Roman" panose="02020603050405020304" pitchFamily="18" charset="0"/>
+              </a:rPr>
+            </a:br>
+            <a:r>
+              <a:rPr lang="en-US" sz="1400" dirty="0" err="1">
+                <a:latin typeface="Times New Roman" panose="02020603050405020304" pitchFamily="18" charset="0"/>
+                <a:cs typeface="Times New Roman" panose="02020603050405020304" pitchFamily="18" charset="0"/>
+              </a:rPr>
+              <a:t>isPrivate</a:t>
+            </a:r>
+            <a:endParaRPr lang="en-US" sz="1400" dirty="0">
+              <a:latin typeface="Times New Roman" panose="02020603050405020304" pitchFamily="18" charset="0"/>
+              <a:cs typeface="Times New Roman" panose="02020603050405020304" pitchFamily="18" charset="0"/>
+            </a:endParaRPr>
+          </a:p>
+          <a:p>
+            <a:pPr algn="ctr"/>
+            <a:r>
+              <a:rPr lang="en-US" sz="1400" dirty="0" err="1">
+                <a:latin typeface="Times New Roman" panose="02020603050405020304" pitchFamily="18" charset="0"/>
+                <a:cs typeface="Times New Roman" panose="02020603050405020304" pitchFamily="18" charset="0"/>
+              </a:rPr>
+              <a:t>hasQuestion</a:t>
+            </a:r>
+            <a:endParaRPr lang="en-US" sz="1400" dirty="0">
+              <a:latin typeface="Times New Roman" panose="02020603050405020304" pitchFamily="18" charset="0"/>
+              <a:cs typeface="Times New Roman" panose="02020603050405020304" pitchFamily="18" charset="0"/>
+            </a:endParaRPr>
+          </a:p>
+          <a:p>
+            <a:pPr algn="ctr"/>
+            <a:endParaRPr lang="en-US" sz="1400" dirty="0">
+              <a:latin typeface="Times New Roman" panose="02020603050405020304" pitchFamily="18" charset="0"/>
+              <a:cs typeface="Times New Roman" panose="02020603050405020304" pitchFamily="18" charset="0"/>
+            </a:endParaRPr>
+          </a:p>
+          <a:p>
+            <a:pPr algn="ctr"/>
+            <a:r>
+              <a:rPr lang="en-US" sz="1400" dirty="0" err="1">
+                <a:latin typeface="Times New Roman" panose="02020603050405020304" pitchFamily="18" charset="0"/>
+                <a:cs typeface="Times New Roman" panose="02020603050405020304" pitchFamily="18" charset="0"/>
+              </a:rPr>
+              <a:t>addMember</a:t>
+            </a:r>
+            <a:endParaRPr lang="en-US" sz="1400" dirty="0">
+              <a:latin typeface="Times New Roman" panose="02020603050405020304" pitchFamily="18" charset="0"/>
+              <a:cs typeface="Times New Roman" panose="02020603050405020304" pitchFamily="18" charset="0"/>
+            </a:endParaRPr>
+          </a:p>
+        </p:txBody>
+      </p:sp>
+      <p:sp>
+        <p:nvSpPr>
+          <p:cNvPr id="5" name="Rectangle 4">
+            <a:extLst>
+              <a:ext uri="{FF2B5EF4-FFF2-40B4-BE49-F238E27FC236}">
+                <a16:creationId xmlns:a16="http://schemas.microsoft.com/office/drawing/2014/main" id="{D2C2391E-13DE-48D3-87E7-08A5781C8910}"/>
+              </a:ext>
+            </a:extLst>
+          </p:cNvPr>
+          <p:cNvSpPr/>
+          <p:nvPr/>
+        </p:nvSpPr>
+        <p:spPr>
+          <a:xfrm>
+            <a:off x="1149531" y="1761107"/>
+            <a:ext cx="1489165" cy="379612"/>
+          </a:xfrm>
+          <a:prstGeom prst="rect">
+            <a:avLst/>
+          </a:prstGeom>
+        </p:spPr>
+        <p:style>
+          <a:lnRef idx="2">
+            <a:schemeClr val="accent6"/>
+          </a:lnRef>
+          <a:fillRef idx="1">
+            <a:schemeClr val="lt1"/>
+          </a:fillRef>
+          <a:effectRef idx="0">
+            <a:schemeClr val="accent6"/>
+          </a:effectRef>
+          <a:fontRef idx="minor">
+            <a:schemeClr val="dk1"/>
+          </a:fontRef>
+        </p:style>
+        <p:txBody>
+          <a:bodyPr rtlCol="0" anchor="ctr"/>
+          <a:lstStyle/>
+          <a:p>
+            <a:pPr algn="ctr"/>
+            <a:r>
+              <a:rPr lang="vi-VN" sz="1400" dirty="0">
+                <a:latin typeface="Times New Roman" panose="02020603050405020304" pitchFamily="18" charset="0"/>
+                <a:cs typeface="Times New Roman" panose="02020603050405020304" pitchFamily="18" charset="0"/>
+              </a:rPr>
+              <a:t>&lt;&lt;entity&gt;&gt;</a:t>
+            </a:r>
+            <a:br>
+              <a:rPr lang="vi-VN" sz="1400" dirty="0">
+                <a:latin typeface="Times New Roman" panose="02020603050405020304" pitchFamily="18" charset="0"/>
+                <a:cs typeface="Times New Roman" panose="02020603050405020304" pitchFamily="18" charset="0"/>
+              </a:rPr>
+            </a:br>
+            <a:r>
+              <a:rPr lang="vi-VN" sz="1400" dirty="0">
+                <a:latin typeface="Times New Roman" panose="02020603050405020304" pitchFamily="18" charset="0"/>
+                <a:cs typeface="Times New Roman" panose="02020603050405020304" pitchFamily="18" charset="0"/>
+              </a:rPr>
+              <a:t>Group</a:t>
+            </a:r>
+            <a:endParaRPr lang="en-US" sz="1400" dirty="0">
+              <a:latin typeface="Times New Roman" panose="02020603050405020304" pitchFamily="18" charset="0"/>
+              <a:cs typeface="Times New Roman" panose="02020603050405020304" pitchFamily="18" charset="0"/>
+            </a:endParaRPr>
+          </a:p>
+        </p:txBody>
+      </p:sp>
+      <p:sp>
+        <p:nvSpPr>
+          <p:cNvPr id="20" name="Rectangle 19">
+            <a:extLst>
+              <a:ext uri="{FF2B5EF4-FFF2-40B4-BE49-F238E27FC236}">
+                <a16:creationId xmlns:a16="http://schemas.microsoft.com/office/drawing/2014/main" id="{DB7318EE-145D-D9FD-5341-0066BC1245D3}"/>
+              </a:ext>
+            </a:extLst>
+          </p:cNvPr>
+          <p:cNvSpPr/>
+          <p:nvPr/>
+        </p:nvSpPr>
+        <p:spPr>
+          <a:xfrm>
+            <a:off x="0" y="4486493"/>
+            <a:ext cx="1567543" cy="547061"/>
+          </a:xfrm>
+          <a:prstGeom prst="rect">
+            <a:avLst/>
+          </a:prstGeom>
+        </p:spPr>
+        <p:style>
+          <a:lnRef idx="2">
+            <a:schemeClr val="accent6"/>
+          </a:lnRef>
+          <a:fillRef idx="1">
+            <a:schemeClr val="lt1"/>
+          </a:fillRef>
+          <a:effectRef idx="0">
+            <a:schemeClr val="accent6"/>
+          </a:effectRef>
+          <a:fontRef idx="minor">
+            <a:schemeClr val="dk1"/>
+          </a:fontRef>
+        </p:style>
+        <p:txBody>
+          <a:bodyPr rtlCol="0" anchor="ctr"/>
+          <a:lstStyle/>
+          <a:p>
+            <a:pPr algn="ctr"/>
+            <a:r>
+              <a:rPr lang="en-US" sz="1400" dirty="0">
+                <a:latin typeface="Times New Roman" panose="02020603050405020304" pitchFamily="18" charset="0"/>
+                <a:cs typeface="Times New Roman" panose="02020603050405020304" pitchFamily="18" charset="0"/>
+              </a:rPr>
+              <a:t>id: Int</a:t>
+            </a:r>
+            <a:br>
+              <a:rPr lang="en-US" sz="1400" dirty="0">
+                <a:latin typeface="Times New Roman" panose="02020603050405020304" pitchFamily="18" charset="0"/>
+                <a:cs typeface="Times New Roman" panose="02020603050405020304" pitchFamily="18" charset="0"/>
+              </a:rPr>
+            </a:br>
+            <a:r>
+              <a:rPr lang="en-US" sz="1400" dirty="0">
+                <a:latin typeface="Times New Roman" panose="02020603050405020304" pitchFamily="18" charset="0"/>
+                <a:cs typeface="Times New Roman" panose="02020603050405020304" pitchFamily="18" charset="0"/>
+              </a:rPr>
+              <a:t>role: string</a:t>
+            </a:r>
+          </a:p>
+        </p:txBody>
+      </p:sp>
+      <p:sp>
+        <p:nvSpPr>
+          <p:cNvPr id="21" name="Rectangle 20">
+            <a:extLst>
+              <a:ext uri="{FF2B5EF4-FFF2-40B4-BE49-F238E27FC236}">
+                <a16:creationId xmlns:a16="http://schemas.microsoft.com/office/drawing/2014/main" id="{C12FF5B3-4F93-23F0-8B1A-88532B5664A3}"/>
+              </a:ext>
+            </a:extLst>
+          </p:cNvPr>
+          <p:cNvSpPr/>
+          <p:nvPr/>
+        </p:nvSpPr>
+        <p:spPr>
+          <a:xfrm>
+            <a:off x="0" y="4106881"/>
+            <a:ext cx="1567543" cy="379612"/>
+          </a:xfrm>
+          <a:prstGeom prst="rect">
+            <a:avLst/>
+          </a:prstGeom>
+        </p:spPr>
+        <p:style>
+          <a:lnRef idx="2">
+            <a:schemeClr val="accent6"/>
+          </a:lnRef>
+          <a:fillRef idx="1">
+            <a:schemeClr val="lt1"/>
+          </a:fillRef>
+          <a:effectRef idx="0">
+            <a:schemeClr val="accent6"/>
+          </a:effectRef>
+          <a:fontRef idx="minor">
+            <a:schemeClr val="dk1"/>
+          </a:fontRef>
+        </p:style>
+        <p:txBody>
+          <a:bodyPr rtlCol="0" anchor="ctr"/>
+          <a:lstStyle/>
+          <a:p>
+            <a:pPr algn="ctr"/>
+            <a:r>
+              <a:rPr lang="vi-VN" sz="1400" dirty="0">
+                <a:latin typeface="Times New Roman" panose="02020603050405020304" pitchFamily="18" charset="0"/>
+                <a:cs typeface="Times New Roman" panose="02020603050405020304" pitchFamily="18" charset="0"/>
+              </a:rPr>
+              <a:t>&lt;&lt;entity&gt;&gt;</a:t>
+            </a:r>
+            <a:br>
+              <a:rPr lang="vi-VN" sz="1400" dirty="0">
+                <a:latin typeface="Times New Roman" panose="02020603050405020304" pitchFamily="18" charset="0"/>
+                <a:cs typeface="Times New Roman" panose="02020603050405020304" pitchFamily="18" charset="0"/>
+              </a:rPr>
+            </a:br>
+            <a:r>
+              <a:rPr lang="vi-VN" sz="1400" dirty="0">
+                <a:latin typeface="Times New Roman" panose="02020603050405020304" pitchFamily="18" charset="0"/>
+                <a:cs typeface="Times New Roman" panose="02020603050405020304" pitchFamily="18" charset="0"/>
+              </a:rPr>
+              <a:t>Group</a:t>
+            </a:r>
+            <a:r>
+              <a:rPr lang="en-US" sz="1400" dirty="0">
+                <a:latin typeface="Times New Roman" panose="02020603050405020304" pitchFamily="18" charset="0"/>
+                <a:cs typeface="Times New Roman" panose="02020603050405020304" pitchFamily="18" charset="0"/>
+              </a:rPr>
+              <a:t>Membership</a:t>
+            </a:r>
+          </a:p>
+        </p:txBody>
+      </p:sp>
+      <p:sp>
+        <p:nvSpPr>
+          <p:cNvPr id="22" name="Rectangle 21">
+            <a:extLst>
+              <a:ext uri="{FF2B5EF4-FFF2-40B4-BE49-F238E27FC236}">
+                <a16:creationId xmlns:a16="http://schemas.microsoft.com/office/drawing/2014/main" id="{675F130C-25BC-1C4E-0920-42E4FF1F13E1}"/>
+              </a:ext>
+            </a:extLst>
+          </p:cNvPr>
+          <p:cNvSpPr/>
+          <p:nvPr/>
+        </p:nvSpPr>
+        <p:spPr>
+          <a:xfrm>
+            <a:off x="2238104" y="4399664"/>
+            <a:ext cx="1489165" cy="799353"/>
+          </a:xfrm>
+          <a:prstGeom prst="rect">
+            <a:avLst/>
+          </a:prstGeom>
+        </p:spPr>
+        <p:style>
+          <a:lnRef idx="2">
+            <a:schemeClr val="accent6"/>
+          </a:lnRef>
+          <a:fillRef idx="1">
+            <a:schemeClr val="lt1"/>
+          </a:fillRef>
+          <a:effectRef idx="0">
+            <a:schemeClr val="accent6"/>
+          </a:effectRef>
+          <a:fontRef idx="minor">
+            <a:schemeClr val="dk1"/>
+          </a:fontRef>
+        </p:style>
+        <p:txBody>
+          <a:bodyPr rtlCol="0" anchor="ctr"/>
+          <a:lstStyle/>
+          <a:p>
+            <a:pPr algn="ctr"/>
+            <a:r>
+              <a:rPr lang="en-US" sz="1400" dirty="0">
+                <a:latin typeface="Times New Roman" panose="02020603050405020304" pitchFamily="18" charset="0"/>
+                <a:cs typeface="Times New Roman" panose="02020603050405020304" pitchFamily="18" charset="0"/>
+              </a:rPr>
+              <a:t>id</a:t>
+            </a:r>
+            <a:br>
+              <a:rPr lang="en-US" sz="1400" dirty="0">
+                <a:latin typeface="Times New Roman" panose="02020603050405020304" pitchFamily="18" charset="0"/>
+                <a:cs typeface="Times New Roman" panose="02020603050405020304" pitchFamily="18" charset="0"/>
+              </a:rPr>
+            </a:br>
+            <a:r>
+              <a:rPr lang="en-US" sz="1400" dirty="0" err="1">
+                <a:latin typeface="Times New Roman" panose="02020603050405020304" pitchFamily="18" charset="0"/>
+                <a:cs typeface="Times New Roman" panose="02020603050405020304" pitchFamily="18" charset="0"/>
+              </a:rPr>
+              <a:t>questionText</a:t>
+            </a:r>
+            <a:endParaRPr lang="en-US" sz="1400" dirty="0">
+              <a:latin typeface="Times New Roman" panose="02020603050405020304" pitchFamily="18" charset="0"/>
+              <a:cs typeface="Times New Roman" panose="02020603050405020304" pitchFamily="18" charset="0"/>
+            </a:endParaRPr>
+          </a:p>
+          <a:p>
+            <a:pPr algn="ctr"/>
+            <a:endParaRPr lang="en-US" sz="1400" dirty="0">
+              <a:latin typeface="Times New Roman" panose="02020603050405020304" pitchFamily="18" charset="0"/>
+              <a:cs typeface="Times New Roman" panose="02020603050405020304" pitchFamily="18" charset="0"/>
+            </a:endParaRPr>
+          </a:p>
+          <a:p>
+            <a:pPr algn="ctr"/>
+            <a:r>
+              <a:rPr lang="en-US" sz="1400" dirty="0" err="1">
+                <a:latin typeface="Times New Roman" panose="02020603050405020304" pitchFamily="18" charset="0"/>
+                <a:cs typeface="Times New Roman" panose="02020603050405020304" pitchFamily="18" charset="0"/>
+              </a:rPr>
+              <a:t>getQuestions</a:t>
+            </a:r>
+            <a:endParaRPr lang="en-US" sz="1400" dirty="0">
+              <a:latin typeface="Times New Roman" panose="02020603050405020304" pitchFamily="18" charset="0"/>
+              <a:cs typeface="Times New Roman" panose="02020603050405020304" pitchFamily="18" charset="0"/>
+            </a:endParaRPr>
+          </a:p>
+        </p:txBody>
+      </p:sp>
+      <p:sp>
+        <p:nvSpPr>
+          <p:cNvPr id="23" name="Rectangle 22">
+            <a:extLst>
+              <a:ext uri="{FF2B5EF4-FFF2-40B4-BE49-F238E27FC236}">
+                <a16:creationId xmlns:a16="http://schemas.microsoft.com/office/drawing/2014/main" id="{EDFF2F2E-A410-DF4B-717F-B03E9AB1E4D1}"/>
+              </a:ext>
+            </a:extLst>
+          </p:cNvPr>
+          <p:cNvSpPr/>
+          <p:nvPr/>
+        </p:nvSpPr>
+        <p:spPr>
+          <a:xfrm>
+            <a:off x="2238104" y="4020052"/>
+            <a:ext cx="1489165" cy="379612"/>
+          </a:xfrm>
+          <a:prstGeom prst="rect">
+            <a:avLst/>
+          </a:prstGeom>
+        </p:spPr>
+        <p:style>
+          <a:lnRef idx="2">
+            <a:schemeClr val="accent6"/>
+          </a:lnRef>
+          <a:fillRef idx="1">
+            <a:schemeClr val="lt1"/>
+          </a:fillRef>
+          <a:effectRef idx="0">
+            <a:schemeClr val="accent6"/>
+          </a:effectRef>
+          <a:fontRef idx="minor">
+            <a:schemeClr val="dk1"/>
+          </a:fontRef>
+        </p:style>
+        <p:txBody>
+          <a:bodyPr rtlCol="0" anchor="ctr"/>
+          <a:lstStyle/>
+          <a:p>
+            <a:pPr algn="ctr"/>
+            <a:r>
+              <a:rPr lang="vi-VN" sz="1400" dirty="0">
+                <a:latin typeface="Times New Roman" panose="02020603050405020304" pitchFamily="18" charset="0"/>
+                <a:cs typeface="Times New Roman" panose="02020603050405020304" pitchFamily="18" charset="0"/>
+              </a:rPr>
+              <a:t>&lt;&lt;entity&gt;&gt;</a:t>
+            </a:r>
+            <a:br>
+              <a:rPr lang="vi-VN" sz="1400" dirty="0">
+                <a:latin typeface="Times New Roman" panose="02020603050405020304" pitchFamily="18" charset="0"/>
+                <a:cs typeface="Times New Roman" panose="02020603050405020304" pitchFamily="18" charset="0"/>
+              </a:rPr>
+            </a:br>
+            <a:r>
+              <a:rPr lang="en-US" sz="1400" dirty="0" err="1">
+                <a:latin typeface="Times New Roman" panose="02020603050405020304" pitchFamily="18" charset="0"/>
+                <a:cs typeface="Times New Roman" panose="02020603050405020304" pitchFamily="18" charset="0"/>
+              </a:rPr>
+              <a:t>JoinQuestion</a:t>
+            </a:r>
+            <a:endParaRPr lang="en-US" sz="1400" dirty="0">
+              <a:latin typeface="Times New Roman" panose="02020603050405020304" pitchFamily="18" charset="0"/>
+              <a:cs typeface="Times New Roman" panose="02020603050405020304" pitchFamily="18" charset="0"/>
+            </a:endParaRPr>
+          </a:p>
+        </p:txBody>
+      </p:sp>
+      <p:sp>
+        <p:nvSpPr>
+          <p:cNvPr id="24" name="Rectangle 23">
+            <a:extLst>
+              <a:ext uri="{FF2B5EF4-FFF2-40B4-BE49-F238E27FC236}">
+                <a16:creationId xmlns:a16="http://schemas.microsoft.com/office/drawing/2014/main" id="{1752BF33-3499-7149-2D55-6C8CC660926A}"/>
+              </a:ext>
+            </a:extLst>
+          </p:cNvPr>
+          <p:cNvSpPr/>
+          <p:nvPr/>
+        </p:nvSpPr>
+        <p:spPr>
+          <a:xfrm>
+            <a:off x="4606835" y="6054634"/>
+            <a:ext cx="1489165" cy="685800"/>
+          </a:xfrm>
+          <a:prstGeom prst="rect">
+            <a:avLst/>
+          </a:prstGeom>
+        </p:spPr>
+        <p:style>
+          <a:lnRef idx="2">
+            <a:schemeClr val="accent6"/>
+          </a:lnRef>
+          <a:fillRef idx="1">
+            <a:schemeClr val="lt1"/>
+          </a:fillRef>
+          <a:effectRef idx="0">
+            <a:schemeClr val="accent6"/>
+          </a:effectRef>
+          <a:fontRef idx="minor">
+            <a:schemeClr val="dk1"/>
+          </a:fontRef>
+        </p:style>
+        <p:txBody>
+          <a:bodyPr rtlCol="0" anchor="ctr"/>
+          <a:lstStyle/>
+          <a:p>
+            <a:pPr algn="ctr"/>
+            <a:r>
+              <a:rPr lang="en-US" sz="1400" dirty="0">
+                <a:latin typeface="Times New Roman" panose="02020603050405020304" pitchFamily="18" charset="0"/>
+                <a:cs typeface="Times New Roman" panose="02020603050405020304" pitchFamily="18" charset="0"/>
+              </a:rPr>
+              <a:t>id: Int</a:t>
+            </a:r>
+          </a:p>
+          <a:p>
+            <a:pPr algn="ctr"/>
+            <a:r>
+              <a:rPr lang="en-US" sz="1400" dirty="0" err="1">
+                <a:latin typeface="Times New Roman" panose="02020603050405020304" pitchFamily="18" charset="0"/>
+                <a:cs typeface="Times New Roman" panose="02020603050405020304" pitchFamily="18" charset="0"/>
+              </a:rPr>
+              <a:t>answerText</a:t>
+            </a:r>
+            <a:r>
+              <a:rPr lang="en-US" sz="1400" dirty="0">
+                <a:latin typeface="Times New Roman" panose="02020603050405020304" pitchFamily="18" charset="0"/>
+                <a:cs typeface="Times New Roman" panose="02020603050405020304" pitchFamily="18" charset="0"/>
+              </a:rPr>
+              <a:t>: string</a:t>
+            </a:r>
+          </a:p>
+        </p:txBody>
+      </p:sp>
+      <p:sp>
+        <p:nvSpPr>
+          <p:cNvPr id="25" name="Rectangle 24">
+            <a:extLst>
+              <a:ext uri="{FF2B5EF4-FFF2-40B4-BE49-F238E27FC236}">
+                <a16:creationId xmlns:a16="http://schemas.microsoft.com/office/drawing/2014/main" id="{AB4404DB-6C82-C9A6-BE3F-8A6767076ECB}"/>
+              </a:ext>
+            </a:extLst>
+          </p:cNvPr>
+          <p:cNvSpPr/>
+          <p:nvPr/>
+        </p:nvSpPr>
+        <p:spPr>
+          <a:xfrm>
+            <a:off x="4606835" y="5675022"/>
+            <a:ext cx="1489165" cy="379612"/>
+          </a:xfrm>
+          <a:prstGeom prst="rect">
+            <a:avLst/>
+          </a:prstGeom>
+        </p:spPr>
+        <p:style>
+          <a:lnRef idx="2">
+            <a:schemeClr val="accent6"/>
+          </a:lnRef>
+          <a:fillRef idx="1">
+            <a:schemeClr val="lt1"/>
+          </a:fillRef>
+          <a:effectRef idx="0">
+            <a:schemeClr val="accent6"/>
+          </a:effectRef>
+          <a:fontRef idx="minor">
+            <a:schemeClr val="dk1"/>
+          </a:fontRef>
+        </p:style>
+        <p:txBody>
+          <a:bodyPr rtlCol="0" anchor="ctr"/>
+          <a:lstStyle/>
+          <a:p>
+            <a:pPr algn="ctr"/>
+            <a:r>
+              <a:rPr lang="vi-VN" sz="1400" dirty="0">
+                <a:latin typeface="Times New Roman" panose="02020603050405020304" pitchFamily="18" charset="0"/>
+                <a:cs typeface="Times New Roman" panose="02020603050405020304" pitchFamily="18" charset="0"/>
+              </a:rPr>
+              <a:t>&lt;&lt;entity&gt;&gt;</a:t>
+            </a:r>
+            <a:br>
+              <a:rPr lang="vi-VN" sz="1400" dirty="0">
+                <a:latin typeface="Times New Roman" panose="02020603050405020304" pitchFamily="18" charset="0"/>
+                <a:cs typeface="Times New Roman" panose="02020603050405020304" pitchFamily="18" charset="0"/>
+              </a:rPr>
+            </a:br>
+            <a:r>
+              <a:rPr lang="en-US" sz="1400" dirty="0" err="1">
+                <a:latin typeface="Times New Roman" panose="02020603050405020304" pitchFamily="18" charset="0"/>
+                <a:cs typeface="Times New Roman" panose="02020603050405020304" pitchFamily="18" charset="0"/>
+              </a:rPr>
+              <a:t>JoinAnswer</a:t>
+            </a:r>
+            <a:endParaRPr lang="en-US" sz="1400" dirty="0">
+              <a:latin typeface="Times New Roman" panose="02020603050405020304" pitchFamily="18" charset="0"/>
+              <a:cs typeface="Times New Roman" panose="02020603050405020304" pitchFamily="18" charset="0"/>
+            </a:endParaRPr>
+          </a:p>
+        </p:txBody>
+      </p:sp>
+      <p:sp>
+        <p:nvSpPr>
+          <p:cNvPr id="26" name="Rectangle 25">
+            <a:extLst>
+              <a:ext uri="{FF2B5EF4-FFF2-40B4-BE49-F238E27FC236}">
+                <a16:creationId xmlns:a16="http://schemas.microsoft.com/office/drawing/2014/main" id="{8A9A1F81-3C49-ABA3-FA2F-12799610BBBA}"/>
+              </a:ext>
+            </a:extLst>
+          </p:cNvPr>
+          <p:cNvSpPr/>
+          <p:nvPr/>
+        </p:nvSpPr>
+        <p:spPr>
+          <a:xfrm>
+            <a:off x="4606835" y="4469973"/>
+            <a:ext cx="1489165" cy="624541"/>
+          </a:xfrm>
+          <a:prstGeom prst="rect">
+            <a:avLst/>
+          </a:prstGeom>
+        </p:spPr>
+        <p:style>
+          <a:lnRef idx="2">
+            <a:schemeClr val="accent6"/>
+          </a:lnRef>
+          <a:fillRef idx="1">
+            <a:schemeClr val="lt1"/>
+          </a:fillRef>
+          <a:effectRef idx="0">
+            <a:schemeClr val="accent6"/>
+          </a:effectRef>
+          <a:fontRef idx="minor">
+            <a:schemeClr val="dk1"/>
+          </a:fontRef>
+        </p:style>
+        <p:txBody>
+          <a:bodyPr rtlCol="0" anchor="ctr"/>
+          <a:lstStyle/>
+          <a:p>
+            <a:pPr algn="ctr"/>
+            <a:r>
+              <a:rPr lang="en-US" sz="1400" dirty="0">
+                <a:latin typeface="Times New Roman" panose="02020603050405020304" pitchFamily="18" charset="0"/>
+                <a:cs typeface="Times New Roman" panose="02020603050405020304" pitchFamily="18" charset="0"/>
+              </a:rPr>
+              <a:t>id: Int</a:t>
+            </a:r>
+            <a:br>
+              <a:rPr lang="en-US" sz="1400" dirty="0">
+                <a:latin typeface="Times New Roman" panose="02020603050405020304" pitchFamily="18" charset="0"/>
+                <a:cs typeface="Times New Roman" panose="02020603050405020304" pitchFamily="18" charset="0"/>
+              </a:rPr>
+            </a:br>
+            <a:r>
+              <a:rPr lang="en-US" sz="1400" dirty="0">
+                <a:latin typeface="Times New Roman" panose="02020603050405020304" pitchFamily="18" charset="0"/>
+                <a:cs typeface="Times New Roman" panose="02020603050405020304" pitchFamily="18" charset="0"/>
+              </a:rPr>
+              <a:t>status: </a:t>
+            </a:r>
+            <a:r>
+              <a:rPr lang="en-US" sz="1400" dirty="0" err="1">
+                <a:latin typeface="Times New Roman" panose="02020603050405020304" pitchFamily="18" charset="0"/>
+                <a:cs typeface="Times New Roman" panose="02020603050405020304" pitchFamily="18" charset="0"/>
+              </a:rPr>
+              <a:t>enum</a:t>
+            </a:r>
+            <a:r>
+              <a:rPr lang="en-US" sz="1400" dirty="0">
+                <a:latin typeface="Times New Roman" panose="02020603050405020304" pitchFamily="18" charset="0"/>
+                <a:cs typeface="Times New Roman" panose="02020603050405020304" pitchFamily="18" charset="0"/>
+              </a:rPr>
+              <a:t> {…}</a:t>
+            </a:r>
+          </a:p>
+        </p:txBody>
+      </p:sp>
+      <p:sp>
+        <p:nvSpPr>
+          <p:cNvPr id="27" name="Rectangle 26">
+            <a:extLst>
+              <a:ext uri="{FF2B5EF4-FFF2-40B4-BE49-F238E27FC236}">
+                <a16:creationId xmlns:a16="http://schemas.microsoft.com/office/drawing/2014/main" id="{2A1ECAC4-B957-EC00-EDE4-FF8B97525E74}"/>
+              </a:ext>
+            </a:extLst>
+          </p:cNvPr>
+          <p:cNvSpPr/>
+          <p:nvPr/>
+        </p:nvSpPr>
+        <p:spPr>
+          <a:xfrm>
+            <a:off x="4606835" y="4090361"/>
+            <a:ext cx="1489165" cy="379612"/>
+          </a:xfrm>
+          <a:prstGeom prst="rect">
+            <a:avLst/>
+          </a:prstGeom>
+        </p:spPr>
+        <p:style>
+          <a:lnRef idx="2">
+            <a:schemeClr val="accent6"/>
+          </a:lnRef>
+          <a:fillRef idx="1">
+            <a:schemeClr val="lt1"/>
+          </a:fillRef>
+          <a:effectRef idx="0">
+            <a:schemeClr val="accent6"/>
+          </a:effectRef>
+          <a:fontRef idx="minor">
+            <a:schemeClr val="dk1"/>
+          </a:fontRef>
+        </p:style>
+        <p:txBody>
+          <a:bodyPr rtlCol="0" anchor="ctr"/>
+          <a:lstStyle/>
+          <a:p>
+            <a:pPr algn="ctr"/>
+            <a:r>
+              <a:rPr lang="vi-VN" sz="1400" dirty="0">
+                <a:latin typeface="Times New Roman" panose="02020603050405020304" pitchFamily="18" charset="0"/>
+                <a:cs typeface="Times New Roman" panose="02020603050405020304" pitchFamily="18" charset="0"/>
+              </a:rPr>
+              <a:t>&lt;&lt;entity&gt;&gt;</a:t>
+            </a:r>
+            <a:br>
+              <a:rPr lang="vi-VN" sz="1400" dirty="0">
+                <a:latin typeface="Times New Roman" panose="02020603050405020304" pitchFamily="18" charset="0"/>
+                <a:cs typeface="Times New Roman" panose="02020603050405020304" pitchFamily="18" charset="0"/>
+              </a:rPr>
+            </a:br>
+            <a:r>
+              <a:rPr lang="en-US" sz="1400" dirty="0" err="1">
+                <a:latin typeface="Times New Roman" panose="02020603050405020304" pitchFamily="18" charset="0"/>
+                <a:cs typeface="Times New Roman" panose="02020603050405020304" pitchFamily="18" charset="0"/>
+              </a:rPr>
+              <a:t>JoinRequest</a:t>
+            </a:r>
+            <a:endParaRPr lang="en-US" sz="1400" dirty="0">
+              <a:latin typeface="Times New Roman" panose="02020603050405020304" pitchFamily="18" charset="0"/>
+              <a:cs typeface="Times New Roman" panose="02020603050405020304" pitchFamily="18" charset="0"/>
+            </a:endParaRPr>
+          </a:p>
+        </p:txBody>
+      </p:sp>
+      <p:sp>
+        <p:nvSpPr>
+          <p:cNvPr id="28" name="Rectangle 27">
+            <a:extLst>
+              <a:ext uri="{FF2B5EF4-FFF2-40B4-BE49-F238E27FC236}">
+                <a16:creationId xmlns:a16="http://schemas.microsoft.com/office/drawing/2014/main" id="{4583ACA0-D095-22E0-BFF8-19BE16A39A21}"/>
+              </a:ext>
+            </a:extLst>
+          </p:cNvPr>
+          <p:cNvSpPr/>
+          <p:nvPr/>
+        </p:nvSpPr>
+        <p:spPr>
+          <a:xfrm>
+            <a:off x="3862252" y="2923903"/>
+            <a:ext cx="1489165" cy="803366"/>
+          </a:xfrm>
+          <a:prstGeom prst="rect">
+            <a:avLst/>
+          </a:prstGeom>
+        </p:spPr>
+        <p:style>
+          <a:lnRef idx="2">
+            <a:schemeClr val="accent6"/>
+          </a:lnRef>
+          <a:fillRef idx="1">
+            <a:schemeClr val="lt1"/>
+          </a:fillRef>
+          <a:effectRef idx="0">
+            <a:schemeClr val="accent6"/>
+          </a:effectRef>
+          <a:fontRef idx="minor">
+            <a:schemeClr val="dk1"/>
+          </a:fontRef>
+        </p:style>
+        <p:txBody>
+          <a:bodyPr rtlCol="0" anchor="ctr"/>
+          <a:lstStyle/>
+          <a:p>
+            <a:pPr algn="ctr"/>
+            <a:r>
+              <a:rPr lang="en-US" sz="1400" dirty="0">
+                <a:latin typeface="Times New Roman" panose="02020603050405020304" pitchFamily="18" charset="0"/>
+                <a:cs typeface="Times New Roman" panose="02020603050405020304" pitchFamily="18" charset="0"/>
+              </a:rPr>
+              <a:t>id: Int</a:t>
+            </a:r>
+            <a:br>
+              <a:rPr lang="en-US" sz="1400" dirty="0">
+                <a:latin typeface="Times New Roman" panose="02020603050405020304" pitchFamily="18" charset="0"/>
+                <a:cs typeface="Times New Roman" panose="02020603050405020304" pitchFamily="18" charset="0"/>
+              </a:rPr>
+            </a:br>
+            <a:r>
+              <a:rPr lang="en-US" sz="1400" dirty="0">
+                <a:latin typeface="Times New Roman" panose="02020603050405020304" pitchFamily="18" charset="0"/>
+                <a:cs typeface="Times New Roman" panose="02020603050405020304" pitchFamily="18" charset="0"/>
+              </a:rPr>
+              <a:t>name: string</a:t>
+            </a:r>
+            <a:br>
+              <a:rPr lang="en-US" sz="1400" dirty="0">
+                <a:latin typeface="Times New Roman" panose="02020603050405020304" pitchFamily="18" charset="0"/>
+                <a:cs typeface="Times New Roman" panose="02020603050405020304" pitchFamily="18" charset="0"/>
+              </a:rPr>
+            </a:br>
+            <a:r>
+              <a:rPr lang="en-US" sz="1400" dirty="0">
+                <a:latin typeface="Times New Roman" panose="02020603050405020304" pitchFamily="18" charset="0"/>
+                <a:cs typeface="Times New Roman" panose="02020603050405020304" pitchFamily="18" charset="0"/>
+              </a:rPr>
+              <a:t>email: string</a:t>
+            </a:r>
+          </a:p>
+        </p:txBody>
+      </p:sp>
+      <p:sp>
+        <p:nvSpPr>
+          <p:cNvPr id="29" name="Rectangle 28">
+            <a:extLst>
+              <a:ext uri="{FF2B5EF4-FFF2-40B4-BE49-F238E27FC236}">
+                <a16:creationId xmlns:a16="http://schemas.microsoft.com/office/drawing/2014/main" id="{5A49D7C0-56E8-F626-381F-33C5444AB4F5}"/>
+              </a:ext>
+            </a:extLst>
+          </p:cNvPr>
+          <p:cNvSpPr/>
+          <p:nvPr/>
+        </p:nvSpPr>
+        <p:spPr>
+          <a:xfrm>
+            <a:off x="3862252" y="2544291"/>
+            <a:ext cx="1489165" cy="379612"/>
+          </a:xfrm>
+          <a:prstGeom prst="rect">
+            <a:avLst/>
+          </a:prstGeom>
+        </p:spPr>
+        <p:style>
+          <a:lnRef idx="2">
+            <a:schemeClr val="accent6"/>
+          </a:lnRef>
+          <a:fillRef idx="1">
+            <a:schemeClr val="lt1"/>
+          </a:fillRef>
+          <a:effectRef idx="0">
+            <a:schemeClr val="accent6"/>
+          </a:effectRef>
+          <a:fontRef idx="minor">
+            <a:schemeClr val="dk1"/>
+          </a:fontRef>
+        </p:style>
+        <p:txBody>
+          <a:bodyPr rtlCol="0" anchor="ctr"/>
+          <a:lstStyle/>
+          <a:p>
+            <a:pPr algn="ctr"/>
+            <a:r>
+              <a:rPr lang="vi-VN" sz="1400" dirty="0">
+                <a:latin typeface="Times New Roman" panose="02020603050405020304" pitchFamily="18" charset="0"/>
+                <a:cs typeface="Times New Roman" panose="02020603050405020304" pitchFamily="18" charset="0"/>
+              </a:rPr>
+              <a:t>&lt;&lt;entity&gt;&gt;</a:t>
+            </a:r>
+            <a:br>
+              <a:rPr lang="vi-VN" sz="1400" dirty="0">
+                <a:latin typeface="Times New Roman" panose="02020603050405020304" pitchFamily="18" charset="0"/>
+                <a:cs typeface="Times New Roman" panose="02020603050405020304" pitchFamily="18" charset="0"/>
+              </a:rPr>
+            </a:br>
+            <a:r>
+              <a:rPr lang="en-US" sz="1400" dirty="0">
+                <a:latin typeface="Times New Roman" panose="02020603050405020304" pitchFamily="18" charset="0"/>
+                <a:cs typeface="Times New Roman" panose="02020603050405020304" pitchFamily="18" charset="0"/>
+              </a:rPr>
+              <a:t>User</a:t>
+            </a:r>
+          </a:p>
+        </p:txBody>
+      </p:sp>
+      <p:sp>
+        <p:nvSpPr>
+          <p:cNvPr id="30" name="Rectangle 29">
+            <a:extLst>
+              <a:ext uri="{FF2B5EF4-FFF2-40B4-BE49-F238E27FC236}">
+                <a16:creationId xmlns:a16="http://schemas.microsoft.com/office/drawing/2014/main" id="{DA86B2B4-ACE5-28D0-B6E5-59C96F8509A7}"/>
+              </a:ext>
+            </a:extLst>
+          </p:cNvPr>
+          <p:cNvSpPr/>
+          <p:nvPr/>
+        </p:nvSpPr>
+        <p:spPr>
+          <a:xfrm>
+            <a:off x="5564778" y="379612"/>
+            <a:ext cx="2020388" cy="691542"/>
+          </a:xfrm>
+          <a:prstGeom prst="rect">
+            <a:avLst/>
+          </a:prstGeom>
+        </p:spPr>
+        <p:style>
+          <a:lnRef idx="2">
+            <a:schemeClr val="accent6"/>
+          </a:lnRef>
+          <a:fillRef idx="1">
+            <a:schemeClr val="lt1"/>
+          </a:fillRef>
+          <a:effectRef idx="0">
+            <a:schemeClr val="accent6"/>
+          </a:effectRef>
+          <a:fontRef idx="minor">
+            <a:schemeClr val="dk1"/>
+          </a:fontRef>
+        </p:style>
+        <p:txBody>
+          <a:bodyPr rtlCol="0" anchor="ctr"/>
+          <a:lstStyle/>
+          <a:p>
+            <a:pPr algn="ctr"/>
+            <a:r>
+              <a:rPr lang="vi-VN" sz="1400" dirty="0">
+                <a:latin typeface="Times New Roman" panose="02020603050405020304" pitchFamily="18" charset="0"/>
+                <a:cs typeface="Times New Roman" panose="02020603050405020304" pitchFamily="18" charset="0"/>
+              </a:rPr>
+              <a:t>Send(userId, message)</a:t>
+            </a:r>
+            <a:endParaRPr lang="en-US" sz="1400" dirty="0">
+              <a:latin typeface="Times New Roman" panose="02020603050405020304" pitchFamily="18" charset="0"/>
+              <a:cs typeface="Times New Roman" panose="02020603050405020304" pitchFamily="18" charset="0"/>
+            </a:endParaRPr>
+          </a:p>
+        </p:txBody>
+      </p:sp>
+      <p:sp>
+        <p:nvSpPr>
+          <p:cNvPr id="31" name="Rectangle 30">
+            <a:extLst>
+              <a:ext uri="{FF2B5EF4-FFF2-40B4-BE49-F238E27FC236}">
+                <a16:creationId xmlns:a16="http://schemas.microsoft.com/office/drawing/2014/main" id="{FF48E4DD-0764-209A-5FC7-CDBA2617ECD8}"/>
+              </a:ext>
+            </a:extLst>
+          </p:cNvPr>
+          <p:cNvSpPr/>
+          <p:nvPr/>
+        </p:nvSpPr>
+        <p:spPr>
+          <a:xfrm>
+            <a:off x="5564778" y="0"/>
+            <a:ext cx="2020388" cy="379612"/>
+          </a:xfrm>
+          <a:prstGeom prst="rect">
+            <a:avLst/>
+          </a:prstGeom>
+        </p:spPr>
+        <p:style>
+          <a:lnRef idx="2">
+            <a:schemeClr val="accent6"/>
+          </a:lnRef>
+          <a:fillRef idx="1">
+            <a:schemeClr val="lt1"/>
+          </a:fillRef>
+          <a:effectRef idx="0">
+            <a:schemeClr val="accent6"/>
+          </a:effectRef>
+          <a:fontRef idx="minor">
+            <a:schemeClr val="dk1"/>
+          </a:fontRef>
+        </p:style>
+        <p:txBody>
+          <a:bodyPr rtlCol="0" anchor="ctr"/>
+          <a:lstStyle/>
+          <a:p>
+            <a:pPr algn="ctr"/>
+            <a:r>
+              <a:rPr lang="vi-VN" sz="1400" dirty="0">
+                <a:latin typeface="Times New Roman" panose="02020603050405020304" pitchFamily="18" charset="0"/>
+                <a:cs typeface="Times New Roman" panose="02020603050405020304" pitchFamily="18" charset="0"/>
+              </a:rPr>
+              <a:t>&lt;&lt;</a:t>
+            </a:r>
+            <a:r>
+              <a:rPr lang="en-US" sz="1400" dirty="0">
+                <a:latin typeface="Times New Roman" panose="02020603050405020304" pitchFamily="18" charset="0"/>
+                <a:cs typeface="Times New Roman" panose="02020603050405020304" pitchFamily="18" charset="0"/>
+              </a:rPr>
+              <a:t>Boundary</a:t>
+            </a:r>
+            <a:r>
+              <a:rPr lang="vi-VN" sz="1400" dirty="0">
+                <a:latin typeface="Times New Roman" panose="02020603050405020304" pitchFamily="18" charset="0"/>
+                <a:cs typeface="Times New Roman" panose="02020603050405020304" pitchFamily="18" charset="0"/>
+              </a:rPr>
+              <a:t>&gt;&gt;</a:t>
+            </a:r>
+            <a:br>
+              <a:rPr lang="vi-VN" sz="1400" dirty="0">
+                <a:latin typeface="Times New Roman" panose="02020603050405020304" pitchFamily="18" charset="0"/>
+                <a:cs typeface="Times New Roman" panose="02020603050405020304" pitchFamily="18" charset="0"/>
+              </a:rPr>
+            </a:br>
+            <a:r>
+              <a:rPr lang="en-US" sz="1400" dirty="0" err="1">
+                <a:latin typeface="Times New Roman" panose="02020603050405020304" pitchFamily="18" charset="0"/>
+                <a:cs typeface="Times New Roman" panose="02020603050405020304" pitchFamily="18" charset="0"/>
+              </a:rPr>
+              <a:t>NotificationService</a:t>
+            </a:r>
+            <a:endParaRPr lang="en-US" sz="1400" dirty="0">
+              <a:latin typeface="Times New Roman" panose="02020603050405020304" pitchFamily="18" charset="0"/>
+              <a:cs typeface="Times New Roman" panose="02020603050405020304" pitchFamily="18" charset="0"/>
+            </a:endParaRPr>
+          </a:p>
+        </p:txBody>
+      </p:sp>
+      <p:sp>
+        <p:nvSpPr>
+          <p:cNvPr id="32" name="Rectangle 31">
+            <a:extLst>
+              <a:ext uri="{FF2B5EF4-FFF2-40B4-BE49-F238E27FC236}">
+                <a16:creationId xmlns:a16="http://schemas.microsoft.com/office/drawing/2014/main" id="{2B488627-89EF-BB75-0F75-DD83E768137B}"/>
+              </a:ext>
+            </a:extLst>
+          </p:cNvPr>
+          <p:cNvSpPr/>
+          <p:nvPr/>
+        </p:nvSpPr>
+        <p:spPr>
+          <a:xfrm>
+            <a:off x="7977051" y="379611"/>
+            <a:ext cx="2020387" cy="883281"/>
+          </a:xfrm>
+          <a:prstGeom prst="rect">
+            <a:avLst/>
+          </a:prstGeom>
+        </p:spPr>
+        <p:style>
+          <a:lnRef idx="2">
+            <a:schemeClr val="accent6"/>
+          </a:lnRef>
+          <a:fillRef idx="1">
+            <a:schemeClr val="lt1"/>
+          </a:fillRef>
+          <a:effectRef idx="0">
+            <a:schemeClr val="accent6"/>
+          </a:effectRef>
+          <a:fontRef idx="minor">
+            <a:schemeClr val="dk1"/>
+          </a:fontRef>
+        </p:style>
+        <p:txBody>
+          <a:bodyPr rtlCol="0" anchor="ctr"/>
+          <a:lstStyle/>
+          <a:p>
+            <a:pPr algn="ctr"/>
+            <a:r>
+              <a:rPr lang="en-US" sz="1400" dirty="0" err="1">
+                <a:latin typeface="Times New Roman" panose="02020603050405020304" pitchFamily="18" charset="0"/>
+                <a:cs typeface="Times New Roman" panose="02020603050405020304" pitchFamily="18" charset="0"/>
+              </a:rPr>
+              <a:t>ShowPendingRequest</a:t>
+            </a:r>
+            <a:br>
+              <a:rPr lang="en-US" sz="1400" dirty="0">
+                <a:latin typeface="Times New Roman" panose="02020603050405020304" pitchFamily="18" charset="0"/>
+                <a:cs typeface="Times New Roman" panose="02020603050405020304" pitchFamily="18" charset="0"/>
+              </a:rPr>
+            </a:br>
+            <a:r>
+              <a:rPr lang="vi-VN" sz="1400" dirty="0">
+                <a:latin typeface="Times New Roman" panose="02020603050405020304" pitchFamily="18" charset="0"/>
+                <a:cs typeface="Times New Roman" panose="02020603050405020304" pitchFamily="18" charset="0"/>
+              </a:rPr>
+              <a:t>acceptRequest(requestId)</a:t>
+            </a:r>
+          </a:p>
+          <a:p>
+            <a:pPr algn="ctr"/>
+            <a:r>
+              <a:rPr lang="en-US" sz="1400" dirty="0" err="1">
+                <a:latin typeface="Times New Roman" panose="02020603050405020304" pitchFamily="18" charset="0"/>
+                <a:cs typeface="Times New Roman" panose="02020603050405020304" pitchFamily="18" charset="0"/>
+              </a:rPr>
+              <a:t>rejectRequest</a:t>
+            </a:r>
+            <a:r>
+              <a:rPr lang="en-US" sz="1400" dirty="0">
+                <a:latin typeface="Times New Roman" panose="02020603050405020304" pitchFamily="18" charset="0"/>
+                <a:cs typeface="Times New Roman" panose="02020603050405020304" pitchFamily="18" charset="0"/>
+              </a:rPr>
+              <a:t>(</a:t>
+            </a:r>
+            <a:r>
+              <a:rPr lang="en-US" sz="1400" dirty="0" err="1">
+                <a:latin typeface="Times New Roman" panose="02020603050405020304" pitchFamily="18" charset="0"/>
+                <a:cs typeface="Times New Roman" panose="02020603050405020304" pitchFamily="18" charset="0"/>
+              </a:rPr>
+              <a:t>requestId</a:t>
+            </a:r>
+            <a:r>
+              <a:rPr lang="en-US" sz="1400" dirty="0">
+                <a:latin typeface="Times New Roman" panose="02020603050405020304" pitchFamily="18" charset="0"/>
+                <a:cs typeface="Times New Roman" panose="02020603050405020304" pitchFamily="18" charset="0"/>
+              </a:rPr>
+              <a:t>)</a:t>
+            </a:r>
+          </a:p>
+        </p:txBody>
+      </p:sp>
+      <p:sp>
+        <p:nvSpPr>
+          <p:cNvPr id="33" name="Rectangle 32">
+            <a:extLst>
+              <a:ext uri="{FF2B5EF4-FFF2-40B4-BE49-F238E27FC236}">
+                <a16:creationId xmlns:a16="http://schemas.microsoft.com/office/drawing/2014/main" id="{49EC3548-5D18-690B-93C5-DC24F64891E9}"/>
+              </a:ext>
+            </a:extLst>
+          </p:cNvPr>
+          <p:cNvSpPr/>
+          <p:nvPr/>
+        </p:nvSpPr>
+        <p:spPr>
+          <a:xfrm>
+            <a:off x="7977052" y="0"/>
+            <a:ext cx="2020386" cy="379612"/>
+          </a:xfrm>
+          <a:prstGeom prst="rect">
+            <a:avLst/>
+          </a:prstGeom>
+        </p:spPr>
+        <p:style>
+          <a:lnRef idx="2">
+            <a:schemeClr val="accent6"/>
+          </a:lnRef>
+          <a:fillRef idx="1">
+            <a:schemeClr val="lt1"/>
+          </a:fillRef>
+          <a:effectRef idx="0">
+            <a:schemeClr val="accent6"/>
+          </a:effectRef>
+          <a:fontRef idx="minor">
+            <a:schemeClr val="dk1"/>
+          </a:fontRef>
+        </p:style>
+        <p:txBody>
+          <a:bodyPr rtlCol="0" anchor="ctr"/>
+          <a:lstStyle/>
+          <a:p>
+            <a:pPr algn="ctr"/>
+            <a:r>
+              <a:rPr lang="vi-VN" sz="1400" dirty="0">
+                <a:latin typeface="Times New Roman" panose="02020603050405020304" pitchFamily="18" charset="0"/>
+                <a:cs typeface="Times New Roman" panose="02020603050405020304" pitchFamily="18" charset="0"/>
+              </a:rPr>
+              <a:t>&lt;&lt;</a:t>
+            </a:r>
+            <a:r>
+              <a:rPr lang="en-US" sz="1400" dirty="0">
+                <a:latin typeface="Times New Roman" panose="02020603050405020304" pitchFamily="18" charset="0"/>
+                <a:cs typeface="Times New Roman" panose="02020603050405020304" pitchFamily="18" charset="0"/>
+              </a:rPr>
+              <a:t>boundary</a:t>
+            </a:r>
+            <a:r>
+              <a:rPr lang="vi-VN" sz="1400" dirty="0">
+                <a:latin typeface="Times New Roman" panose="02020603050405020304" pitchFamily="18" charset="0"/>
+                <a:cs typeface="Times New Roman" panose="02020603050405020304" pitchFamily="18" charset="0"/>
+              </a:rPr>
+              <a:t>&gt;&gt;</a:t>
+            </a:r>
+            <a:br>
+              <a:rPr lang="vi-VN" sz="1400" dirty="0">
+                <a:latin typeface="Times New Roman" panose="02020603050405020304" pitchFamily="18" charset="0"/>
+                <a:cs typeface="Times New Roman" panose="02020603050405020304" pitchFamily="18" charset="0"/>
+              </a:rPr>
+            </a:br>
+            <a:r>
+              <a:rPr lang="en-US" sz="1400" dirty="0" err="1">
+                <a:latin typeface="Times New Roman" panose="02020603050405020304" pitchFamily="18" charset="0"/>
+                <a:cs typeface="Times New Roman" panose="02020603050405020304" pitchFamily="18" charset="0"/>
+              </a:rPr>
+              <a:t>AdminUI</a:t>
+            </a:r>
+            <a:endParaRPr lang="en-US" sz="1400" dirty="0">
+              <a:latin typeface="Times New Roman" panose="02020603050405020304" pitchFamily="18" charset="0"/>
+              <a:cs typeface="Times New Roman" panose="02020603050405020304" pitchFamily="18" charset="0"/>
+            </a:endParaRPr>
+          </a:p>
+        </p:txBody>
+      </p:sp>
+      <p:sp>
+        <p:nvSpPr>
+          <p:cNvPr id="34" name="Rectangle 33">
+            <a:extLst>
+              <a:ext uri="{FF2B5EF4-FFF2-40B4-BE49-F238E27FC236}">
+                <a16:creationId xmlns:a16="http://schemas.microsoft.com/office/drawing/2014/main" id="{5BBB4CA6-A817-4184-23FE-01A6792434BB}"/>
+              </a:ext>
+            </a:extLst>
+          </p:cNvPr>
+          <p:cNvSpPr/>
+          <p:nvPr/>
+        </p:nvSpPr>
+        <p:spPr>
+          <a:xfrm>
+            <a:off x="10424161" y="379612"/>
+            <a:ext cx="1767840" cy="691542"/>
+          </a:xfrm>
+          <a:prstGeom prst="rect">
+            <a:avLst/>
+          </a:prstGeom>
+        </p:spPr>
+        <p:style>
+          <a:lnRef idx="2">
+            <a:schemeClr val="accent6"/>
+          </a:lnRef>
+          <a:fillRef idx="1">
+            <a:schemeClr val="lt1"/>
+          </a:fillRef>
+          <a:effectRef idx="0">
+            <a:schemeClr val="accent6"/>
+          </a:effectRef>
+          <a:fontRef idx="minor">
+            <a:schemeClr val="dk1"/>
+          </a:fontRef>
+        </p:style>
+        <p:txBody>
+          <a:bodyPr rtlCol="0" anchor="ctr"/>
+          <a:lstStyle/>
+          <a:p>
+            <a:pPr algn="ctr"/>
+            <a:r>
+              <a:rPr lang="vi-VN" sz="1400" dirty="0">
+                <a:latin typeface="Times New Roman" panose="02020603050405020304" pitchFamily="18" charset="0"/>
+                <a:cs typeface="Times New Roman" panose="02020603050405020304" pitchFamily="18" charset="0"/>
+              </a:rPr>
+              <a:t>submit</a:t>
+            </a:r>
+            <a:r>
+              <a:rPr lang="en-US" sz="1400" dirty="0" err="1">
+                <a:latin typeface="Times New Roman" panose="02020603050405020304" pitchFamily="18" charset="0"/>
+                <a:cs typeface="Times New Roman" panose="02020603050405020304" pitchFamily="18" charset="0"/>
+              </a:rPr>
+              <a:t>JoinRequest</a:t>
+            </a:r>
+            <a:endParaRPr lang="en-US" sz="1400" dirty="0">
+              <a:latin typeface="Times New Roman" panose="02020603050405020304" pitchFamily="18" charset="0"/>
+              <a:cs typeface="Times New Roman" panose="02020603050405020304" pitchFamily="18" charset="0"/>
+            </a:endParaRPr>
+          </a:p>
+          <a:p>
+            <a:pPr algn="ctr"/>
+            <a:r>
+              <a:rPr lang="en-US" sz="1400" dirty="0" err="1">
+                <a:latin typeface="Times New Roman" panose="02020603050405020304" pitchFamily="18" charset="0"/>
+                <a:cs typeface="Times New Roman" panose="02020603050405020304" pitchFamily="18" charset="0"/>
+              </a:rPr>
+              <a:t>showQuestions</a:t>
+            </a:r>
+            <a:endParaRPr lang="en-US" sz="1400" dirty="0">
+              <a:latin typeface="Times New Roman" panose="02020603050405020304" pitchFamily="18" charset="0"/>
+              <a:cs typeface="Times New Roman" panose="02020603050405020304" pitchFamily="18" charset="0"/>
+            </a:endParaRPr>
+          </a:p>
+          <a:p>
+            <a:pPr algn="ctr"/>
+            <a:r>
+              <a:rPr lang="en-US" sz="1400" dirty="0" err="1">
+                <a:latin typeface="Times New Roman" panose="02020603050405020304" pitchFamily="18" charset="0"/>
+                <a:cs typeface="Times New Roman" panose="02020603050405020304" pitchFamily="18" charset="0"/>
+              </a:rPr>
+              <a:t>sendAnswers</a:t>
+            </a:r>
+            <a:endParaRPr lang="en-US" sz="1400" dirty="0">
+              <a:latin typeface="Times New Roman" panose="02020603050405020304" pitchFamily="18" charset="0"/>
+              <a:cs typeface="Times New Roman" panose="02020603050405020304" pitchFamily="18" charset="0"/>
+            </a:endParaRPr>
+          </a:p>
+        </p:txBody>
+      </p:sp>
+      <p:sp>
+        <p:nvSpPr>
+          <p:cNvPr id="35" name="Rectangle 34">
+            <a:extLst>
+              <a:ext uri="{FF2B5EF4-FFF2-40B4-BE49-F238E27FC236}">
+                <a16:creationId xmlns:a16="http://schemas.microsoft.com/office/drawing/2014/main" id="{924686EE-45D2-2EE3-1C83-F496F5AB4C84}"/>
+              </a:ext>
+            </a:extLst>
+          </p:cNvPr>
+          <p:cNvSpPr/>
+          <p:nvPr/>
+        </p:nvSpPr>
+        <p:spPr>
+          <a:xfrm>
+            <a:off x="10424161" y="0"/>
+            <a:ext cx="1767840" cy="379612"/>
+          </a:xfrm>
+          <a:prstGeom prst="rect">
+            <a:avLst/>
+          </a:prstGeom>
+        </p:spPr>
+        <p:style>
+          <a:lnRef idx="2">
+            <a:schemeClr val="accent6"/>
+          </a:lnRef>
+          <a:fillRef idx="1">
+            <a:schemeClr val="lt1"/>
+          </a:fillRef>
+          <a:effectRef idx="0">
+            <a:schemeClr val="accent6"/>
+          </a:effectRef>
+          <a:fontRef idx="minor">
+            <a:schemeClr val="dk1"/>
+          </a:fontRef>
+        </p:style>
+        <p:txBody>
+          <a:bodyPr rtlCol="0" anchor="ctr"/>
+          <a:lstStyle/>
+          <a:p>
+            <a:pPr algn="ctr"/>
+            <a:r>
+              <a:rPr lang="vi-VN" sz="1400" dirty="0">
+                <a:latin typeface="Times New Roman" panose="02020603050405020304" pitchFamily="18" charset="0"/>
+                <a:cs typeface="Times New Roman" panose="02020603050405020304" pitchFamily="18" charset="0"/>
+              </a:rPr>
+              <a:t>&lt;&lt;entity&gt;&gt;</a:t>
+            </a:r>
+            <a:br>
+              <a:rPr lang="vi-VN" sz="1400" dirty="0">
+                <a:latin typeface="Times New Roman" panose="02020603050405020304" pitchFamily="18" charset="0"/>
+                <a:cs typeface="Times New Roman" panose="02020603050405020304" pitchFamily="18" charset="0"/>
+              </a:rPr>
+            </a:br>
+            <a:r>
+              <a:rPr lang="en-US" sz="1400" dirty="0">
+                <a:latin typeface="Times New Roman" panose="02020603050405020304" pitchFamily="18" charset="0"/>
+                <a:cs typeface="Times New Roman" panose="02020603050405020304" pitchFamily="18" charset="0"/>
+              </a:rPr>
+              <a:t>Join</a:t>
+            </a:r>
+            <a:r>
+              <a:rPr lang="vi-VN" sz="1400" dirty="0">
+                <a:latin typeface="Times New Roman" panose="02020603050405020304" pitchFamily="18" charset="0"/>
+                <a:cs typeface="Times New Roman" panose="02020603050405020304" pitchFamily="18" charset="0"/>
+              </a:rPr>
+              <a:t>Group</a:t>
+            </a:r>
+            <a:r>
+              <a:rPr lang="en-US" sz="1400" dirty="0">
+                <a:latin typeface="Times New Roman" panose="02020603050405020304" pitchFamily="18" charset="0"/>
+                <a:cs typeface="Times New Roman" panose="02020603050405020304" pitchFamily="18" charset="0"/>
+              </a:rPr>
+              <a:t>UI</a:t>
+            </a:r>
+          </a:p>
+        </p:txBody>
+      </p:sp>
+      <p:sp>
+        <p:nvSpPr>
+          <p:cNvPr id="36" name="Rectangle 35">
+            <a:extLst>
+              <a:ext uri="{FF2B5EF4-FFF2-40B4-BE49-F238E27FC236}">
+                <a16:creationId xmlns:a16="http://schemas.microsoft.com/office/drawing/2014/main" id="{D2DA7A98-1B06-ACBC-A078-1C9FC6D14F05}"/>
+              </a:ext>
+            </a:extLst>
+          </p:cNvPr>
+          <p:cNvSpPr/>
+          <p:nvPr/>
+        </p:nvSpPr>
+        <p:spPr>
+          <a:xfrm>
+            <a:off x="6840585" y="2923903"/>
+            <a:ext cx="2364375" cy="576943"/>
+          </a:xfrm>
+          <a:prstGeom prst="rect">
+            <a:avLst/>
+          </a:prstGeom>
+        </p:spPr>
+        <p:style>
+          <a:lnRef idx="2">
+            <a:schemeClr val="accent6"/>
+          </a:lnRef>
+          <a:fillRef idx="1">
+            <a:schemeClr val="lt1"/>
+          </a:fillRef>
+          <a:effectRef idx="0">
+            <a:schemeClr val="accent6"/>
+          </a:effectRef>
+          <a:fontRef idx="minor">
+            <a:schemeClr val="dk1"/>
+          </a:fontRef>
+        </p:style>
+        <p:txBody>
+          <a:bodyPr rtlCol="0" anchor="ctr"/>
+          <a:lstStyle/>
+          <a:p>
+            <a:pPr algn="ctr"/>
+            <a:r>
+              <a:rPr lang="en-US" sz="1400" dirty="0" err="1">
+                <a:latin typeface="Times New Roman" panose="02020603050405020304" pitchFamily="18" charset="0"/>
+                <a:cs typeface="Times New Roman" panose="02020603050405020304" pitchFamily="18" charset="0"/>
+              </a:rPr>
+              <a:t>viewPendingRequest</a:t>
+            </a:r>
+            <a:endParaRPr lang="en-US" sz="1400" dirty="0">
+              <a:latin typeface="Times New Roman" panose="02020603050405020304" pitchFamily="18" charset="0"/>
+              <a:cs typeface="Times New Roman" panose="02020603050405020304" pitchFamily="18" charset="0"/>
+            </a:endParaRPr>
+          </a:p>
+          <a:p>
+            <a:pPr algn="ctr"/>
+            <a:r>
+              <a:rPr lang="en-US" sz="1400" dirty="0" err="1">
+                <a:latin typeface="Times New Roman" panose="02020603050405020304" pitchFamily="18" charset="0"/>
+                <a:cs typeface="Times New Roman" panose="02020603050405020304" pitchFamily="18" charset="0"/>
+              </a:rPr>
+              <a:t>processRequest</a:t>
+            </a:r>
+            <a:endParaRPr lang="en-US" sz="1400" dirty="0">
+              <a:latin typeface="Times New Roman" panose="02020603050405020304" pitchFamily="18" charset="0"/>
+              <a:cs typeface="Times New Roman" panose="02020603050405020304" pitchFamily="18" charset="0"/>
+            </a:endParaRPr>
+          </a:p>
+        </p:txBody>
+      </p:sp>
+      <p:sp>
+        <p:nvSpPr>
+          <p:cNvPr id="37" name="Rectangle 36">
+            <a:extLst>
+              <a:ext uri="{FF2B5EF4-FFF2-40B4-BE49-F238E27FC236}">
+                <a16:creationId xmlns:a16="http://schemas.microsoft.com/office/drawing/2014/main" id="{530BB276-3371-6D3E-177D-A35D2E26F42C}"/>
+              </a:ext>
+            </a:extLst>
+          </p:cNvPr>
+          <p:cNvSpPr/>
+          <p:nvPr/>
+        </p:nvSpPr>
+        <p:spPr>
+          <a:xfrm>
+            <a:off x="6840585" y="2544291"/>
+            <a:ext cx="2364375" cy="379612"/>
+          </a:xfrm>
+          <a:prstGeom prst="rect">
+            <a:avLst/>
+          </a:prstGeom>
+        </p:spPr>
+        <p:style>
+          <a:lnRef idx="2">
+            <a:schemeClr val="accent6"/>
+          </a:lnRef>
+          <a:fillRef idx="1">
+            <a:schemeClr val="lt1"/>
+          </a:fillRef>
+          <a:effectRef idx="0">
+            <a:schemeClr val="accent6"/>
+          </a:effectRef>
+          <a:fontRef idx="minor">
+            <a:schemeClr val="dk1"/>
+          </a:fontRef>
+        </p:style>
+        <p:txBody>
+          <a:bodyPr rtlCol="0" anchor="ctr"/>
+          <a:lstStyle/>
+          <a:p>
+            <a:pPr algn="ctr"/>
+            <a:r>
+              <a:rPr lang="vi-VN" sz="1400" dirty="0">
+                <a:latin typeface="Times New Roman" panose="02020603050405020304" pitchFamily="18" charset="0"/>
+                <a:cs typeface="Times New Roman" panose="02020603050405020304" pitchFamily="18" charset="0"/>
+              </a:rPr>
+              <a:t>&lt;&lt;</a:t>
+            </a:r>
+            <a:r>
+              <a:rPr lang="en-US" sz="1400" dirty="0">
+                <a:latin typeface="Times New Roman" panose="02020603050405020304" pitchFamily="18" charset="0"/>
+                <a:cs typeface="Times New Roman" panose="02020603050405020304" pitchFamily="18" charset="0"/>
+              </a:rPr>
+              <a:t>Control</a:t>
+            </a:r>
+            <a:r>
+              <a:rPr lang="vi-VN" sz="1400" dirty="0">
+                <a:latin typeface="Times New Roman" panose="02020603050405020304" pitchFamily="18" charset="0"/>
+                <a:cs typeface="Times New Roman" panose="02020603050405020304" pitchFamily="18" charset="0"/>
+              </a:rPr>
+              <a:t>&gt;&gt;</a:t>
+            </a:r>
+            <a:br>
+              <a:rPr lang="vi-VN" sz="1400" dirty="0">
+                <a:latin typeface="Times New Roman" panose="02020603050405020304" pitchFamily="18" charset="0"/>
+                <a:cs typeface="Times New Roman" panose="02020603050405020304" pitchFamily="18" charset="0"/>
+              </a:rPr>
+            </a:br>
+            <a:r>
+              <a:rPr lang="en-US" sz="1400" dirty="0" err="1">
+                <a:latin typeface="Times New Roman" panose="02020603050405020304" pitchFamily="18" charset="0"/>
+                <a:cs typeface="Times New Roman" panose="02020603050405020304" pitchFamily="18" charset="0"/>
+              </a:rPr>
+              <a:t>AdminApprovalController</a:t>
+            </a:r>
+            <a:endParaRPr lang="en-US" sz="1400" dirty="0">
+              <a:latin typeface="Times New Roman" panose="02020603050405020304" pitchFamily="18" charset="0"/>
+              <a:cs typeface="Times New Roman" panose="02020603050405020304" pitchFamily="18" charset="0"/>
+            </a:endParaRPr>
+          </a:p>
+        </p:txBody>
+      </p:sp>
+      <p:sp>
+        <p:nvSpPr>
+          <p:cNvPr id="38" name="Rectangle 37">
+            <a:extLst>
+              <a:ext uri="{FF2B5EF4-FFF2-40B4-BE49-F238E27FC236}">
+                <a16:creationId xmlns:a16="http://schemas.microsoft.com/office/drawing/2014/main" id="{1595F8AC-63F8-3016-3899-566D10A9CDD4}"/>
+              </a:ext>
+            </a:extLst>
+          </p:cNvPr>
+          <p:cNvSpPr/>
+          <p:nvPr/>
+        </p:nvSpPr>
+        <p:spPr>
+          <a:xfrm>
+            <a:off x="9614825" y="2923903"/>
+            <a:ext cx="2577175" cy="576943"/>
+          </a:xfrm>
+          <a:prstGeom prst="rect">
+            <a:avLst/>
+          </a:prstGeom>
+        </p:spPr>
+        <p:style>
+          <a:lnRef idx="2">
+            <a:schemeClr val="accent6"/>
+          </a:lnRef>
+          <a:fillRef idx="1">
+            <a:schemeClr val="lt1"/>
+          </a:fillRef>
+          <a:effectRef idx="0">
+            <a:schemeClr val="accent6"/>
+          </a:effectRef>
+          <a:fontRef idx="minor">
+            <a:schemeClr val="dk1"/>
+          </a:fontRef>
+        </p:style>
+        <p:txBody>
+          <a:bodyPr rtlCol="0" anchor="ctr"/>
+          <a:lstStyle/>
+          <a:p>
+            <a:pPr algn="ctr"/>
+            <a:r>
+              <a:rPr lang="en-US" sz="1400" dirty="0" err="1">
+                <a:latin typeface="Times New Roman" panose="02020603050405020304" pitchFamily="18" charset="0"/>
+                <a:cs typeface="Times New Roman" panose="02020603050405020304" pitchFamily="18" charset="0"/>
+              </a:rPr>
+              <a:t>submitJoinRequest</a:t>
+            </a:r>
+            <a:r>
+              <a:rPr lang="en-US" sz="1400" dirty="0">
+                <a:latin typeface="Times New Roman" panose="02020603050405020304" pitchFamily="18" charset="0"/>
+                <a:cs typeface="Times New Roman" panose="02020603050405020304" pitchFamily="18" charset="0"/>
+              </a:rPr>
+              <a:t>(user, group)</a:t>
+            </a:r>
+            <a:br>
+              <a:rPr lang="en-US" sz="1400" dirty="0">
+                <a:latin typeface="Times New Roman" panose="02020603050405020304" pitchFamily="18" charset="0"/>
+                <a:cs typeface="Times New Roman" panose="02020603050405020304" pitchFamily="18" charset="0"/>
+              </a:rPr>
+            </a:br>
+            <a:r>
+              <a:rPr lang="en-US" sz="1400" dirty="0" err="1">
+                <a:latin typeface="Times New Roman" panose="02020603050405020304" pitchFamily="18" charset="0"/>
+                <a:cs typeface="Times New Roman" panose="02020603050405020304" pitchFamily="18" charset="0"/>
+              </a:rPr>
+              <a:t>answerQuestion</a:t>
+            </a:r>
+            <a:r>
+              <a:rPr lang="en-US" sz="1400" dirty="0">
+                <a:latin typeface="Times New Roman" panose="02020603050405020304" pitchFamily="18" charset="0"/>
+                <a:cs typeface="Times New Roman" panose="02020603050405020304" pitchFamily="18" charset="0"/>
+              </a:rPr>
+              <a:t>(</a:t>
+            </a:r>
+            <a:r>
+              <a:rPr lang="en-US" sz="1400" dirty="0" err="1">
+                <a:latin typeface="Times New Roman" panose="02020603050405020304" pitchFamily="18" charset="0"/>
+                <a:cs typeface="Times New Roman" panose="02020603050405020304" pitchFamily="18" charset="0"/>
+              </a:rPr>
+              <a:t>userId</a:t>
+            </a:r>
+            <a:r>
+              <a:rPr lang="en-US" sz="1400" dirty="0">
+                <a:latin typeface="Times New Roman" panose="02020603050405020304" pitchFamily="18" charset="0"/>
+                <a:cs typeface="Times New Roman" panose="02020603050405020304" pitchFamily="18" charset="0"/>
+              </a:rPr>
+              <a:t>, answer)</a:t>
+            </a:r>
+          </a:p>
+        </p:txBody>
+      </p:sp>
+      <p:sp>
+        <p:nvSpPr>
+          <p:cNvPr id="39" name="Rectangle 38">
+            <a:extLst>
+              <a:ext uri="{FF2B5EF4-FFF2-40B4-BE49-F238E27FC236}">
+                <a16:creationId xmlns:a16="http://schemas.microsoft.com/office/drawing/2014/main" id="{6E73A549-DB47-B8A2-9D53-12144146224C}"/>
+              </a:ext>
+            </a:extLst>
+          </p:cNvPr>
+          <p:cNvSpPr/>
+          <p:nvPr/>
+        </p:nvSpPr>
+        <p:spPr>
+          <a:xfrm>
+            <a:off x="9614825" y="2544291"/>
+            <a:ext cx="2577175" cy="379612"/>
+          </a:xfrm>
+          <a:prstGeom prst="rect">
+            <a:avLst/>
+          </a:prstGeom>
+        </p:spPr>
+        <p:style>
+          <a:lnRef idx="2">
+            <a:schemeClr val="accent6"/>
+          </a:lnRef>
+          <a:fillRef idx="1">
+            <a:schemeClr val="lt1"/>
+          </a:fillRef>
+          <a:effectRef idx="0">
+            <a:schemeClr val="accent6"/>
+          </a:effectRef>
+          <a:fontRef idx="minor">
+            <a:schemeClr val="dk1"/>
+          </a:fontRef>
+        </p:style>
+        <p:txBody>
+          <a:bodyPr rtlCol="0" anchor="ctr"/>
+          <a:lstStyle/>
+          <a:p>
+            <a:pPr algn="ctr"/>
+            <a:r>
+              <a:rPr lang="vi-VN" sz="1400" dirty="0">
+                <a:latin typeface="Times New Roman" panose="02020603050405020304" pitchFamily="18" charset="0"/>
+                <a:cs typeface="Times New Roman" panose="02020603050405020304" pitchFamily="18" charset="0"/>
+              </a:rPr>
+              <a:t>&lt;&lt;</a:t>
+            </a:r>
+            <a:r>
+              <a:rPr lang="en-US" sz="1400" dirty="0">
+                <a:latin typeface="Times New Roman" panose="02020603050405020304" pitchFamily="18" charset="0"/>
+                <a:cs typeface="Times New Roman" panose="02020603050405020304" pitchFamily="18" charset="0"/>
+              </a:rPr>
+              <a:t>Control</a:t>
+            </a:r>
+            <a:r>
+              <a:rPr lang="vi-VN" sz="1400" dirty="0">
+                <a:latin typeface="Times New Roman" panose="02020603050405020304" pitchFamily="18" charset="0"/>
+                <a:cs typeface="Times New Roman" panose="02020603050405020304" pitchFamily="18" charset="0"/>
+              </a:rPr>
+              <a:t>&gt;&gt;</a:t>
+            </a:r>
+            <a:br>
+              <a:rPr lang="vi-VN" sz="1400" dirty="0">
+                <a:latin typeface="Times New Roman" panose="02020603050405020304" pitchFamily="18" charset="0"/>
+                <a:cs typeface="Times New Roman" panose="02020603050405020304" pitchFamily="18" charset="0"/>
+              </a:rPr>
+            </a:br>
+            <a:r>
+              <a:rPr lang="en-US" sz="1400" dirty="0">
+                <a:latin typeface="Times New Roman" panose="02020603050405020304" pitchFamily="18" charset="0"/>
+                <a:cs typeface="Times New Roman" panose="02020603050405020304" pitchFamily="18" charset="0"/>
+              </a:rPr>
+              <a:t>Join</a:t>
+            </a:r>
+            <a:r>
+              <a:rPr lang="vi-VN" sz="1400" dirty="0">
+                <a:latin typeface="Times New Roman" panose="02020603050405020304" pitchFamily="18" charset="0"/>
+                <a:cs typeface="Times New Roman" panose="02020603050405020304" pitchFamily="18" charset="0"/>
+              </a:rPr>
+              <a:t>Group</a:t>
+            </a:r>
+            <a:r>
+              <a:rPr lang="en-US" sz="1400" dirty="0">
+                <a:latin typeface="Times New Roman" panose="02020603050405020304" pitchFamily="18" charset="0"/>
+                <a:cs typeface="Times New Roman" panose="02020603050405020304" pitchFamily="18" charset="0"/>
+              </a:rPr>
+              <a:t>Controller</a:t>
+            </a:r>
+          </a:p>
+        </p:txBody>
+      </p:sp>
+      <p:cxnSp>
+        <p:nvCxnSpPr>
+          <p:cNvPr id="40" name="Straight Arrow Connector 39">
+            <a:extLst>
+              <a:ext uri="{FF2B5EF4-FFF2-40B4-BE49-F238E27FC236}">
+                <a16:creationId xmlns:a16="http://schemas.microsoft.com/office/drawing/2014/main" id="{F74EA47E-171B-B8BF-70F0-9372396B018D}"/>
+              </a:ext>
+            </a:extLst>
+          </p:cNvPr>
+          <p:cNvCxnSpPr>
+            <a:cxnSpLocks/>
+            <a:stCxn id="37" idx="0"/>
+          </p:cNvCxnSpPr>
+          <p:nvPr/>
+        </p:nvCxnSpPr>
+        <p:spPr>
+          <a:xfrm flipH="1" flipV="1">
+            <a:off x="6523353" y="1074498"/>
+            <a:ext cx="1499420" cy="1469793"/>
+          </a:xfrm>
+          <a:prstGeom prst="straightConnector1">
+            <a:avLst/>
+          </a:prstGeom>
+          <a:ln>
+            <a:prstDash val="sysDot"/>
+            <a:tailEnd type="triangle"/>
+          </a:ln>
+        </p:spPr>
+        <p:style>
+          <a:lnRef idx="2">
+            <a:schemeClr val="accent1"/>
+          </a:lnRef>
+          <a:fillRef idx="0">
+            <a:schemeClr val="accent1"/>
+          </a:fillRef>
+          <a:effectRef idx="1">
+            <a:schemeClr val="accent1"/>
+          </a:effectRef>
+          <a:fontRef idx="minor">
+            <a:schemeClr val="tx1"/>
+          </a:fontRef>
+        </p:style>
+      </p:cxnSp>
+      <p:cxnSp>
+        <p:nvCxnSpPr>
+          <p:cNvPr id="42" name="Straight Arrow Connector 41">
+            <a:extLst>
+              <a:ext uri="{FF2B5EF4-FFF2-40B4-BE49-F238E27FC236}">
+                <a16:creationId xmlns:a16="http://schemas.microsoft.com/office/drawing/2014/main" id="{62221506-53BB-79EB-35FF-0CD418C82643}"/>
+              </a:ext>
+            </a:extLst>
+          </p:cNvPr>
+          <p:cNvCxnSpPr>
+            <a:cxnSpLocks/>
+            <a:stCxn id="34" idx="2"/>
+            <a:endCxn id="39" idx="0"/>
+          </p:cNvCxnSpPr>
+          <p:nvPr/>
+        </p:nvCxnSpPr>
+        <p:spPr>
+          <a:xfrm flipH="1">
+            <a:off x="10903413" y="1071154"/>
+            <a:ext cx="404668" cy="1473137"/>
+          </a:xfrm>
+          <a:prstGeom prst="straightConnector1">
+            <a:avLst/>
+          </a:prstGeom>
+          <a:ln>
+            <a:prstDash val="sysDot"/>
+            <a:tailEnd type="triangle"/>
+          </a:ln>
+        </p:spPr>
+        <p:style>
+          <a:lnRef idx="2">
+            <a:schemeClr val="accent1"/>
+          </a:lnRef>
+          <a:fillRef idx="0">
+            <a:schemeClr val="accent1"/>
+          </a:fillRef>
+          <a:effectRef idx="1">
+            <a:schemeClr val="accent1"/>
+          </a:effectRef>
+          <a:fontRef idx="minor">
+            <a:schemeClr val="tx1"/>
+          </a:fontRef>
+        </p:style>
+      </p:cxnSp>
+      <p:cxnSp>
+        <p:nvCxnSpPr>
+          <p:cNvPr id="43" name="Straight Arrow Connector 42">
+            <a:extLst>
+              <a:ext uri="{FF2B5EF4-FFF2-40B4-BE49-F238E27FC236}">
+                <a16:creationId xmlns:a16="http://schemas.microsoft.com/office/drawing/2014/main" id="{83C2720A-FBF9-2159-40D7-995DA236FFED}"/>
+              </a:ext>
+            </a:extLst>
+          </p:cNvPr>
+          <p:cNvCxnSpPr>
+            <a:cxnSpLocks/>
+            <a:stCxn id="32" idx="2"/>
+            <a:endCxn id="37" idx="0"/>
+          </p:cNvCxnSpPr>
+          <p:nvPr/>
+        </p:nvCxnSpPr>
+        <p:spPr>
+          <a:xfrm flipH="1">
+            <a:off x="8022773" y="1262892"/>
+            <a:ext cx="964472" cy="1281399"/>
+          </a:xfrm>
+          <a:prstGeom prst="straightConnector1">
+            <a:avLst/>
+          </a:prstGeom>
+          <a:ln>
+            <a:prstDash val="sysDot"/>
+            <a:tailEnd type="triangle"/>
+          </a:ln>
+        </p:spPr>
+        <p:style>
+          <a:lnRef idx="2">
+            <a:schemeClr val="accent1"/>
+          </a:lnRef>
+          <a:fillRef idx="0">
+            <a:schemeClr val="accent1"/>
+          </a:fillRef>
+          <a:effectRef idx="1">
+            <a:schemeClr val="accent1"/>
+          </a:effectRef>
+          <a:fontRef idx="minor">
+            <a:schemeClr val="tx1"/>
+          </a:fontRef>
+        </p:style>
+      </p:cxnSp>
+      <p:cxnSp>
+        <p:nvCxnSpPr>
+          <p:cNvPr id="47" name="Straight Arrow Connector 46">
+            <a:extLst>
+              <a:ext uri="{FF2B5EF4-FFF2-40B4-BE49-F238E27FC236}">
+                <a16:creationId xmlns:a16="http://schemas.microsoft.com/office/drawing/2014/main" id="{0AC9D0A3-EC02-CEC1-DC43-36E9E341BFE7}"/>
+              </a:ext>
+            </a:extLst>
+          </p:cNvPr>
+          <p:cNvCxnSpPr>
+            <a:cxnSpLocks/>
+            <a:endCxn id="26" idx="3"/>
+          </p:cNvCxnSpPr>
+          <p:nvPr/>
+        </p:nvCxnSpPr>
+        <p:spPr>
+          <a:xfrm flipH="1">
+            <a:off x="6096000" y="3500846"/>
+            <a:ext cx="1990452" cy="1281398"/>
+          </a:xfrm>
+          <a:prstGeom prst="straightConnector1">
+            <a:avLst/>
+          </a:prstGeom>
+          <a:ln>
+            <a:prstDash val="sysDot"/>
+            <a:tailEnd type="triangle"/>
+          </a:ln>
+        </p:spPr>
+        <p:style>
+          <a:lnRef idx="2">
+            <a:schemeClr val="accent1"/>
+          </a:lnRef>
+          <a:fillRef idx="0">
+            <a:schemeClr val="accent1"/>
+          </a:fillRef>
+          <a:effectRef idx="1">
+            <a:schemeClr val="accent1"/>
+          </a:effectRef>
+          <a:fontRef idx="minor">
+            <a:schemeClr val="tx1"/>
+          </a:fontRef>
+        </p:style>
+      </p:cxnSp>
+      <p:cxnSp>
+        <p:nvCxnSpPr>
+          <p:cNvPr id="49" name="Straight Arrow Connector 48">
+            <a:extLst>
+              <a:ext uri="{FF2B5EF4-FFF2-40B4-BE49-F238E27FC236}">
+                <a16:creationId xmlns:a16="http://schemas.microsoft.com/office/drawing/2014/main" id="{5DEC2021-8FDE-2204-2E28-DF7796AE470C}"/>
+              </a:ext>
+            </a:extLst>
+          </p:cNvPr>
+          <p:cNvCxnSpPr>
+            <a:cxnSpLocks/>
+            <a:stCxn id="38" idx="2"/>
+            <a:endCxn id="26" idx="3"/>
+          </p:cNvCxnSpPr>
+          <p:nvPr/>
+        </p:nvCxnSpPr>
+        <p:spPr>
+          <a:xfrm flipH="1">
+            <a:off x="6096000" y="3500846"/>
+            <a:ext cx="4807413" cy="1281398"/>
+          </a:xfrm>
+          <a:prstGeom prst="straightConnector1">
+            <a:avLst/>
+          </a:prstGeom>
+          <a:ln>
+            <a:prstDash val="sysDot"/>
+            <a:tailEnd type="triangle"/>
+          </a:ln>
+        </p:spPr>
+        <p:style>
+          <a:lnRef idx="2">
+            <a:schemeClr val="accent1"/>
+          </a:lnRef>
+          <a:fillRef idx="0">
+            <a:schemeClr val="accent1"/>
+          </a:fillRef>
+          <a:effectRef idx="1">
+            <a:schemeClr val="accent1"/>
+          </a:effectRef>
+          <a:fontRef idx="minor">
+            <a:schemeClr val="tx1"/>
+          </a:fontRef>
+        </p:style>
+      </p:cxnSp>
+      <p:cxnSp>
+        <p:nvCxnSpPr>
+          <p:cNvPr id="52" name="Straight Arrow Connector 51">
+            <a:extLst>
+              <a:ext uri="{FF2B5EF4-FFF2-40B4-BE49-F238E27FC236}">
+                <a16:creationId xmlns:a16="http://schemas.microsoft.com/office/drawing/2014/main" id="{AC1B2930-47DB-95EC-DFD7-1D6893F14233}"/>
+              </a:ext>
+            </a:extLst>
+          </p:cNvPr>
+          <p:cNvCxnSpPr>
+            <a:cxnSpLocks/>
+            <a:endCxn id="24" idx="3"/>
+          </p:cNvCxnSpPr>
+          <p:nvPr/>
+        </p:nvCxnSpPr>
+        <p:spPr>
+          <a:xfrm flipH="1">
+            <a:off x="6096000" y="3500846"/>
+            <a:ext cx="5013420" cy="2896688"/>
+          </a:xfrm>
+          <a:prstGeom prst="straightConnector1">
+            <a:avLst/>
+          </a:prstGeom>
+          <a:ln>
+            <a:prstDash val="sysDot"/>
+            <a:tailEnd type="triangle"/>
+          </a:ln>
+        </p:spPr>
+        <p:style>
+          <a:lnRef idx="2">
+            <a:schemeClr val="accent1"/>
+          </a:lnRef>
+          <a:fillRef idx="0">
+            <a:schemeClr val="accent1"/>
+          </a:fillRef>
+          <a:effectRef idx="1">
+            <a:schemeClr val="accent1"/>
+          </a:effectRef>
+          <a:fontRef idx="minor">
+            <a:schemeClr val="tx1"/>
+          </a:fontRef>
+        </p:style>
+      </p:cxnSp>
+      <p:cxnSp>
+        <p:nvCxnSpPr>
+          <p:cNvPr id="55" name="Straight Connector 54">
+            <a:extLst>
+              <a:ext uri="{FF2B5EF4-FFF2-40B4-BE49-F238E27FC236}">
+                <a16:creationId xmlns:a16="http://schemas.microsoft.com/office/drawing/2014/main" id="{6C3BF308-976E-5287-A084-730AAA55C792}"/>
+              </a:ext>
+            </a:extLst>
+          </p:cNvPr>
+          <p:cNvCxnSpPr>
+            <a:stCxn id="26" idx="2"/>
+            <a:endCxn id="25" idx="0"/>
+          </p:cNvCxnSpPr>
+          <p:nvPr/>
+        </p:nvCxnSpPr>
+        <p:spPr>
+          <a:xfrm>
+            <a:off x="5351418" y="5094514"/>
+            <a:ext cx="0" cy="580508"/>
+          </a:xfrm>
+          <a:prstGeom prst="line">
+            <a:avLst/>
+          </a:prstGeom>
+        </p:spPr>
+        <p:style>
+          <a:lnRef idx="2">
+            <a:schemeClr val="accent1"/>
+          </a:lnRef>
+          <a:fillRef idx="0">
+            <a:schemeClr val="accent1"/>
+          </a:fillRef>
+          <a:effectRef idx="1">
+            <a:schemeClr val="accent1"/>
+          </a:effectRef>
+          <a:fontRef idx="minor">
+            <a:schemeClr val="tx1"/>
+          </a:fontRef>
+        </p:style>
+      </p:cxnSp>
+      <p:cxnSp>
+        <p:nvCxnSpPr>
+          <p:cNvPr id="56" name="Straight Connector 55">
+            <a:extLst>
+              <a:ext uri="{FF2B5EF4-FFF2-40B4-BE49-F238E27FC236}">
+                <a16:creationId xmlns:a16="http://schemas.microsoft.com/office/drawing/2014/main" id="{87BB9C7E-5429-6E63-7530-D826572409C2}"/>
+              </a:ext>
+            </a:extLst>
+          </p:cNvPr>
+          <p:cNvCxnSpPr>
+            <a:cxnSpLocks/>
+          </p:cNvCxnSpPr>
+          <p:nvPr/>
+        </p:nvCxnSpPr>
+        <p:spPr>
+          <a:xfrm>
+            <a:off x="2995749" y="5199017"/>
+            <a:ext cx="1611086" cy="476005"/>
+          </a:xfrm>
+          <a:prstGeom prst="line">
+            <a:avLst/>
+          </a:prstGeom>
+        </p:spPr>
+        <p:style>
+          <a:lnRef idx="2">
+            <a:schemeClr val="accent1"/>
+          </a:lnRef>
+          <a:fillRef idx="0">
+            <a:schemeClr val="accent1"/>
+          </a:fillRef>
+          <a:effectRef idx="1">
+            <a:schemeClr val="accent1"/>
+          </a:effectRef>
+          <a:fontRef idx="minor">
+            <a:schemeClr val="tx1"/>
+          </a:fontRef>
+        </p:style>
+      </p:cxnSp>
+      <p:cxnSp>
+        <p:nvCxnSpPr>
+          <p:cNvPr id="58" name="Straight Connector 57">
+            <a:extLst>
+              <a:ext uri="{FF2B5EF4-FFF2-40B4-BE49-F238E27FC236}">
+                <a16:creationId xmlns:a16="http://schemas.microsoft.com/office/drawing/2014/main" id="{6FC84485-BF9A-260D-B57E-2773C53A61E4}"/>
+              </a:ext>
+            </a:extLst>
+          </p:cNvPr>
+          <p:cNvCxnSpPr>
+            <a:cxnSpLocks/>
+            <a:endCxn id="27" idx="0"/>
+          </p:cNvCxnSpPr>
+          <p:nvPr/>
+        </p:nvCxnSpPr>
+        <p:spPr>
+          <a:xfrm>
+            <a:off x="4606835" y="3727269"/>
+            <a:ext cx="744583" cy="363092"/>
+          </a:xfrm>
+          <a:prstGeom prst="line">
+            <a:avLst/>
+          </a:prstGeom>
+        </p:spPr>
+        <p:style>
+          <a:lnRef idx="2">
+            <a:schemeClr val="accent1"/>
+          </a:lnRef>
+          <a:fillRef idx="0">
+            <a:schemeClr val="accent1"/>
+          </a:fillRef>
+          <a:effectRef idx="1">
+            <a:schemeClr val="accent1"/>
+          </a:effectRef>
+          <a:fontRef idx="minor">
+            <a:schemeClr val="tx1"/>
+          </a:fontRef>
+        </p:style>
+      </p:cxnSp>
+      <p:cxnSp>
+        <p:nvCxnSpPr>
+          <p:cNvPr id="60" name="Straight Connector 59">
+            <a:extLst>
+              <a:ext uri="{FF2B5EF4-FFF2-40B4-BE49-F238E27FC236}">
+                <a16:creationId xmlns:a16="http://schemas.microsoft.com/office/drawing/2014/main" id="{343A4DE0-3608-5AFC-F2F5-43C73BF301EB}"/>
+              </a:ext>
+            </a:extLst>
+          </p:cNvPr>
+          <p:cNvCxnSpPr>
+            <a:cxnSpLocks/>
+            <a:endCxn id="27" idx="1"/>
+          </p:cNvCxnSpPr>
+          <p:nvPr/>
+        </p:nvCxnSpPr>
+        <p:spPr>
+          <a:xfrm>
+            <a:off x="2638698" y="3235234"/>
+            <a:ext cx="1968137" cy="1044933"/>
+          </a:xfrm>
+          <a:prstGeom prst="line">
+            <a:avLst/>
+          </a:prstGeom>
+        </p:spPr>
+        <p:style>
+          <a:lnRef idx="2">
+            <a:schemeClr val="accent1"/>
+          </a:lnRef>
+          <a:fillRef idx="0">
+            <a:schemeClr val="accent1"/>
+          </a:fillRef>
+          <a:effectRef idx="1">
+            <a:schemeClr val="accent1"/>
+          </a:effectRef>
+          <a:fontRef idx="minor">
+            <a:schemeClr val="tx1"/>
+          </a:fontRef>
+        </p:style>
+      </p:cxnSp>
+      <p:cxnSp>
+        <p:nvCxnSpPr>
+          <p:cNvPr id="62" name="Straight Connector 61">
+            <a:extLst>
+              <a:ext uri="{FF2B5EF4-FFF2-40B4-BE49-F238E27FC236}">
+                <a16:creationId xmlns:a16="http://schemas.microsoft.com/office/drawing/2014/main" id="{E0437E53-9CD2-B3D5-1328-E9412FC1E425}"/>
+              </a:ext>
+            </a:extLst>
+          </p:cNvPr>
+          <p:cNvCxnSpPr>
+            <a:cxnSpLocks/>
+          </p:cNvCxnSpPr>
+          <p:nvPr/>
+        </p:nvCxnSpPr>
+        <p:spPr>
+          <a:xfrm flipH="1">
+            <a:off x="1567543" y="2923903"/>
+            <a:ext cx="2294709" cy="1562590"/>
+          </a:xfrm>
+          <a:prstGeom prst="line">
+            <a:avLst/>
+          </a:prstGeom>
+        </p:spPr>
+        <p:style>
+          <a:lnRef idx="2">
+            <a:schemeClr val="accent1"/>
+          </a:lnRef>
+          <a:fillRef idx="0">
+            <a:schemeClr val="accent1"/>
+          </a:fillRef>
+          <a:effectRef idx="1">
+            <a:schemeClr val="accent1"/>
+          </a:effectRef>
+          <a:fontRef idx="minor">
+            <a:schemeClr val="tx1"/>
+          </a:fontRef>
+        </p:style>
+      </p:cxnSp>
+      <p:cxnSp>
+        <p:nvCxnSpPr>
+          <p:cNvPr id="64" name="Straight Connector 63">
+            <a:extLst>
+              <a:ext uri="{FF2B5EF4-FFF2-40B4-BE49-F238E27FC236}">
+                <a16:creationId xmlns:a16="http://schemas.microsoft.com/office/drawing/2014/main" id="{148ACE38-A979-1437-F876-A865896F62AB}"/>
+              </a:ext>
+            </a:extLst>
+          </p:cNvPr>
+          <p:cNvCxnSpPr>
+            <a:cxnSpLocks/>
+          </p:cNvCxnSpPr>
+          <p:nvPr/>
+        </p:nvCxnSpPr>
+        <p:spPr>
+          <a:xfrm flipH="1">
+            <a:off x="783772" y="3727269"/>
+            <a:ext cx="365760" cy="379612"/>
+          </a:xfrm>
+          <a:prstGeom prst="line">
+            <a:avLst/>
+          </a:prstGeom>
+        </p:spPr>
+        <p:style>
+          <a:lnRef idx="2">
+            <a:schemeClr val="accent1"/>
+          </a:lnRef>
+          <a:fillRef idx="0">
+            <a:schemeClr val="accent1"/>
+          </a:fillRef>
+          <a:effectRef idx="1">
+            <a:schemeClr val="accent1"/>
+          </a:effectRef>
+          <a:fontRef idx="minor">
+            <a:schemeClr val="tx1"/>
+          </a:fontRef>
+        </p:style>
+      </p:cxnSp>
+      <p:sp>
+        <p:nvSpPr>
+          <p:cNvPr id="66" name="Diamond 65">
+            <a:extLst>
+              <a:ext uri="{FF2B5EF4-FFF2-40B4-BE49-F238E27FC236}">
+                <a16:creationId xmlns:a16="http://schemas.microsoft.com/office/drawing/2014/main" id="{29CE8934-3C05-7B01-5F4B-E1FCEC10C9C9}"/>
+              </a:ext>
+            </a:extLst>
+          </p:cNvPr>
+          <p:cNvSpPr/>
+          <p:nvPr/>
+        </p:nvSpPr>
+        <p:spPr>
+          <a:xfrm rot="1207876">
+            <a:off x="1093319" y="3641579"/>
+            <a:ext cx="149941" cy="89023"/>
+          </a:xfrm>
+          <a:prstGeom prst="diamond">
+            <a:avLst/>
+          </a:prstGeom>
+        </p:spPr>
+        <p:style>
+          <a:lnRef idx="2">
+            <a:schemeClr val="accent1">
+              <a:shade val="15000"/>
+            </a:schemeClr>
+          </a:lnRef>
+          <a:fillRef idx="1">
+            <a:schemeClr val="accent1"/>
+          </a:fillRef>
+          <a:effectRef idx="0">
+            <a:schemeClr val="accent1"/>
+          </a:effectRef>
+          <a:fontRef idx="minor">
+            <a:schemeClr val="lt1"/>
+          </a:fontRef>
+        </p:style>
+        <p:txBody>
+          <a:bodyPr rtlCol="0" anchor="ctr"/>
+          <a:lstStyle/>
+          <a:p>
+            <a:pPr algn="ctr"/>
+            <a:endParaRPr lang="en-US"/>
+          </a:p>
+        </p:txBody>
+      </p:sp>
+      <p:sp>
+        <p:nvSpPr>
+          <p:cNvPr id="67" name="TextBox 66">
+            <a:extLst>
+              <a:ext uri="{FF2B5EF4-FFF2-40B4-BE49-F238E27FC236}">
+                <a16:creationId xmlns:a16="http://schemas.microsoft.com/office/drawing/2014/main" id="{D715EBE7-1D9E-9B9F-B341-A9579E5E7B23}"/>
+              </a:ext>
+            </a:extLst>
+          </p:cNvPr>
+          <p:cNvSpPr txBox="1"/>
+          <p:nvPr/>
+        </p:nvSpPr>
+        <p:spPr>
+          <a:xfrm>
+            <a:off x="1513656" y="4384669"/>
+            <a:ext cx="453970" cy="307777"/>
+          </a:xfrm>
+          <a:prstGeom prst="rect">
+            <a:avLst/>
+          </a:prstGeom>
+          <a:noFill/>
+        </p:spPr>
+        <p:txBody>
+          <a:bodyPr wrap="none" rtlCol="0">
+            <a:spAutoFit/>
+          </a:bodyPr>
+          <a:lstStyle/>
+          <a:p>
+            <a:r>
+              <a:rPr lang="en-US" sz="1400" dirty="0">
+                <a:latin typeface="Times New Roman" panose="02020603050405020304" pitchFamily="18" charset="0"/>
+                <a:cs typeface="Times New Roman" panose="02020603050405020304" pitchFamily="18" charset="0"/>
+              </a:rPr>
+              <a:t>0..*</a:t>
+            </a:r>
+          </a:p>
+        </p:txBody>
+      </p:sp>
+      <p:sp>
+        <p:nvSpPr>
+          <p:cNvPr id="68" name="TextBox 67">
+            <a:extLst>
+              <a:ext uri="{FF2B5EF4-FFF2-40B4-BE49-F238E27FC236}">
+                <a16:creationId xmlns:a16="http://schemas.microsoft.com/office/drawing/2014/main" id="{9E9BFCBC-D78E-8797-A398-9D4B201E826A}"/>
+              </a:ext>
+            </a:extLst>
+          </p:cNvPr>
+          <p:cNvSpPr txBox="1"/>
+          <p:nvPr/>
+        </p:nvSpPr>
+        <p:spPr>
+          <a:xfrm>
+            <a:off x="5317145" y="5111829"/>
+            <a:ext cx="274434" cy="307777"/>
+          </a:xfrm>
+          <a:prstGeom prst="rect">
+            <a:avLst/>
+          </a:prstGeom>
+          <a:noFill/>
+        </p:spPr>
+        <p:txBody>
+          <a:bodyPr wrap="none" rtlCol="0">
+            <a:spAutoFit/>
+          </a:bodyPr>
+          <a:lstStyle/>
+          <a:p>
+            <a:r>
+              <a:rPr lang="en-US" sz="1400" dirty="0">
+                <a:latin typeface="Times New Roman" panose="02020603050405020304" pitchFamily="18" charset="0"/>
+                <a:cs typeface="Times New Roman" panose="02020603050405020304" pitchFamily="18" charset="0"/>
+              </a:rPr>
+              <a:t>1</a:t>
+            </a:r>
+          </a:p>
+        </p:txBody>
+      </p:sp>
+      <p:sp>
+        <p:nvSpPr>
+          <p:cNvPr id="69" name="TextBox 68">
+            <a:extLst>
+              <a:ext uri="{FF2B5EF4-FFF2-40B4-BE49-F238E27FC236}">
+                <a16:creationId xmlns:a16="http://schemas.microsoft.com/office/drawing/2014/main" id="{849A2FA5-7F7C-F9FC-0665-04F8BC933210}"/>
+              </a:ext>
+            </a:extLst>
+          </p:cNvPr>
+          <p:cNvSpPr txBox="1"/>
+          <p:nvPr/>
+        </p:nvSpPr>
+        <p:spPr>
+          <a:xfrm>
+            <a:off x="4119494" y="5617037"/>
+            <a:ext cx="453970" cy="307777"/>
+          </a:xfrm>
+          <a:prstGeom prst="rect">
+            <a:avLst/>
+          </a:prstGeom>
+          <a:noFill/>
+        </p:spPr>
+        <p:txBody>
+          <a:bodyPr wrap="none" rtlCol="0">
+            <a:spAutoFit/>
+          </a:bodyPr>
+          <a:lstStyle/>
+          <a:p>
+            <a:r>
+              <a:rPr lang="en-US" sz="1400" dirty="0">
+                <a:latin typeface="Times New Roman" panose="02020603050405020304" pitchFamily="18" charset="0"/>
+                <a:cs typeface="Times New Roman" panose="02020603050405020304" pitchFamily="18" charset="0"/>
+              </a:rPr>
+              <a:t>0..*</a:t>
+            </a:r>
+          </a:p>
+        </p:txBody>
+      </p:sp>
+      <p:sp>
+        <p:nvSpPr>
+          <p:cNvPr id="70" name="TextBox 69">
+            <a:extLst>
+              <a:ext uri="{FF2B5EF4-FFF2-40B4-BE49-F238E27FC236}">
+                <a16:creationId xmlns:a16="http://schemas.microsoft.com/office/drawing/2014/main" id="{6B041AD9-7721-3A46-26A6-B63518278A2D}"/>
+              </a:ext>
+            </a:extLst>
+          </p:cNvPr>
+          <p:cNvSpPr txBox="1"/>
+          <p:nvPr/>
+        </p:nvSpPr>
+        <p:spPr>
+          <a:xfrm>
+            <a:off x="2755589" y="5204251"/>
+            <a:ext cx="453970" cy="307777"/>
+          </a:xfrm>
+          <a:prstGeom prst="rect">
+            <a:avLst/>
+          </a:prstGeom>
+          <a:noFill/>
+        </p:spPr>
+        <p:txBody>
+          <a:bodyPr wrap="none" rtlCol="0">
+            <a:spAutoFit/>
+          </a:bodyPr>
+          <a:lstStyle/>
+          <a:p>
+            <a:r>
+              <a:rPr lang="en-US" sz="1400" dirty="0">
+                <a:latin typeface="Times New Roman" panose="02020603050405020304" pitchFamily="18" charset="0"/>
+                <a:cs typeface="Times New Roman" panose="02020603050405020304" pitchFamily="18" charset="0"/>
+              </a:rPr>
+              <a:t>0..1</a:t>
+            </a:r>
+          </a:p>
+        </p:txBody>
+      </p:sp>
+      <p:sp>
+        <p:nvSpPr>
+          <p:cNvPr id="71" name="TextBox 70">
+            <a:extLst>
+              <a:ext uri="{FF2B5EF4-FFF2-40B4-BE49-F238E27FC236}">
+                <a16:creationId xmlns:a16="http://schemas.microsoft.com/office/drawing/2014/main" id="{F38865A3-5582-63CB-D771-3B7F64EF1E21}"/>
+              </a:ext>
+            </a:extLst>
+          </p:cNvPr>
+          <p:cNvSpPr txBox="1"/>
+          <p:nvPr/>
+        </p:nvSpPr>
+        <p:spPr>
+          <a:xfrm>
+            <a:off x="5317145" y="3818501"/>
+            <a:ext cx="453970" cy="307777"/>
+          </a:xfrm>
+          <a:prstGeom prst="rect">
+            <a:avLst/>
+          </a:prstGeom>
+          <a:noFill/>
+        </p:spPr>
+        <p:txBody>
+          <a:bodyPr wrap="none" rtlCol="0">
+            <a:spAutoFit/>
+          </a:bodyPr>
+          <a:lstStyle/>
+          <a:p>
+            <a:r>
+              <a:rPr lang="en-US" sz="1400" dirty="0">
+                <a:latin typeface="Times New Roman" panose="02020603050405020304" pitchFamily="18" charset="0"/>
+                <a:cs typeface="Times New Roman" panose="02020603050405020304" pitchFamily="18" charset="0"/>
+              </a:rPr>
+              <a:t>0..*</a:t>
+            </a:r>
+          </a:p>
+        </p:txBody>
+      </p:sp>
+      <p:sp>
+        <p:nvSpPr>
+          <p:cNvPr id="72" name="TextBox 71">
+            <a:extLst>
+              <a:ext uri="{FF2B5EF4-FFF2-40B4-BE49-F238E27FC236}">
+                <a16:creationId xmlns:a16="http://schemas.microsoft.com/office/drawing/2014/main" id="{37E9204B-8667-0C41-4D45-F5861E30B5B8}"/>
+              </a:ext>
+            </a:extLst>
+          </p:cNvPr>
+          <p:cNvSpPr txBox="1"/>
+          <p:nvPr/>
+        </p:nvSpPr>
+        <p:spPr>
+          <a:xfrm>
+            <a:off x="4415731" y="3691352"/>
+            <a:ext cx="274434" cy="307777"/>
+          </a:xfrm>
+          <a:prstGeom prst="rect">
+            <a:avLst/>
+          </a:prstGeom>
+          <a:noFill/>
+        </p:spPr>
+        <p:txBody>
+          <a:bodyPr wrap="none" rtlCol="0">
+            <a:spAutoFit/>
+          </a:bodyPr>
+          <a:lstStyle/>
+          <a:p>
+            <a:r>
+              <a:rPr lang="en-US" sz="1400" dirty="0">
+                <a:latin typeface="Times New Roman" panose="02020603050405020304" pitchFamily="18" charset="0"/>
+                <a:cs typeface="Times New Roman" panose="02020603050405020304" pitchFamily="18" charset="0"/>
+              </a:rPr>
+              <a:t>1</a:t>
+            </a:r>
+          </a:p>
+        </p:txBody>
+      </p:sp>
+      <p:sp>
+        <p:nvSpPr>
+          <p:cNvPr id="73" name="TextBox 72">
+            <a:extLst>
+              <a:ext uri="{FF2B5EF4-FFF2-40B4-BE49-F238E27FC236}">
+                <a16:creationId xmlns:a16="http://schemas.microsoft.com/office/drawing/2014/main" id="{2121A016-5422-6FA5-85FD-DFAA2582D902}"/>
+              </a:ext>
+            </a:extLst>
+          </p:cNvPr>
+          <p:cNvSpPr txBox="1"/>
+          <p:nvPr/>
+        </p:nvSpPr>
+        <p:spPr>
+          <a:xfrm>
+            <a:off x="4184469" y="4230781"/>
+            <a:ext cx="453970" cy="307777"/>
+          </a:xfrm>
+          <a:prstGeom prst="rect">
+            <a:avLst/>
+          </a:prstGeom>
+          <a:noFill/>
+        </p:spPr>
+        <p:txBody>
+          <a:bodyPr wrap="none" rtlCol="0">
+            <a:spAutoFit/>
+          </a:bodyPr>
+          <a:lstStyle/>
+          <a:p>
+            <a:r>
+              <a:rPr lang="en-US" sz="1400" dirty="0">
+                <a:latin typeface="Times New Roman" panose="02020603050405020304" pitchFamily="18" charset="0"/>
+                <a:cs typeface="Times New Roman" panose="02020603050405020304" pitchFamily="18" charset="0"/>
+              </a:rPr>
+              <a:t>0..*</a:t>
+            </a:r>
+          </a:p>
+        </p:txBody>
+      </p:sp>
+      <p:sp>
+        <p:nvSpPr>
+          <p:cNvPr id="74" name="TextBox 73">
+            <a:extLst>
+              <a:ext uri="{FF2B5EF4-FFF2-40B4-BE49-F238E27FC236}">
+                <a16:creationId xmlns:a16="http://schemas.microsoft.com/office/drawing/2014/main" id="{22EBC127-1B4A-8122-72D0-252E62DD50DA}"/>
+              </a:ext>
+            </a:extLst>
+          </p:cNvPr>
+          <p:cNvSpPr txBox="1"/>
+          <p:nvPr/>
+        </p:nvSpPr>
+        <p:spPr>
+          <a:xfrm>
+            <a:off x="2577175" y="2969911"/>
+            <a:ext cx="453970" cy="307777"/>
+          </a:xfrm>
+          <a:prstGeom prst="rect">
+            <a:avLst/>
+          </a:prstGeom>
+          <a:noFill/>
+        </p:spPr>
+        <p:txBody>
+          <a:bodyPr wrap="square" rtlCol="0">
+            <a:spAutoFit/>
+          </a:bodyPr>
+          <a:lstStyle/>
+          <a:p>
+            <a:r>
+              <a:rPr lang="en-US" sz="1400" dirty="0">
+                <a:latin typeface="Times New Roman" panose="02020603050405020304" pitchFamily="18" charset="0"/>
+                <a:cs typeface="Times New Roman" panose="02020603050405020304" pitchFamily="18" charset="0"/>
+              </a:rPr>
+              <a:t>1</a:t>
+            </a:r>
+          </a:p>
+        </p:txBody>
+      </p:sp>
+      <p:sp>
+        <p:nvSpPr>
+          <p:cNvPr id="75" name="TextBox 74">
+            <a:extLst>
+              <a:ext uri="{FF2B5EF4-FFF2-40B4-BE49-F238E27FC236}">
+                <a16:creationId xmlns:a16="http://schemas.microsoft.com/office/drawing/2014/main" id="{B53942C0-B80B-EA39-E04F-10E4EEACBFAA}"/>
+              </a:ext>
+            </a:extLst>
+          </p:cNvPr>
+          <p:cNvSpPr txBox="1"/>
+          <p:nvPr/>
+        </p:nvSpPr>
+        <p:spPr>
+          <a:xfrm>
+            <a:off x="5337793" y="5463148"/>
+            <a:ext cx="453970" cy="307777"/>
+          </a:xfrm>
+          <a:prstGeom prst="rect">
+            <a:avLst/>
+          </a:prstGeom>
+          <a:noFill/>
+        </p:spPr>
+        <p:txBody>
+          <a:bodyPr wrap="none" rtlCol="0">
+            <a:spAutoFit/>
+          </a:bodyPr>
+          <a:lstStyle/>
+          <a:p>
+            <a:r>
+              <a:rPr lang="en-US" sz="1400" dirty="0">
+                <a:latin typeface="Times New Roman" panose="02020603050405020304" pitchFamily="18" charset="0"/>
+                <a:cs typeface="Times New Roman" panose="02020603050405020304" pitchFamily="18" charset="0"/>
+              </a:rPr>
+              <a:t>0..*</a:t>
+            </a:r>
+          </a:p>
+        </p:txBody>
+      </p:sp>
+      <p:sp>
+        <p:nvSpPr>
+          <p:cNvPr id="76" name="TextBox 75">
+            <a:extLst>
+              <a:ext uri="{FF2B5EF4-FFF2-40B4-BE49-F238E27FC236}">
+                <a16:creationId xmlns:a16="http://schemas.microsoft.com/office/drawing/2014/main" id="{648E295F-6DDA-86A8-E934-C85E34B9B653}"/>
+              </a:ext>
+            </a:extLst>
+          </p:cNvPr>
+          <p:cNvSpPr txBox="1"/>
+          <p:nvPr/>
+        </p:nvSpPr>
+        <p:spPr>
+          <a:xfrm>
+            <a:off x="3585584" y="2689753"/>
+            <a:ext cx="274434" cy="307777"/>
+          </a:xfrm>
+          <a:prstGeom prst="rect">
+            <a:avLst/>
+          </a:prstGeom>
+          <a:noFill/>
+        </p:spPr>
+        <p:txBody>
+          <a:bodyPr wrap="none" rtlCol="0">
+            <a:spAutoFit/>
+          </a:bodyPr>
+          <a:lstStyle/>
+          <a:p>
+            <a:r>
+              <a:rPr lang="en-US" sz="1400" dirty="0">
+                <a:latin typeface="Times New Roman" panose="02020603050405020304" pitchFamily="18" charset="0"/>
+                <a:cs typeface="Times New Roman" panose="02020603050405020304" pitchFamily="18" charset="0"/>
+              </a:rPr>
+              <a:t>1</a:t>
+            </a:r>
+          </a:p>
+        </p:txBody>
+      </p:sp>
+      <p:sp>
+        <p:nvSpPr>
+          <p:cNvPr id="77" name="TextBox 76">
+            <a:extLst>
+              <a:ext uri="{FF2B5EF4-FFF2-40B4-BE49-F238E27FC236}">
+                <a16:creationId xmlns:a16="http://schemas.microsoft.com/office/drawing/2014/main" id="{51FA45E7-1338-270C-E92E-047F2A9639E8}"/>
+              </a:ext>
+            </a:extLst>
+          </p:cNvPr>
+          <p:cNvSpPr txBox="1"/>
+          <p:nvPr/>
+        </p:nvSpPr>
+        <p:spPr>
+          <a:xfrm>
+            <a:off x="488224" y="3845240"/>
+            <a:ext cx="453970" cy="307777"/>
+          </a:xfrm>
+          <a:prstGeom prst="rect">
+            <a:avLst/>
+          </a:prstGeom>
+          <a:noFill/>
+        </p:spPr>
+        <p:txBody>
+          <a:bodyPr wrap="none" rtlCol="0">
+            <a:spAutoFit/>
+          </a:bodyPr>
+          <a:lstStyle/>
+          <a:p>
+            <a:r>
+              <a:rPr lang="en-US" sz="1400" dirty="0">
+                <a:latin typeface="Times New Roman" panose="02020603050405020304" pitchFamily="18" charset="0"/>
+                <a:cs typeface="Times New Roman" panose="02020603050405020304" pitchFamily="18" charset="0"/>
+              </a:rPr>
+              <a:t>0..*</a:t>
+            </a:r>
+          </a:p>
+        </p:txBody>
+      </p:sp>
+      <p:sp>
+        <p:nvSpPr>
+          <p:cNvPr id="78" name="TextBox 77">
+            <a:extLst>
+              <a:ext uri="{FF2B5EF4-FFF2-40B4-BE49-F238E27FC236}">
+                <a16:creationId xmlns:a16="http://schemas.microsoft.com/office/drawing/2014/main" id="{7271446B-E68C-2965-8CBF-F486E59EC74F}"/>
+              </a:ext>
+            </a:extLst>
+          </p:cNvPr>
+          <p:cNvSpPr txBox="1"/>
+          <p:nvPr/>
+        </p:nvSpPr>
+        <p:spPr>
+          <a:xfrm>
+            <a:off x="1264640" y="3660210"/>
+            <a:ext cx="274434" cy="307777"/>
+          </a:xfrm>
+          <a:prstGeom prst="rect">
+            <a:avLst/>
+          </a:prstGeom>
+          <a:noFill/>
+        </p:spPr>
+        <p:txBody>
+          <a:bodyPr wrap="none" rtlCol="0">
+            <a:spAutoFit/>
+          </a:bodyPr>
+          <a:lstStyle/>
+          <a:p>
+            <a:r>
+              <a:rPr lang="en-US" sz="1400" dirty="0">
+                <a:latin typeface="Times New Roman" panose="02020603050405020304" pitchFamily="18" charset="0"/>
+                <a:cs typeface="Times New Roman" panose="02020603050405020304" pitchFamily="18" charset="0"/>
+              </a:rPr>
+              <a:t>1</a:t>
+            </a:r>
+          </a:p>
+        </p:txBody>
+      </p:sp>
+      <p:cxnSp>
+        <p:nvCxnSpPr>
+          <p:cNvPr id="9" name="Straight Connector 8">
+            <a:extLst>
+              <a:ext uri="{FF2B5EF4-FFF2-40B4-BE49-F238E27FC236}">
+                <a16:creationId xmlns:a16="http://schemas.microsoft.com/office/drawing/2014/main" id="{91D899E9-B9E5-A9B4-6695-603EEF2EEA2B}"/>
+              </a:ext>
+            </a:extLst>
+          </p:cNvPr>
+          <p:cNvCxnSpPr/>
+          <p:nvPr/>
+        </p:nvCxnSpPr>
+        <p:spPr>
+          <a:xfrm>
+            <a:off x="1168289" y="3212374"/>
+            <a:ext cx="1470407" cy="0"/>
+          </a:xfrm>
+          <a:prstGeom prst="line">
+            <a:avLst/>
+          </a:prstGeom>
+        </p:spPr>
+        <p:style>
+          <a:lnRef idx="2">
+            <a:schemeClr val="accent1"/>
+          </a:lnRef>
+          <a:fillRef idx="0">
+            <a:schemeClr val="accent1"/>
+          </a:fillRef>
+          <a:effectRef idx="1">
+            <a:schemeClr val="accent1"/>
+          </a:effectRef>
+          <a:fontRef idx="minor">
+            <a:schemeClr val="tx1"/>
+          </a:fontRef>
+        </p:style>
+      </p:cxnSp>
+      <p:cxnSp>
+        <p:nvCxnSpPr>
+          <p:cNvPr id="10" name="Straight Connector 9">
+            <a:extLst>
+              <a:ext uri="{FF2B5EF4-FFF2-40B4-BE49-F238E27FC236}">
+                <a16:creationId xmlns:a16="http://schemas.microsoft.com/office/drawing/2014/main" id="{658C9621-F5B7-540E-8849-2C365470FD9E}"/>
+              </a:ext>
+            </a:extLst>
+          </p:cNvPr>
+          <p:cNvCxnSpPr>
+            <a:cxnSpLocks/>
+          </p:cNvCxnSpPr>
+          <p:nvPr/>
+        </p:nvCxnSpPr>
+        <p:spPr>
+          <a:xfrm>
+            <a:off x="2218234" y="4897483"/>
+            <a:ext cx="1509035" cy="0"/>
+          </a:xfrm>
+          <a:prstGeom prst="line">
+            <a:avLst/>
+          </a:prstGeom>
+        </p:spPr>
+        <p:style>
+          <a:lnRef idx="2">
+            <a:schemeClr val="accent1"/>
+          </a:lnRef>
+          <a:fillRef idx="0">
+            <a:schemeClr val="accent1"/>
+          </a:fillRef>
+          <a:effectRef idx="1">
+            <a:schemeClr val="accent1"/>
+          </a:effectRef>
+          <a:fontRef idx="minor">
+            <a:schemeClr val="tx1"/>
+          </a:fontRef>
+        </p:style>
+      </p:cxnSp>
+      <p:cxnSp>
+        <p:nvCxnSpPr>
+          <p:cNvPr id="12" name="Straight Arrow Connector 11">
+            <a:extLst>
+              <a:ext uri="{FF2B5EF4-FFF2-40B4-BE49-F238E27FC236}">
+                <a16:creationId xmlns:a16="http://schemas.microsoft.com/office/drawing/2014/main" id="{3E79ABCF-CDDC-5A53-4944-EC9A5E7D303C}"/>
+              </a:ext>
+            </a:extLst>
+          </p:cNvPr>
+          <p:cNvCxnSpPr>
+            <a:cxnSpLocks/>
+            <a:endCxn id="30" idx="2"/>
+          </p:cNvCxnSpPr>
+          <p:nvPr/>
+        </p:nvCxnSpPr>
+        <p:spPr>
+          <a:xfrm flipH="1" flipV="1">
+            <a:off x="6574972" y="1071154"/>
+            <a:ext cx="4296837" cy="1456616"/>
+          </a:xfrm>
+          <a:prstGeom prst="straightConnector1">
+            <a:avLst/>
+          </a:prstGeom>
+          <a:ln>
+            <a:prstDash val="sysDot"/>
+            <a:tailEnd type="triangle"/>
+          </a:ln>
+        </p:spPr>
+        <p:style>
+          <a:lnRef idx="2">
+            <a:schemeClr val="accent1"/>
+          </a:lnRef>
+          <a:fillRef idx="0">
+            <a:schemeClr val="accent1"/>
+          </a:fillRef>
+          <a:effectRef idx="1">
+            <a:schemeClr val="accent1"/>
+          </a:effectRef>
+          <a:fontRef idx="minor">
+            <a:schemeClr val="tx1"/>
+          </a:fontRef>
+        </p:style>
+      </p:cxnSp>
+    </p:spTree>
+    <p:extLst>
+      <p:ext uri="{BB962C8B-B14F-4D97-AF65-F5344CB8AC3E}">
+        <p14:creationId xmlns:p14="http://schemas.microsoft.com/office/powerpoint/2010/main" val="1164546245"/>
+      </p:ext>
+    </p:extLst>
+  </p:cSld>
+  <p:clrMapOvr>
+    <a:masterClrMapping/>
+  </p:clrMapOvr>
+</p:sld>
+</file>
+
+<file path=ppt/slides/slide3.xml><?xml version="1.0" encoding="utf-8"?>
+<p:sld xmlns:a="http://schemas.openxmlformats.org/drawingml/2006/main" xmlns:r="http://schemas.openxmlformats.org/officeDocument/2006/relationships" xmlns:p="http://schemas.openxmlformats.org/presentationml/2006/main">
+  <p:cSld>
+    <p:spTree>
+      <p:nvGrpSpPr>
+        <p:cNvPr id="1" name=""/>
+        <p:cNvGrpSpPr/>
+        <p:nvPr/>
+      </p:nvGrpSpPr>
+      <p:grpSpPr>
+        <a:xfrm>
+          <a:off x="0" y="0"/>
+          <a:ext cx="0" cy="0"/>
+          <a:chOff x="0" y="0"/>
+          <a:chExt cx="0" cy="0"/>
+        </a:xfrm>
+      </p:grpSpPr>
+      <p:sp>
+        <p:nvSpPr>
+          <p:cNvPr id="7" name="TextBox 6">
+            <a:extLst>
+              <a:ext uri="{FF2B5EF4-FFF2-40B4-BE49-F238E27FC236}">
+                <a16:creationId xmlns:a16="http://schemas.microsoft.com/office/drawing/2014/main" id="{AF3CBAA7-7094-A120-7F6C-FE8BD1C43903}"/>
+              </a:ext>
+            </a:extLst>
+          </p:cNvPr>
+          <p:cNvSpPr txBox="1"/>
+          <p:nvPr/>
+        </p:nvSpPr>
+        <p:spPr>
+          <a:xfrm>
+            <a:off x="905691" y="452846"/>
+            <a:ext cx="8594084" cy="5909310"/>
+          </a:xfrm>
+          <a:prstGeom prst="rect">
+            <a:avLst/>
+          </a:prstGeom>
+          <a:noFill/>
+        </p:spPr>
+        <p:txBody>
+          <a:bodyPr wrap="none" rtlCol="0">
+            <a:spAutoFit/>
+          </a:bodyPr>
+          <a:lstStyle/>
+          <a:p>
+            <a:r>
+              <a:rPr lang="vi-VN" dirty="0"/>
+              <a:t>User và GroupMembership: Mỗi người dùng có thể là thành viên của nhiều nhóm.</a:t>
+            </a:r>
+          </a:p>
+          <a:p>
+            <a:endParaRPr lang="vi-VN" dirty="0"/>
+          </a:p>
+          <a:p>
+            <a:r>
+              <a:rPr lang="vi-VN" dirty="0"/>
+              <a:t>Group và GroupMembership: Mỗi nhóm có thể có nhiều thành viên.</a:t>
+            </a:r>
+          </a:p>
+          <a:p>
+            <a:endParaRPr lang="vi-VN" dirty="0"/>
+          </a:p>
+          <a:p>
+            <a:r>
+              <a:rPr lang="vi-VN" dirty="0"/>
+              <a:t>User và JoinRequest: Người dùng có thể gửi nhiều yêu cầu tham gia.</a:t>
+            </a:r>
+          </a:p>
+          <a:p>
+            <a:endParaRPr lang="vi-VN" dirty="0"/>
+          </a:p>
+          <a:p>
+            <a:r>
+              <a:rPr lang="vi-VN" dirty="0"/>
+              <a:t>Group và JoinRequest: Mỗi nhóm có thể nhận nhiều yêu cầu.</a:t>
+            </a:r>
+          </a:p>
+          <a:p>
+            <a:endParaRPr lang="vi-VN" dirty="0"/>
+          </a:p>
+          <a:p>
+            <a:r>
+              <a:rPr lang="vi-VN" dirty="0"/>
+              <a:t>JoinRequest và JoinAnswer: Mỗi yêu cầu có thể đi kèm các câu trả lời.</a:t>
+            </a:r>
+          </a:p>
+          <a:p>
+            <a:endParaRPr lang="vi-VN" dirty="0"/>
+          </a:p>
+          <a:p>
+            <a:r>
+              <a:rPr lang="vi-VN" dirty="0"/>
+              <a:t>JoinQuestion và JoinAnswer: Mỗi câu hỏi có thể có nhiều câu trả lời từ nhiều user.</a:t>
+            </a:r>
+            <a:endParaRPr lang="en-US" dirty="0"/>
+          </a:p>
+          <a:p>
+            <a:endParaRPr lang="en-US" dirty="0"/>
+          </a:p>
+          <a:p>
+            <a:r>
+              <a:rPr lang="en-US" dirty="0" err="1"/>
+              <a:t>JoinGroupUI</a:t>
+            </a:r>
+            <a:r>
+              <a:rPr lang="en-US" dirty="0"/>
+              <a:t> → </a:t>
+            </a:r>
+            <a:r>
+              <a:rPr lang="en-US" dirty="0" err="1"/>
+              <a:t>gọi</a:t>
+            </a:r>
+            <a:r>
+              <a:rPr lang="en-US" dirty="0"/>
+              <a:t> </a:t>
+            </a:r>
+            <a:r>
+              <a:rPr lang="en-US" dirty="0" err="1"/>
+              <a:t>tới</a:t>
+            </a:r>
+            <a:r>
+              <a:rPr lang="en-US" dirty="0"/>
+              <a:t> </a:t>
+            </a:r>
+            <a:r>
+              <a:rPr lang="en-US" dirty="0" err="1"/>
+              <a:t>JoinGroupController</a:t>
+            </a:r>
+            <a:endParaRPr lang="en-US" dirty="0"/>
+          </a:p>
+          <a:p>
+            <a:endParaRPr lang="en-US" dirty="0"/>
+          </a:p>
+          <a:p>
+            <a:r>
+              <a:rPr lang="en-US" dirty="0" err="1"/>
+              <a:t>AdminUI</a:t>
+            </a:r>
+            <a:r>
+              <a:rPr lang="en-US" dirty="0"/>
+              <a:t> → </a:t>
+            </a:r>
+            <a:r>
+              <a:rPr lang="en-US" dirty="0" err="1"/>
+              <a:t>gọi</a:t>
+            </a:r>
+            <a:r>
+              <a:rPr lang="en-US" dirty="0"/>
+              <a:t> </a:t>
+            </a:r>
+            <a:r>
+              <a:rPr lang="en-US" dirty="0" err="1"/>
+              <a:t>tới</a:t>
+            </a:r>
+            <a:r>
+              <a:rPr lang="en-US" dirty="0"/>
+              <a:t> </a:t>
+            </a:r>
+            <a:r>
+              <a:rPr lang="en-US" dirty="0" err="1"/>
+              <a:t>AdminApprovalController</a:t>
+            </a:r>
+            <a:endParaRPr lang="en-US" dirty="0"/>
+          </a:p>
+          <a:p>
+            <a:endParaRPr lang="en-US" dirty="0"/>
+          </a:p>
+          <a:p>
+            <a:r>
+              <a:rPr lang="en-US" dirty="0" err="1"/>
+              <a:t>JoinGroupController</a:t>
+            </a:r>
+            <a:r>
+              <a:rPr lang="en-US" dirty="0"/>
+              <a:t> → </a:t>
+            </a:r>
+            <a:r>
+              <a:rPr lang="en-US" dirty="0" err="1"/>
+              <a:t>tạo</a:t>
+            </a:r>
+            <a:r>
+              <a:rPr lang="en-US" dirty="0"/>
+              <a:t> </a:t>
+            </a:r>
+            <a:r>
+              <a:rPr lang="en-US" dirty="0" err="1"/>
+              <a:t>JoinRequest</a:t>
+            </a:r>
+            <a:r>
+              <a:rPr lang="en-US" dirty="0"/>
+              <a:t>, </a:t>
+            </a:r>
+            <a:r>
+              <a:rPr lang="en-US" dirty="0" err="1"/>
+              <a:t>JoinAnswer</a:t>
+            </a:r>
+            <a:endParaRPr lang="en-US" dirty="0"/>
+          </a:p>
+          <a:p>
+            <a:endParaRPr lang="en-US" dirty="0"/>
+          </a:p>
+          <a:p>
+            <a:r>
+              <a:rPr lang="en-US" dirty="0" err="1"/>
+              <a:t>AdminApprovalController</a:t>
+            </a:r>
+            <a:r>
+              <a:rPr lang="en-US" dirty="0"/>
+              <a:t> → </a:t>
+            </a:r>
+            <a:r>
+              <a:rPr lang="en-US" dirty="0" err="1"/>
+              <a:t>cập</a:t>
+            </a:r>
+            <a:r>
+              <a:rPr lang="en-US" dirty="0"/>
+              <a:t> </a:t>
+            </a:r>
+            <a:r>
+              <a:rPr lang="en-US" dirty="0" err="1"/>
+              <a:t>nhật</a:t>
+            </a:r>
+            <a:r>
+              <a:rPr lang="en-US" dirty="0"/>
+              <a:t> </a:t>
+            </a:r>
+            <a:r>
+              <a:rPr lang="en-US" dirty="0" err="1"/>
+              <a:t>JoinRequest</a:t>
+            </a:r>
+            <a:endParaRPr lang="en-US" dirty="0"/>
+          </a:p>
+          <a:p>
+            <a:endParaRPr lang="en-US" dirty="0"/>
+          </a:p>
+          <a:p>
+            <a:r>
+              <a:rPr lang="en-US" dirty="0" err="1"/>
+              <a:t>AdminApprovalController</a:t>
+            </a:r>
+            <a:r>
+              <a:rPr lang="en-US" dirty="0"/>
+              <a:t> → </a:t>
+            </a:r>
+            <a:r>
+              <a:rPr lang="en-US" dirty="0" err="1"/>
+              <a:t>gọi</a:t>
+            </a:r>
+            <a:r>
+              <a:rPr lang="en-US" dirty="0"/>
+              <a:t> </a:t>
+            </a:r>
+            <a:r>
+              <a:rPr lang="en-US" dirty="0" err="1"/>
+              <a:t>NotificationService</a:t>
+            </a:r>
+            <a:r>
+              <a:rPr lang="en-US" dirty="0"/>
+              <a:t> </a:t>
+            </a:r>
+            <a:r>
+              <a:rPr lang="en-US" dirty="0" err="1"/>
+              <a:t>để</a:t>
+            </a:r>
+            <a:r>
+              <a:rPr lang="en-US" dirty="0"/>
+              <a:t> </a:t>
+            </a:r>
+            <a:r>
+              <a:rPr lang="en-US" dirty="0" err="1"/>
+              <a:t>gửi</a:t>
+            </a:r>
+            <a:r>
+              <a:rPr lang="en-US" dirty="0"/>
+              <a:t> </a:t>
+            </a:r>
+            <a:r>
+              <a:rPr lang="en-US" dirty="0" err="1"/>
+              <a:t>thông</a:t>
+            </a:r>
+            <a:r>
+              <a:rPr lang="en-US" dirty="0"/>
+              <a:t> </a:t>
+            </a:r>
+            <a:r>
+              <a:rPr lang="en-US" dirty="0" err="1"/>
+              <a:t>báo</a:t>
+            </a:r>
+            <a:r>
+              <a:rPr lang="en-US" dirty="0"/>
+              <a:t> </a:t>
+            </a:r>
+            <a:r>
+              <a:rPr lang="en-US" dirty="0" err="1"/>
+              <a:t>kết</a:t>
+            </a:r>
+            <a:r>
+              <a:rPr lang="en-US" dirty="0"/>
+              <a:t> </a:t>
+            </a:r>
+            <a:r>
+              <a:rPr lang="en-US" dirty="0" err="1"/>
+              <a:t>quả</a:t>
+            </a:r>
+            <a:r>
+              <a:rPr lang="en-US" dirty="0"/>
+              <a:t> </a:t>
+            </a:r>
+            <a:r>
+              <a:rPr lang="en-US" dirty="0" err="1"/>
+              <a:t>duyệt</a:t>
+            </a:r>
+            <a:r>
+              <a:rPr lang="en-US" dirty="0"/>
+              <a:t>.</a:t>
+            </a:r>
+          </a:p>
+        </p:txBody>
+      </p:sp>
+    </p:spTree>
+    <p:extLst>
+      <p:ext uri="{BB962C8B-B14F-4D97-AF65-F5344CB8AC3E}">
+        <p14:creationId xmlns:p14="http://schemas.microsoft.com/office/powerpoint/2010/main" val="3394267255"/>
       </p:ext>
     </p:extLst>
   </p:cSld>

--- a/Class Diagram/Class_group.pptx
+++ b/Class Diagram/Class_group.pptx
@@ -269,7 +269,7 @@
           <a:p>
             <a:fld id="{7EB2D1C5-42D2-4F10-9083-C2DBB17A6683}" type="datetimeFigureOut">
               <a:rPr lang="en-US" smtClean="0"/>
-              <a:t>5/10/2025</a:t>
+              <a:t>5/18/2025</a:t>
             </a:fld>
             <a:endParaRPr lang="en-US"/>
           </a:p>
@@ -467,7 +467,7 @@
           <a:p>
             <a:fld id="{7EB2D1C5-42D2-4F10-9083-C2DBB17A6683}" type="datetimeFigureOut">
               <a:rPr lang="en-US" smtClean="0"/>
-              <a:t>5/10/2025</a:t>
+              <a:t>5/18/2025</a:t>
             </a:fld>
             <a:endParaRPr lang="en-US"/>
           </a:p>
@@ -675,7 +675,7 @@
           <a:p>
             <a:fld id="{7EB2D1C5-42D2-4F10-9083-C2DBB17A6683}" type="datetimeFigureOut">
               <a:rPr lang="en-US" smtClean="0"/>
-              <a:t>5/10/2025</a:t>
+              <a:t>5/18/2025</a:t>
             </a:fld>
             <a:endParaRPr lang="en-US"/>
           </a:p>
@@ -873,7 +873,7 @@
           <a:p>
             <a:fld id="{7EB2D1C5-42D2-4F10-9083-C2DBB17A6683}" type="datetimeFigureOut">
               <a:rPr lang="en-US" smtClean="0"/>
-              <a:t>5/10/2025</a:t>
+              <a:t>5/18/2025</a:t>
             </a:fld>
             <a:endParaRPr lang="en-US"/>
           </a:p>
@@ -1148,7 +1148,7 @@
           <a:p>
             <a:fld id="{7EB2D1C5-42D2-4F10-9083-C2DBB17A6683}" type="datetimeFigureOut">
               <a:rPr lang="en-US" smtClean="0"/>
-              <a:t>5/10/2025</a:t>
+              <a:t>5/18/2025</a:t>
             </a:fld>
             <a:endParaRPr lang="en-US"/>
           </a:p>
@@ -1413,7 +1413,7 @@
           <a:p>
             <a:fld id="{7EB2D1C5-42D2-4F10-9083-C2DBB17A6683}" type="datetimeFigureOut">
               <a:rPr lang="en-US" smtClean="0"/>
-              <a:t>5/10/2025</a:t>
+              <a:t>5/18/2025</a:t>
             </a:fld>
             <a:endParaRPr lang="en-US"/>
           </a:p>
@@ -1825,7 +1825,7 @@
           <a:p>
             <a:fld id="{7EB2D1C5-42D2-4F10-9083-C2DBB17A6683}" type="datetimeFigureOut">
               <a:rPr lang="en-US" smtClean="0"/>
-              <a:t>5/10/2025</a:t>
+              <a:t>5/18/2025</a:t>
             </a:fld>
             <a:endParaRPr lang="en-US"/>
           </a:p>
@@ -1966,7 +1966,7 @@
           <a:p>
             <a:fld id="{7EB2D1C5-42D2-4F10-9083-C2DBB17A6683}" type="datetimeFigureOut">
               <a:rPr lang="en-US" smtClean="0"/>
-              <a:t>5/10/2025</a:t>
+              <a:t>5/18/2025</a:t>
             </a:fld>
             <a:endParaRPr lang="en-US"/>
           </a:p>
@@ -2079,7 +2079,7 @@
           <a:p>
             <a:fld id="{7EB2D1C5-42D2-4F10-9083-C2DBB17A6683}" type="datetimeFigureOut">
               <a:rPr lang="en-US" smtClean="0"/>
-              <a:t>5/10/2025</a:t>
+              <a:t>5/18/2025</a:t>
             </a:fld>
             <a:endParaRPr lang="en-US"/>
           </a:p>
@@ -2390,7 +2390,7 @@
           <a:p>
             <a:fld id="{7EB2D1C5-42D2-4F10-9083-C2DBB17A6683}" type="datetimeFigureOut">
               <a:rPr lang="en-US" smtClean="0"/>
-              <a:t>5/10/2025</a:t>
+              <a:t>5/18/2025</a:t>
             </a:fld>
             <a:endParaRPr lang="en-US"/>
           </a:p>
@@ -2678,7 +2678,7 @@
           <a:p>
             <a:fld id="{7EB2D1C5-42D2-4F10-9083-C2DBB17A6683}" type="datetimeFigureOut">
               <a:rPr lang="en-US" smtClean="0"/>
-              <a:t>5/10/2025</a:t>
+              <a:t>5/18/2025</a:t>
             </a:fld>
             <a:endParaRPr lang="en-US"/>
           </a:p>
@@ -2919,7 +2919,7 @@
           <a:p>
             <a:fld id="{7EB2D1C5-42D2-4F10-9083-C2DBB17A6683}" type="datetimeFigureOut">
               <a:rPr lang="en-US" smtClean="0"/>
-              <a:t>5/10/2025</a:t>
+              <a:t>5/18/2025</a:t>
             </a:fld>
             <a:endParaRPr lang="en-US"/>
           </a:p>
@@ -7257,7 +7257,7 @@
         <p:spPr>
           <a:xfrm>
             <a:off x="10424161" y="379612"/>
-            <a:ext cx="1767840" cy="691542"/>
+            <a:ext cx="1767840" cy="973076"/>
           </a:xfrm>
           <a:prstGeom prst="rect">
             <a:avLst/>
@@ -7324,6 +7324,19 @@
               </a:rPr>
               <a:t>sendAnswers</a:t>
             </a:r>
+            <a:br>
+              <a:rPr lang="vi-VN" sz="1400" dirty="0">
+                <a:latin typeface="Times New Roman" panose="02020603050405020304" pitchFamily="18" charset="0"/>
+                <a:cs typeface="Times New Roman" panose="02020603050405020304" pitchFamily="18" charset="0"/>
+              </a:rPr>
+            </a:br>
+            <a:r>
+              <a:rPr lang="vi-VN" sz="1400" dirty="0">
+                <a:latin typeface="Times New Roman" panose="02020603050405020304" pitchFamily="18" charset="0"/>
+                <a:cs typeface="Times New Roman" panose="02020603050405020304" pitchFamily="18" charset="0"/>
+              </a:rPr>
+              <a:t>cancel()</a:t>
+            </a:r>
             <a:endParaRPr lang="en-US" sz="1400" dirty="0">
               <a:latin typeface="Times New Roman" panose="02020603050405020304" pitchFamily="18" charset="0"/>
               <a:cs typeface="Times New Roman" panose="02020603050405020304" pitchFamily="18" charset="0"/>
@@ -7572,7 +7585,7 @@
         <p:spPr>
           <a:xfrm>
             <a:off x="9614825" y="2923903"/>
-            <a:ext cx="2577175" cy="576943"/>
+            <a:ext cx="2577175" cy="593464"/>
           </a:xfrm>
           <a:prstGeom prst="rect">
             <a:avLst/>
@@ -7645,6 +7658,23 @@
               </a:rPr>
               <a:t>, answer)</a:t>
             </a:r>
+            <a:br>
+              <a:rPr lang="vi-VN" sz="1400" dirty="0">
+                <a:latin typeface="Times New Roman" panose="02020603050405020304" pitchFamily="18" charset="0"/>
+                <a:cs typeface="Times New Roman" panose="02020603050405020304" pitchFamily="18" charset="0"/>
+              </a:rPr>
+            </a:br>
+            <a:r>
+              <a:rPr lang="vi-VN" sz="1400" dirty="0">
+                <a:latin typeface="Times New Roman" panose="02020603050405020304" pitchFamily="18" charset="0"/>
+                <a:cs typeface="Times New Roman" panose="02020603050405020304" pitchFamily="18" charset="0"/>
+              </a:rPr>
+              <a:t>cancelJoinRequest</a:t>
+            </a:r>
+            <a:endParaRPr lang="en-US" sz="1400" dirty="0">
+              <a:latin typeface="Times New Roman" panose="02020603050405020304" pitchFamily="18" charset="0"/>
+              <a:cs typeface="Times New Roman" panose="02020603050405020304" pitchFamily="18" charset="0"/>
+            </a:endParaRPr>
           </a:p>
         </p:txBody>
       </p:sp>
@@ -7800,8 +7830,8 @@
         </p:nvCxnSpPr>
         <p:spPr>
           <a:xfrm flipH="1">
-            <a:off x="10903413" y="1071154"/>
-            <a:ext cx="404668" cy="1473137"/>
+            <a:off x="10903413" y="1352688"/>
+            <a:ext cx="404668" cy="1191603"/>
           </a:xfrm>
           <a:prstGeom prst="straightConnector1">
             <a:avLst/>
@@ -7931,8 +7961,8 @@
         </p:nvCxnSpPr>
         <p:spPr>
           <a:xfrm flipH="1">
-            <a:off x="6096000" y="3500846"/>
-            <a:ext cx="4807413" cy="1281398"/>
+            <a:off x="6096000" y="3517367"/>
+            <a:ext cx="4807413" cy="1264877"/>
           </a:xfrm>
           <a:prstGeom prst="straightConnector1">
             <a:avLst/>
